--- a/draft-gandhi-ippm-stamp-direct-loss-00.pptx
+++ b/draft-gandhi-ippm-stamp-direct-loss-00.pptx
@@ -254,7 +254,7 @@
           <a:p>
             <a:fld id="{E8FA3DB5-7722-3F4F-947D-12B203669AD7}" type="datetimeFigureOut">
               <a:rPr lang="en-US" smtClean="0"/>
-              <a:t>1/30/21</a:t>
+              <a:t>1/31/21</a:t>
             </a:fld>
             <a:endParaRPr lang="en-US"/>
           </a:p>
@@ -2420,14 +2420,14 @@
           </a:ln>
           <a:extLst>
             <a:ext uri="{909E8E84-426E-40dd-AFC4-6F175D3DCCD1}">
-              <a14:hiddenFill xmlns="" xmlns:a14="http://schemas.microsoft.com/office/drawing/2010/main">
+              <a14:hiddenFill xmlns:a14="http://schemas.microsoft.com/office/drawing/2010/main" xmlns="">
                 <a:solidFill>
                   <a:srgbClr val="FFFFFF"/>
                 </a:solidFill>
               </a14:hiddenFill>
             </a:ext>
             <a:ext uri="{91240B29-F687-4f45-9708-019B960494DF}">
-              <a14:hiddenLine xmlns="" xmlns:a14="http://schemas.microsoft.com/office/drawing/2010/main" w="9525">
+              <a14:hiddenLine xmlns:a14="http://schemas.microsoft.com/office/drawing/2010/main" xmlns="" w="9525">
                 <a:solidFill>
                   <a:srgbClr val="000000"/>
                 </a:solidFill>
@@ -2680,7 +2680,7 @@
               </a14:hiddenLine>
             </a:ext>
             <a:ext uri="{FAA26D3D-D897-4be2-8F04-BA451C77F1D7}">
-              <ma14:placeholderFlag xmlns="" xmlns:ma14="http://schemas.microsoft.com/office/mac/drawingml/2011/main" val="1"/>
+              <ma14:placeholderFlag xmlns:ma14="http://schemas.microsoft.com/office/mac/drawingml/2011/main" xmlns="" val="1"/>
             </a:ext>
           </a:extLst>
         </p:spPr>
@@ -11034,14 +11034,14 @@
             <p:ph idx="1"/>
             <p:extLst>
               <p:ext uri="{D42A27DB-BD31-4B8C-83A1-F6EECF244321}">
-                <p14:modId xmlns:p14="http://schemas.microsoft.com/office/powerpoint/2010/main" val="3377094875"/>
+                <p14:modId xmlns:p14="http://schemas.microsoft.com/office/powerpoint/2010/main" val="2217782874"/>
               </p:ext>
             </p:extLst>
           </p:nvPr>
         </p:nvGraphicFramePr>
         <p:xfrm>
           <a:off x="304800" y="696278"/>
-          <a:ext cx="8534400" cy="3931920"/>
+          <a:ext cx="8534400" cy="3657600"/>
         </p:xfrm>
         <a:graphic>
           <a:graphicData uri="http://schemas.openxmlformats.org/drawingml/2006/table">
@@ -11050,21 +11050,21 @@
                 <a:tableStyleId>{912C8C85-51F0-491E-9774-3900AFEF0FD7}</a:tableStyleId>
               </a:tblPr>
               <a:tblGrid>
-                <a:gridCol w="3239911">
+                <a:gridCol w="3124200">
                   <a:extLst>
                     <a:ext uri="{9D8B030D-6E8A-4147-A177-3AD203B41FA5}">
                       <a16:colId xmlns:a16="http://schemas.microsoft.com/office/drawing/2014/main" val="704179991"/>
                     </a:ext>
                   </a:extLst>
                 </a:gridCol>
-                <a:gridCol w="2528711">
+                <a:gridCol w="2438400">
                   <a:extLst>
                     <a:ext uri="{9D8B030D-6E8A-4147-A177-3AD203B41FA5}">
                       <a16:colId xmlns:a16="http://schemas.microsoft.com/office/drawing/2014/main" val="2450600246"/>
                     </a:ext>
                   </a:extLst>
                 </a:gridCol>
-                <a:gridCol w="2765778">
+                <a:gridCol w="2971800">
                   <a:extLst>
                     <a:ext uri="{9D8B030D-6E8A-4147-A177-3AD203B41FA5}">
                       <a16:colId xmlns:a16="http://schemas.microsoft.com/office/drawing/2014/main" val="3735205648"/>
@@ -11072,13 +11072,13 @@
                   </a:extLst>
                 </a:gridCol>
               </a:tblGrid>
-              <a:tr h="241541">
+              <a:tr h="219570">
                 <a:tc>
                   <a:txBody>
                     <a:bodyPr/>
                     <a:lstStyle/>
                     <a:p>
-                      <a:endParaRPr lang="en-US" sz="1100" dirty="0"/>
+                      <a:endParaRPr lang="en-US" sz="1000" dirty="0"/>
                     </a:p>
                   </a:txBody>
                   <a:tcPr anchor="ctr"/>
@@ -11089,7 +11089,7 @@
                     <a:lstStyle/>
                     <a:p>
                       <a:r>
-                        <a:rPr lang="en-US" sz="1100" dirty="0"/>
+                        <a:rPr lang="en-US" sz="1000" dirty="0"/>
                         <a:t>Direct Measurement TLV</a:t>
                       </a:r>
                     </a:p>
@@ -11102,7 +11102,7 @@
                     <a:lstStyle/>
                     <a:p>
                       <a:r>
-                        <a:rPr lang="en-US" sz="1100" dirty="0"/>
+                        <a:rPr lang="en-US" sz="1000" dirty="0"/>
                         <a:t>Direct Measurement Test Packet</a:t>
                       </a:r>
                     </a:p>
@@ -11115,14 +11115,14 @@
                   </a:ext>
                 </a:extLst>
               </a:tr>
-              <a:tr h="357587">
+              <a:tr h="361645">
                 <a:tc>
                   <a:txBody>
                     <a:bodyPr/>
                     <a:lstStyle/>
                     <a:p>
                       <a:r>
-                        <a:rPr lang="en-US" sz="1100" dirty="0"/>
+                        <a:rPr lang="en-US" sz="1000" dirty="0"/>
                         <a:t>Need TLV processing for each received packet on Session-Reflector in hardware</a:t>
                       </a:r>
                     </a:p>
@@ -11135,7 +11135,7 @@
                     <a:lstStyle/>
                     <a:p>
                       <a:r>
-                        <a:rPr lang="en-US" sz="1100" dirty="0"/>
+                        <a:rPr lang="en-US" sz="1000" dirty="0"/>
                         <a:t>Yes</a:t>
                       </a:r>
                     </a:p>
@@ -11148,7 +11148,7 @@
                     <a:lstStyle/>
                     <a:p>
                       <a:r>
-                        <a:rPr lang="en-US" sz="1100" dirty="0"/>
+                        <a:rPr lang="en-US" sz="1000" dirty="0"/>
                         <a:t>No</a:t>
                       </a:r>
                     </a:p>
@@ -11161,20 +11161,20 @@
                   </a:ext>
                 </a:extLst>
               </a:tr>
-              <a:tr h="241541">
+              <a:tr h="361645">
                 <a:tc>
                   <a:txBody>
                     <a:bodyPr/>
                     <a:lstStyle/>
                     <a:p>
                       <a:r>
-                        <a:rPr lang="en-US" sz="1100" dirty="0"/>
+                        <a:rPr lang="en-US" sz="1000" dirty="0"/>
                         <a:t>Need to write timestamp </a:t>
                       </a:r>
                     </a:p>
                     <a:p>
                       <a:r>
-                        <a:rPr lang="en-US" sz="1100" dirty="0"/>
+                        <a:rPr lang="en-US" sz="1000" dirty="0"/>
                         <a:t>(clock sync needed for one-way delay)</a:t>
                       </a:r>
                     </a:p>
@@ -11187,7 +11187,7 @@
                     <a:lstStyle/>
                     <a:p>
                       <a:r>
-                        <a:rPr lang="en-US" sz="1100" dirty="0"/>
+                        <a:rPr lang="en-US" sz="1000" dirty="0"/>
                         <a:t>Yes</a:t>
                       </a:r>
                     </a:p>
@@ -11200,7 +11200,7 @@
                     <a:lstStyle/>
                     <a:p>
                       <a:r>
-                        <a:rPr lang="en-US" sz="1100" dirty="0"/>
+                        <a:rPr lang="en-US" sz="1000" dirty="0"/>
                         <a:t>N/A</a:t>
                       </a:r>
                     </a:p>
@@ -11213,14 +11213,14 @@
                   </a:ext>
                 </a:extLst>
               </a:tr>
-              <a:tr h="498067">
+              <a:tr h="503720">
                 <a:tc>
                   <a:txBody>
                     <a:bodyPr/>
                     <a:lstStyle/>
                     <a:p>
                       <a:r>
-                        <a:rPr lang="en-US" sz="1100" dirty="0"/>
+                        <a:rPr lang="en-US" sz="1000" dirty="0"/>
                         <a:t>Minimum bytes to load in write-able memory</a:t>
                       </a:r>
                     </a:p>
@@ -11233,7 +11233,7 @@
                     <a:lstStyle/>
                     <a:p>
                       <a:r>
-                        <a:rPr lang="en-US" sz="1100" dirty="0"/>
+                        <a:rPr lang="en-US" sz="1000" dirty="0"/>
                         <a:t>114</a:t>
                       </a:r>
                     </a:p>
@@ -11256,7 +11256,7 @@
                         <a:defRPr/>
                       </a:pPr>
                       <a:r>
-                        <a:rPr lang="en-US" sz="1100" dirty="0"/>
+                        <a:rPr lang="en-US" sz="1000" dirty="0"/>
                         <a:t>(Eth 18, IPv6 40, UDP 8, STAMP 44, TLV Type 4, Total = 114 Byte)</a:t>
                       </a:r>
                     </a:p>
@@ -11269,13 +11269,13 @@
                     <a:lstStyle/>
                     <a:p>
                       <a:r>
-                        <a:rPr lang="en-US" sz="1100" dirty="0"/>
+                        <a:rPr lang="en-US" sz="1000" dirty="0"/>
                         <a:t>70</a:t>
                       </a:r>
                     </a:p>
                     <a:p>
                       <a:r>
-                        <a:rPr lang="en-US" sz="1100" dirty="0"/>
+                        <a:rPr lang="en-US" sz="1000" dirty="0"/>
                         <a:t>(Eth 18, IPv6 40, UDP 8, Seq 4, Total = 70 Byte)</a:t>
                       </a:r>
                     </a:p>
@@ -11288,14 +11288,14 @@
                   </a:ext>
                 </a:extLst>
               </a:tr>
-              <a:tr h="357587">
+              <a:tr h="361645">
                 <a:tc>
                   <a:txBody>
                     <a:bodyPr/>
                     <a:lstStyle/>
                     <a:p>
                       <a:r>
-                        <a:rPr lang="en-US" sz="1100" dirty="0"/>
+                        <a:rPr lang="en-US" sz="1000" dirty="0"/>
                         <a:t>Counters at fixed location in the test packet for in-band hardware counter-stamping</a:t>
                       </a:r>
                     </a:p>
@@ -11308,7 +11308,7 @@
                     <a:lstStyle/>
                     <a:p>
                       <a:r>
-                        <a:rPr lang="en-US" sz="1100" dirty="0"/>
+                        <a:rPr lang="en-US" sz="1000" dirty="0"/>
                         <a:t>No (TLV-based)</a:t>
                       </a:r>
                     </a:p>
@@ -11321,7 +11321,7 @@
                     <a:lstStyle/>
                     <a:p>
                       <a:r>
-                        <a:rPr lang="en-US" sz="1100" dirty="0"/>
+                        <a:rPr lang="en-US" sz="1000" dirty="0"/>
                         <a:t>Yes</a:t>
                       </a:r>
                     </a:p>
@@ -11334,14 +11334,14 @@
                   </a:ext>
                 </a:extLst>
               </a:tr>
-              <a:tr h="357587">
+              <a:tr h="361645">
                 <a:tc>
                   <a:txBody>
                     <a:bodyPr/>
                     <a:lstStyle/>
                     <a:p>
                       <a:r>
-                        <a:rPr lang="en-US" sz="1100" dirty="0"/>
+                        <a:rPr lang="en-US" sz="1000" dirty="0"/>
                         <a:t>Reply test packets with counters at the fixed location for in-band hardware counter-stamping</a:t>
                       </a:r>
                     </a:p>
@@ -11354,7 +11354,7 @@
                     <a:lstStyle/>
                     <a:p>
                       <a:r>
-                        <a:rPr lang="en-US" sz="1100" dirty="0"/>
+                        <a:rPr lang="en-US" sz="1000" dirty="0"/>
                         <a:t>No</a:t>
                       </a:r>
                     </a:p>
@@ -11367,7 +11367,7 @@
                     <a:lstStyle/>
                     <a:p>
                       <a:r>
-                        <a:rPr lang="en-US" sz="1100" dirty="0"/>
+                        <a:rPr lang="en-US" sz="1000" dirty="0"/>
                         <a:t>Yes</a:t>
                       </a:r>
                     </a:p>
@@ -11380,14 +11380,14 @@
                   </a:ext>
                 </a:extLst>
               </a:tr>
-              <a:tr h="241541">
+              <a:tr h="219570">
                 <a:tc>
                   <a:txBody>
                     <a:bodyPr/>
                     <a:lstStyle/>
                     <a:p>
                       <a:r>
-                        <a:rPr lang="en-US" sz="1100" dirty="0"/>
+                        <a:rPr lang="en-US" sz="1000" dirty="0"/>
                         <a:t>Byte counters</a:t>
                       </a:r>
                     </a:p>
@@ -11400,7 +11400,7 @@
                     <a:lstStyle/>
                     <a:p>
                       <a:r>
-                        <a:rPr lang="en-US" sz="1100" dirty="0"/>
+                        <a:rPr lang="en-US" sz="1000" dirty="0"/>
                         <a:t>No</a:t>
                       </a:r>
                     </a:p>
@@ -11413,7 +11413,7 @@
                     <a:lstStyle/>
                     <a:p>
                       <a:r>
-                        <a:rPr lang="en-US" sz="1100" dirty="0"/>
+                        <a:rPr lang="en-US" sz="1000" dirty="0"/>
                         <a:t>Yes</a:t>
                       </a:r>
                     </a:p>
@@ -11426,14 +11426,14 @@
                   </a:ext>
                 </a:extLst>
               </a:tr>
-              <a:tr h="241541">
+              <a:tr h="219570">
                 <a:tc>
                   <a:txBody>
                     <a:bodyPr/>
                     <a:lstStyle/>
                     <a:p>
                       <a:r>
-                        <a:rPr lang="en-US" sz="1100" dirty="0"/>
+                        <a:rPr lang="en-US" sz="1000" dirty="0"/>
                         <a:t>64-bit packet and byte counters</a:t>
                       </a:r>
                     </a:p>
@@ -11446,7 +11446,7 @@
                     <a:lstStyle/>
                     <a:p>
                       <a:r>
-                        <a:rPr lang="en-US" sz="1100" dirty="0"/>
+                        <a:rPr lang="en-US" sz="1000" dirty="0"/>
                         <a:t>No</a:t>
                       </a:r>
                     </a:p>
@@ -11459,7 +11459,7 @@
                     <a:lstStyle/>
                     <a:p>
                       <a:r>
-                        <a:rPr lang="en-US" sz="1100" dirty="0"/>
+                        <a:rPr lang="en-US" sz="1000" dirty="0"/>
                         <a:t>Yes</a:t>
                       </a:r>
                     </a:p>
@@ -11472,20 +11472,20 @@
                   </a:ext>
                 </a:extLst>
               </a:tr>
-              <a:tr h="498067">
+              <a:tr h="503720">
                 <a:tc>
                   <a:txBody>
                     <a:bodyPr/>
                     <a:lstStyle/>
                     <a:p>
                       <a:r>
-                        <a:rPr lang="en-US" sz="1100" dirty="0"/>
+                        <a:rPr lang="en-US" sz="1000" dirty="0"/>
                         <a:t>Alternate-marking method packet loss - using block number for counters</a:t>
                       </a:r>
                     </a:p>
                     <a:p>
                       <a:r>
-                        <a:rPr lang="en-US" sz="1100" dirty="0"/>
+                        <a:rPr lang="en-US" sz="1000" dirty="0"/>
                         <a:t>(out-of-order data packet support)</a:t>
                       </a:r>
                     </a:p>
@@ -11498,7 +11498,7 @@
                     <a:lstStyle/>
                     <a:p>
                       <a:r>
-                        <a:rPr lang="en-US" sz="1100" dirty="0"/>
+                        <a:rPr lang="en-US" sz="1000" dirty="0"/>
                         <a:t>No</a:t>
                       </a:r>
                     </a:p>
@@ -11511,7 +11511,7 @@
                     <a:lstStyle/>
                     <a:p>
                       <a:r>
-                        <a:rPr lang="en-US" sz="1100" dirty="0"/>
+                        <a:rPr lang="en-US" sz="1000" dirty="0"/>
                         <a:t>Yes</a:t>
                       </a:r>
                     </a:p>
@@ -11524,14 +11524,14 @@
                   </a:ext>
                 </a:extLst>
               </a:tr>
-              <a:tr h="241541">
+              <a:tr h="219570">
                 <a:tc>
                   <a:txBody>
                     <a:bodyPr/>
                     <a:lstStyle/>
                     <a:p>
                       <a:r>
-                        <a:rPr lang="en-US" sz="1100" dirty="0"/>
+                        <a:rPr lang="en-US" sz="1000" dirty="0"/>
                         <a:t>Per Traffic Class Counters</a:t>
                       </a:r>
                     </a:p>
@@ -11544,7 +11544,7 @@
                     <a:lstStyle/>
                     <a:p>
                       <a:r>
-                        <a:rPr lang="en-US" sz="1100" dirty="0"/>
+                        <a:rPr lang="en-US" sz="1000" dirty="0"/>
                         <a:t>No</a:t>
                       </a:r>
                     </a:p>
@@ -11557,7 +11557,7 @@
                     <a:lstStyle/>
                     <a:p>
                       <a:r>
-                        <a:rPr lang="en-US" sz="1100" dirty="0"/>
+                        <a:rPr lang="en-US" sz="1000" dirty="0"/>
                         <a:t>Yes</a:t>
                       </a:r>
                     </a:p>
@@ -11718,14 +11718,14 @@
               </a14:hiddenLine>
             </a:ext>
             <a:ext uri="{909E8E84-426E-40dd-AFC4-6F175D3DCCD1}">
-              <a14:hiddenFill xmlns="" xmlns:a14="http://schemas.microsoft.com/office/drawing/2010/main">
+              <a14:hiddenFill xmlns:a14="http://schemas.microsoft.com/office/drawing/2010/main" xmlns="">
                 <a:solidFill>
                   <a:srgbClr val="FFFFFF"/>
                 </a:solidFill>
               </a14:hiddenFill>
             </a:ext>
             <a:ext uri="{91240B29-F687-4f45-9708-019B960494DF}">
-              <a14:hiddenLine xmlns="" xmlns:a14="http://schemas.microsoft.com/office/drawing/2010/main" w="9525">
+              <a14:hiddenLine xmlns:a14="http://schemas.microsoft.com/office/drawing/2010/main" xmlns="" w="9525">
                 <a:solidFill>
                   <a:srgbClr val="000000"/>
                 </a:solidFill>
@@ -13861,18 +13861,14 @@
           </a:p>
           <a:p>
             <a:r>
-              <a:rPr lang="en-CA" sz="1400"/>
-              <a:t>RFC 8957 </a:t>
-            </a:r>
-            <a:r>
               <a:rPr lang="en-CA" sz="1400" dirty="0"/>
-              <a:t>- Synonymous Flow Label Framework</a:t>
+              <a:t>RFC 8957 - Synonymous Flow Label Framework</a:t>
             </a:r>
           </a:p>
           <a:p>
             <a:r>
               <a:rPr lang="en-CA" sz="1400" dirty="0"/>
-              <a:t>Control plane-based packet loss with distributed forwarding LCs, using block number of the counters</a:t>
+              <a:t>Control plane-based packet loss measurement with distributed forwarding LCs, using block number of the counters</a:t>
             </a:r>
           </a:p>
           <a:p>
@@ -13999,8 +13995,8 @@
         </p:nvSpPr>
         <p:spPr>
           <a:xfrm>
-            <a:off x="1333500" y="2193369"/>
-            <a:ext cx="6477000" cy="2092881"/>
+            <a:off x="1447800" y="2181344"/>
+            <a:ext cx="5829300" cy="2092881"/>
           </a:xfrm>
           <a:prstGeom prst="rect">
             <a:avLst/>
@@ -14515,7 +14511,7 @@
                 <a:latin typeface="Calibri Light" panose="020F0302020204030204" pitchFamily="34" charset="0"/>
                 <a:cs typeface="Calibri Light" panose="020F0302020204030204" pitchFamily="34" charset="0"/>
               </a:rPr>
-              <a:t>Packet Loss Calculation </a:t>
+              <a:t>Data Packet Loss Calculation </a:t>
             </a:r>
           </a:p>
         </p:txBody>
@@ -14818,7 +14814,7 @@
                 <a:ea typeface="Calibri" panose="020F0502020204030204" pitchFamily="34" charset="0"/>
                 <a:cs typeface="Times New Roman" panose="02020603050405020304" pitchFamily="18" charset="0"/>
               </a:rPr>
-              <a:t>DM Session-Sender        DM Session-Reflector</a:t>
+              <a:t> Session-Sender              Session-Reflector</a:t>
             </a:r>
           </a:p>
           <a:p>
@@ -14838,7 +14834,7 @@
                 <a:ea typeface="Calibri" panose="020F0502020204030204" pitchFamily="34" charset="0"/>
                 <a:cs typeface="Times New Roman" panose="02020603050405020304" pitchFamily="18" charset="0"/>
               </a:rPr>
-              <a:t>           DM Reference Topology</a:t>
+              <a:t>            Reference Topology</a:t>
             </a:r>
             <a:endParaRPr lang="en-US" sz="1200" dirty="0">
               <a:latin typeface="Courier" pitchFamily="2" charset="0"/>

--- a/draft-gandhi-ippm-stamp-direct-loss-00.pptx
+++ b/draft-gandhi-ippm-stamp-direct-loss-00.pptx
@@ -2420,14 +2420,14 @@
           </a:ln>
           <a:extLst>
             <a:ext uri="{909E8E84-426E-40dd-AFC4-6F175D3DCCD1}">
-              <a14:hiddenFill xmlns:a14="http://schemas.microsoft.com/office/drawing/2010/main" xmlns="">
+              <a14:hiddenFill xmlns="" xmlns:a14="http://schemas.microsoft.com/office/drawing/2010/main">
                 <a:solidFill>
                   <a:srgbClr val="FFFFFF"/>
                 </a:solidFill>
               </a14:hiddenFill>
             </a:ext>
             <a:ext uri="{91240B29-F687-4f45-9708-019B960494DF}">
-              <a14:hiddenLine xmlns:a14="http://schemas.microsoft.com/office/drawing/2010/main" xmlns="" w="9525">
+              <a14:hiddenLine xmlns="" xmlns:a14="http://schemas.microsoft.com/office/drawing/2010/main" w="9525">
                 <a:solidFill>
                   <a:srgbClr val="000000"/>
                 </a:solidFill>
@@ -2680,7 +2680,7 @@
               </a14:hiddenLine>
             </a:ext>
             <a:ext uri="{FAA26D3D-D897-4be2-8F04-BA451C77F1D7}">
-              <ma14:placeholderFlag xmlns:ma14="http://schemas.microsoft.com/office/mac/drawingml/2011/main" xmlns="" val="1"/>
+              <ma14:placeholderFlag xmlns="" xmlns:ma14="http://schemas.microsoft.com/office/mac/drawingml/2011/main" val="1"/>
             </a:ext>
           </a:extLst>
         </p:spPr>
@@ -11718,14 +11718,14 @@
               </a14:hiddenLine>
             </a:ext>
             <a:ext uri="{909E8E84-426E-40dd-AFC4-6F175D3DCCD1}">
-              <a14:hiddenFill xmlns:a14="http://schemas.microsoft.com/office/drawing/2010/main" xmlns="">
+              <a14:hiddenFill xmlns="" xmlns:a14="http://schemas.microsoft.com/office/drawing/2010/main">
                 <a:solidFill>
                   <a:srgbClr val="FFFFFF"/>
                 </a:solidFill>
               </a14:hiddenFill>
             </a:ext>
             <a:ext uri="{91240B29-F687-4f45-9708-019B960494DF}">
-              <a14:hiddenLine xmlns:a14="http://schemas.microsoft.com/office/drawing/2010/main" xmlns="" w="9525">
+              <a14:hiddenLine xmlns="" xmlns:a14="http://schemas.microsoft.com/office/drawing/2010/main" w="9525">
                 <a:solidFill>
                   <a:srgbClr val="000000"/>
                 </a:solidFill>
@@ -11928,7 +11928,7 @@
                 <a:latin typeface="Calibri Light" panose="020F0302020204030204" pitchFamily="34" charset="0"/>
                 <a:cs typeface="Calibri Light" panose="020F0302020204030204" pitchFamily="34" charset="0"/>
               </a:rPr>
-              <a:t>- in-band Counter-stamping in Hardware</a:t>
+              <a:t>- In-band Counter-stamping in Hardware</a:t>
             </a:r>
           </a:p>
         </p:txBody>
@@ -12213,26 +12213,6 @@
                 <a:cs typeface="Arial" panose="020B0604020202020204" pitchFamily="34" charset="0"/>
               </a:rPr>
               <a:t>= 0</a:t>
-            </a:r>
-          </a:p>
-          <a:p>
-            <a:pPr>
-              <a:lnSpc>
-                <a:spcPts val="1360"/>
-              </a:lnSpc>
-              <a:spcBef>
-                <a:spcPts val="0"/>
-              </a:spcBef>
-            </a:pPr>
-            <a:r>
-              <a:rPr lang="en-US" sz="1000" dirty="0">
-                <a:solidFill>
-                  <a:srgbClr val="002060"/>
-                </a:solidFill>
-                <a:latin typeface="Arial" panose="020B0604020202020204" pitchFamily="34" charset="0"/>
-                <a:cs typeface="Arial" panose="020B0604020202020204" pitchFamily="34" charset="0"/>
-              </a:rPr>
-              <a:t>Traffic Counters – counter-stamping in hardware</a:t>
             </a:r>
           </a:p>
         </p:txBody>
@@ -14496,7 +14476,7 @@
         <p:spPr>
           <a:xfrm>
             <a:off x="457200" y="0"/>
-            <a:ext cx="8229600" cy="857250"/>
+            <a:ext cx="8229600" cy="748055"/>
           </a:xfrm>
         </p:spPr>
         <p:txBody>
@@ -14534,8 +14514,8 @@
         </p:nvSpPr>
         <p:spPr>
           <a:xfrm>
-            <a:off x="971550" y="3562350"/>
-            <a:ext cx="7200900" cy="1026670"/>
+            <a:off x="609600" y="3411600"/>
+            <a:ext cx="8077200" cy="1154999"/>
           </a:xfrm>
         </p:spPr>
         <p:txBody>
@@ -14543,57 +14523,68 @@
           <a:lstStyle/>
           <a:p>
             <a:r>
-              <a:rPr lang="en-CA" sz="1400" dirty="0"/>
+              <a:rPr lang="en-CA" sz="1200" dirty="0"/>
               <a:t>Using the Counters C1, C2, C3 and C4 as per reference topology, from the n</a:t>
             </a:r>
             <a:r>
-              <a:rPr lang="en-CA" sz="1400" baseline="30000" dirty="0"/>
+              <a:rPr lang="en-CA" sz="1200" baseline="30000" dirty="0"/>
               <a:t>th</a:t>
             </a:r>
             <a:r>
-              <a:rPr lang="en-CA" sz="1400" dirty="0"/>
+              <a:rPr lang="en-CA" sz="1200" dirty="0"/>
               <a:t> and (n-1)</a:t>
             </a:r>
             <a:r>
-              <a:rPr lang="en-CA" sz="1400" baseline="30000" dirty="0" err="1"/>
+              <a:rPr lang="en-CA" sz="1200" baseline="30000" dirty="0" err="1"/>
               <a:t>th</a:t>
             </a:r>
             <a:r>
-              <a:rPr lang="en-CA" sz="1400" baseline="30000" dirty="0"/>
+              <a:rPr lang="en-CA" sz="1200" baseline="30000" dirty="0"/>
               <a:t> </a:t>
             </a:r>
             <a:r>
-              <a:rPr lang="en-CA" sz="1400" dirty="0"/>
+              <a:rPr lang="en-CA" sz="1200" dirty="0"/>
               <a:t>direct measurement test packets.</a:t>
             </a:r>
           </a:p>
           <a:p>
-            <a:r>
-              <a:rPr lang="en-CA" sz="1400" dirty="0"/>
+            <a:pPr lvl="1"/>
+            <a:r>
+              <a:rPr lang="en-CA" sz="1200" dirty="0"/>
               <a:t>Transmit Loss </a:t>
             </a:r>
             <a:r>
-              <a:rPr lang="en-CA" sz="1400" dirty="0" err="1"/>
+              <a:rPr lang="en-CA" sz="1200" dirty="0" err="1"/>
               <a:t>TxL</a:t>
             </a:r>
             <a:r>
-              <a:rPr lang="en-CA" sz="1400" dirty="0"/>
+              <a:rPr lang="en-CA" sz="1200" dirty="0"/>
               <a:t>[n-1, n] = (C1[n] - C1[n-1]) - (C2[n] - C2[n-1])</a:t>
             </a:r>
           </a:p>
           <a:p>
-            <a:r>
-              <a:rPr lang="en-CA" sz="1400" dirty="0"/>
+            <a:pPr lvl="1"/>
+            <a:r>
+              <a:rPr lang="en-CA" sz="1200" dirty="0"/>
               <a:t>Receive Loss </a:t>
             </a:r>
             <a:r>
-              <a:rPr lang="en-CA" sz="1400" dirty="0" err="1"/>
+              <a:rPr lang="en-CA" sz="1200" dirty="0" err="1"/>
               <a:t>RxL</a:t>
             </a:r>
             <a:r>
-              <a:rPr lang="en-CA" sz="1400" dirty="0"/>
+              <a:rPr lang="en-CA" sz="1200" dirty="0"/>
               <a:t>[n-1, n]   = (C3[n] - C3[n-1]) - (C4[n] - C4[n-1])</a:t>
             </a:r>
+          </a:p>
+          <a:p>
+            <a:r>
+              <a:rPr lang="en-CA" sz="1200" dirty="0"/>
+              <a:t>When using Alternate-Marking Method, all Counters used for the loss calculation belongs to the same Block Number, as described in Section 3.1 of [RFC8321].</a:t>
+            </a:r>
+          </a:p>
+          <a:p>
+            <a:endParaRPr lang="en-CA" sz="1200" dirty="0"/>
           </a:p>
         </p:txBody>
       </p:sp>
@@ -14690,7 +14681,7 @@
         </p:nvSpPr>
         <p:spPr>
           <a:xfrm>
-            <a:off x="2286000" y="842954"/>
+            <a:off x="2286000" y="748055"/>
             <a:ext cx="4572000" cy="2492990"/>
           </a:xfrm>
           <a:prstGeom prst="rect">

--- a/draft-gandhi-ippm-stamp-direct-loss-00.pptx
+++ b/draft-gandhi-ippm-stamp-direct-loss-00.pptx
@@ -16,11 +16,11 @@
     <p:sldId id="1663" r:id="rId4"/>
     <p:sldId id="321" r:id="rId5"/>
     <p:sldId id="3058" r:id="rId6"/>
-    <p:sldId id="3054" r:id="rId7"/>
-    <p:sldId id="3056" r:id="rId8"/>
-    <p:sldId id="3057" r:id="rId9"/>
-    <p:sldId id="1670" r:id="rId10"/>
-    <p:sldId id="1671" r:id="rId11"/>
+    <p:sldId id="3056" r:id="rId7"/>
+    <p:sldId id="3057" r:id="rId8"/>
+    <p:sldId id="1670" r:id="rId9"/>
+    <p:sldId id="1671" r:id="rId10"/>
+    <p:sldId id="3054" r:id="rId11"/>
     <p:sldId id="1649" r:id="rId12"/>
   </p:sldIdLst>
   <p:sldSz cx="9144000" cy="5143500" type="screen16x9"/>
@@ -254,7 +254,7 @@
           <a:p>
             <a:fld id="{E8FA3DB5-7722-3F4F-947D-12B203669AD7}" type="datetimeFigureOut">
               <a:rPr lang="en-US" smtClean="0"/>
-              <a:t>1/31/21</a:t>
+              <a:t>2/2/21</a:t>
             </a:fld>
             <a:endParaRPr lang="en-US"/>
           </a:p>
@@ -1095,7 +1095,7 @@
           <a:bodyPr/>
           <a:lstStyle/>
           <a:p>
-            <a:endParaRPr lang="en-US" dirty="0"/>
+            <a:endParaRPr lang="en-CA" dirty="0"/>
           </a:p>
         </p:txBody>
       </p:sp>
@@ -1117,21 +1117,21 @@
             <a:pPr>
               <a:defRPr/>
             </a:pPr>
-            <a:fld id="{F97A1FA6-25DE-9E4E-A34D-CF67DE7DBDC7}" type="slidenum">
-              <a:rPr lang="en-US" smtClean="0"/>
+            <a:fld id="{100938BD-FD70-4535-B0C2-13FC38CDF1BE}" type="slidenum">
+              <a:rPr lang="en-US" altLang="zh-CN" smtClean="0"/>
               <a:pPr>
                 <a:defRPr/>
               </a:pPr>
               <a:t>6</a:t>
             </a:fld>
-            <a:endParaRPr lang="en-US"/>
+            <a:endParaRPr lang="en-US" altLang="zh-CN"/>
           </a:p>
         </p:txBody>
       </p:sp>
     </p:spTree>
     <p:extLst>
       <p:ext uri="{BB962C8B-B14F-4D97-AF65-F5344CB8AC3E}">
-        <p14:creationId xmlns:p14="http://schemas.microsoft.com/office/powerpoint/2010/main" val="2878068373"/>
+        <p14:creationId xmlns:p14="http://schemas.microsoft.com/office/powerpoint/2010/main" val="1758705011"/>
       </p:ext>
     </p:extLst>
   </p:cSld>
@@ -1212,7 +1212,7 @@
               <a:pPr>
                 <a:defRPr/>
               </a:pPr>
-              <a:t>7</a:t>
+              <a:t>8</a:t>
             </a:fld>
             <a:endParaRPr lang="en-US" altLang="zh-CN"/>
           </a:p>
@@ -1221,7 +1221,7 @@
     </p:spTree>
     <p:extLst>
       <p:ext uri="{BB962C8B-B14F-4D97-AF65-F5344CB8AC3E}">
-        <p14:creationId xmlns:p14="http://schemas.microsoft.com/office/powerpoint/2010/main" val="1758705011"/>
+        <p14:creationId xmlns:p14="http://schemas.microsoft.com/office/powerpoint/2010/main" val="1250483859"/>
       </p:ext>
     </p:extLst>
   </p:cSld>
@@ -1275,7 +1275,7 @@
           <a:bodyPr/>
           <a:lstStyle/>
           <a:p>
-            <a:endParaRPr lang="en-CA" dirty="0"/>
+            <a:endParaRPr lang="en-US" dirty="0"/>
           </a:p>
         </p:txBody>
       </p:sp>
@@ -1311,7 +1311,7 @@
     </p:spTree>
     <p:extLst>
       <p:ext uri="{BB962C8B-B14F-4D97-AF65-F5344CB8AC3E}">
-        <p14:creationId xmlns:p14="http://schemas.microsoft.com/office/powerpoint/2010/main" val="1250483859"/>
+        <p14:creationId xmlns:p14="http://schemas.microsoft.com/office/powerpoint/2010/main" val="3553270564"/>
       </p:ext>
     </p:extLst>
   </p:cSld>
@@ -1387,21 +1387,21 @@
             <a:pPr>
               <a:defRPr/>
             </a:pPr>
-            <a:fld id="{100938BD-FD70-4535-B0C2-13FC38CDF1BE}" type="slidenum">
-              <a:rPr lang="en-US" altLang="zh-CN" smtClean="0"/>
+            <a:fld id="{F97A1FA6-25DE-9E4E-A34D-CF67DE7DBDC7}" type="slidenum">
+              <a:rPr lang="en-US" smtClean="0"/>
               <a:pPr>
                 <a:defRPr/>
               </a:pPr>
               <a:t>10</a:t>
             </a:fld>
-            <a:endParaRPr lang="en-US" altLang="zh-CN"/>
+            <a:endParaRPr lang="en-US"/>
           </a:p>
         </p:txBody>
       </p:sp>
     </p:spTree>
     <p:extLst>
       <p:ext uri="{BB962C8B-B14F-4D97-AF65-F5344CB8AC3E}">
-        <p14:creationId xmlns:p14="http://schemas.microsoft.com/office/powerpoint/2010/main" val="3553270564"/>
+        <p14:creationId xmlns:p14="http://schemas.microsoft.com/office/powerpoint/2010/main" val="3282551135"/>
       </p:ext>
     </p:extLst>
   </p:cSld>
@@ -2080,6 +2080,304 @@
 </file>
 
 <file path=ppt/slideLayouts/slideLayout12.xml><?xml version="1.0" encoding="utf-8"?>
+<p:sldLayout xmlns:a="http://schemas.openxmlformats.org/drawingml/2006/main" xmlns:r="http://schemas.openxmlformats.org/officeDocument/2006/relationships" xmlns:p="http://schemas.openxmlformats.org/presentationml/2006/main" userDrawn="1">
+  <p:cSld name="Bullet">
+    <p:spTree>
+      <p:nvGrpSpPr>
+        <p:cNvPr id="1" name=""/>
+        <p:cNvGrpSpPr/>
+        <p:nvPr/>
+      </p:nvGrpSpPr>
+      <p:grpSpPr>
+        <a:xfrm>
+          <a:off x="0" y="0"/>
+          <a:ext cx="0" cy="0"/>
+          <a:chOff x="0" y="0"/>
+          <a:chExt cx="0" cy="0"/>
+        </a:xfrm>
+      </p:grpSpPr>
+      <p:sp>
+        <p:nvSpPr>
+          <p:cNvPr id="4" name="Text Placeholder 3"/>
+          <p:cNvSpPr>
+            <a:spLocks noGrp="1"/>
+          </p:cNvSpPr>
+          <p:nvPr>
+            <p:ph type="body" sz="quarter" idx="10" hasCustomPrompt="1"/>
+          </p:nvPr>
+        </p:nvSpPr>
+        <p:spPr>
+          <a:xfrm>
+            <a:off x="462301" y="1347788"/>
+            <a:ext cx="8277344" cy="3168210"/>
+          </a:xfrm>
+          <a:prstGeom prst="rect">
+            <a:avLst/>
+          </a:prstGeom>
+        </p:spPr>
+        <p:txBody>
+          <a:bodyPr lIns="91420" tIns="45710" rIns="91420" bIns="45710">
+            <a:noAutofit/>
+          </a:bodyPr>
+          <a:lstStyle>
+            <a:lvl1pPr marL="280928" indent="-223792">
+              <a:lnSpc>
+                <a:spcPct val="95000"/>
+              </a:lnSpc>
+              <a:spcBef>
+                <a:spcPts val="1110"/>
+              </a:spcBef>
+              <a:buClr>
+                <a:schemeClr val="tx1"/>
+              </a:buClr>
+              <a:buSzPct val="80000"/>
+              <a:buFont typeface="Arial"/>
+              <a:buChar char="•"/>
+              <a:defRPr sz="2000" b="0" i="0">
+                <a:solidFill>
+                  <a:srgbClr val="676767"/>
+                </a:solidFill>
+                <a:latin typeface="+mn-lt"/>
+                <a:cs typeface="CiscoSans ExtraLight"/>
+              </a:defRPr>
+            </a:lvl1pPr>
+            <a:lvl2pPr marL="507895" indent="-215855">
+              <a:lnSpc>
+                <a:spcPct val="95000"/>
+              </a:lnSpc>
+              <a:spcBef>
+                <a:spcPts val="450"/>
+              </a:spcBef>
+              <a:buClr>
+                <a:schemeClr val="tx1"/>
+              </a:buClr>
+              <a:buSzPct val="80000"/>
+              <a:buFont typeface="Arial"/>
+              <a:buChar char="•"/>
+              <a:defRPr sz="1800" b="0" i="0">
+                <a:solidFill>
+                  <a:srgbClr val="676767"/>
+                </a:solidFill>
+                <a:latin typeface="+mn-lt"/>
+                <a:cs typeface="CiscoSans ExtraLight"/>
+              </a:defRPr>
+            </a:lvl2pPr>
+            <a:lvl3pPr marL="747558" indent="-171415">
+              <a:buClr>
+                <a:schemeClr val="tx1"/>
+              </a:buClr>
+              <a:buSzPct val="80000"/>
+              <a:buFont typeface="Arial"/>
+              <a:buChar char="•"/>
+              <a:defRPr sz="1600" b="0" i="0">
+                <a:solidFill>
+                  <a:srgbClr val="676767"/>
+                </a:solidFill>
+                <a:latin typeface="+mn-lt"/>
+                <a:cs typeface="CiscoSans ExtraLight"/>
+              </a:defRPr>
+            </a:lvl3pPr>
+            <a:lvl4pPr marL="911035" indent="-171415">
+              <a:buClr>
+                <a:schemeClr val="tx1"/>
+              </a:buClr>
+              <a:buSzPct val="80000"/>
+              <a:buFont typeface="Arial"/>
+              <a:buChar char="•"/>
+              <a:defRPr sz="1400" b="0" i="0">
+                <a:solidFill>
+                  <a:srgbClr val="676767"/>
+                </a:solidFill>
+                <a:latin typeface="+mn-lt"/>
+                <a:cs typeface="CiscoSans ExtraLight"/>
+              </a:defRPr>
+            </a:lvl4pPr>
+            <a:lvl5pPr marL="1082450" indent="-168240">
+              <a:buClr>
+                <a:schemeClr val="tx1"/>
+              </a:buClr>
+              <a:buSzPct val="80000"/>
+              <a:buFont typeface="Arial"/>
+              <a:buChar char="•"/>
+              <a:defRPr sz="1200" b="0" i="0">
+                <a:solidFill>
+                  <a:srgbClr val="676767"/>
+                </a:solidFill>
+                <a:latin typeface="+mn-lt"/>
+                <a:cs typeface="CiscoSans ExtraLight"/>
+              </a:defRPr>
+            </a:lvl5pPr>
+          </a:lstStyle>
+          <a:p>
+            <a:pPr lvl="0"/>
+            <a:r>
+              <a:rPr lang="en-GB" dirty="0"/>
+              <a:t>First level</a:t>
+            </a:r>
+          </a:p>
+          <a:p>
+            <a:pPr lvl="1"/>
+            <a:r>
+              <a:rPr lang="en-GB" dirty="0"/>
+              <a:t>Second level</a:t>
+            </a:r>
+          </a:p>
+          <a:p>
+            <a:pPr lvl="2"/>
+            <a:r>
+              <a:rPr lang="en-GB" dirty="0"/>
+              <a:t>Third level</a:t>
+            </a:r>
+          </a:p>
+          <a:p>
+            <a:pPr lvl="3"/>
+            <a:r>
+              <a:rPr lang="en-GB" dirty="0"/>
+              <a:t>Fourth level</a:t>
+            </a:r>
+          </a:p>
+          <a:p>
+            <a:pPr lvl="4"/>
+            <a:r>
+              <a:rPr lang="en-GB" dirty="0"/>
+              <a:t>Fifth level</a:t>
+            </a:r>
+            <a:endParaRPr lang="en-US" dirty="0"/>
+          </a:p>
+        </p:txBody>
+      </p:sp>
+      <p:sp>
+        <p:nvSpPr>
+          <p:cNvPr id="6" name="Title Placeholder 5"/>
+          <p:cNvSpPr>
+            <a:spLocks noGrp="1"/>
+          </p:cNvSpPr>
+          <p:nvPr>
+            <p:ph type="title"/>
+          </p:nvPr>
+        </p:nvSpPr>
+        <p:spPr bwMode="auto">
+          <a:xfrm>
+            <a:off x="437766" y="341313"/>
+            <a:ext cx="8345488" cy="731837"/>
+          </a:xfrm>
+          <a:prstGeom prst="rect">
+            <a:avLst/>
+          </a:prstGeom>
+          <a:noFill/>
+          <a:ln>
+            <a:noFill/>
+          </a:ln>
+          <a:extLst>
+            <a:ext uri="{909E8E84-426E-40DD-AFC4-6F175D3DCCD1}">
+              <a14:hiddenFill xmlns:a14="http://schemas.microsoft.com/office/drawing/2010/main">
+                <a:solidFill>
+                  <a:srgbClr val="FFFFFF"/>
+                </a:solidFill>
+              </a14:hiddenFill>
+            </a:ext>
+            <a:ext uri="{91240B29-F687-4F45-9708-019B960494DF}">
+              <a14:hiddenLine xmlns:a14="http://schemas.microsoft.com/office/drawing/2010/main" w="9525">
+                <a:solidFill>
+                  <a:srgbClr val="000000"/>
+                </a:solidFill>
+                <a:miter lim="800000"/>
+                <a:headEnd/>
+                <a:tailEnd/>
+              </a14:hiddenLine>
+            </a:ext>
+            <a:ext uri="{FAA26D3D-D897-4be2-8F04-BA451C77F1D7}">
+              <ma14:placeholderFlag xmlns="" xmlns:ma14="http://schemas.microsoft.com/office/mac/drawingml/2011/main" val="1"/>
+            </a:ext>
+          </a:extLst>
+        </p:spPr>
+        <p:txBody>
+          <a:bodyPr vert="horz" wrap="square" lIns="91424" tIns="45712" rIns="91424" bIns="45712" numCol="1" anchor="ctr" anchorCtr="0" compatLnSpc="1">
+            <a:prstTxWarp prst="textNoShape">
+              <a:avLst/>
+            </a:prstTxWarp>
+          </a:bodyPr>
+          <a:lstStyle/>
+          <a:p>
+            <a:pPr lvl="0"/>
+            <a:r>
+              <a:rPr lang="en-US"/>
+              <a:t>Click to edit Master title style</a:t>
+            </a:r>
+            <a:endParaRPr lang="en-GB" dirty="0"/>
+          </a:p>
+        </p:txBody>
+      </p:sp>
+      <p:sp>
+        <p:nvSpPr>
+          <p:cNvPr id="5" name="Rectangle 5">
+            <a:extLst>
+              <a:ext uri="{FF2B5EF4-FFF2-40B4-BE49-F238E27FC236}">
+                <a16:creationId xmlns:a16="http://schemas.microsoft.com/office/drawing/2014/main" id="{8A9CDA23-CCA9-F541-BE90-59F811F8F6B1}"/>
+              </a:ext>
+            </a:extLst>
+          </p:cNvPr>
+          <p:cNvSpPr>
+            <a:spLocks noGrp="1" noChangeArrowheads="1"/>
+          </p:cNvSpPr>
+          <p:nvPr>
+            <p:ph type="ftr" sz="quarter" idx="11"/>
+          </p:nvPr>
+        </p:nvSpPr>
+        <p:spPr>
+          <a:xfrm>
+            <a:off x="3124200" y="4683919"/>
+            <a:ext cx="2895600" cy="357188"/>
+          </a:xfrm>
+          <a:ln/>
+        </p:spPr>
+        <p:txBody>
+          <a:bodyPr/>
+          <a:lstStyle>
+            <a:lvl1pPr>
+              <a:defRPr>
+                <a:latin typeface="Calibri" charset="0"/>
+                <a:ea typeface="Calibri" charset="0"/>
+                <a:cs typeface="Calibri" charset="0"/>
+              </a:defRPr>
+            </a:lvl1pPr>
+          </a:lstStyle>
+          <a:p>
+            <a:pPr>
+              <a:defRPr/>
+            </a:pPr>
+            <a:r>
+              <a:rPr lang="en-US" altLang="zh-CN" dirty="0"/>
+              <a:t>107</a:t>
+            </a:r>
+            <a:r>
+              <a:rPr lang="en-US" altLang="zh-CN" baseline="30000" dirty="0"/>
+              <a:t>th</a:t>
+            </a:r>
+            <a:r>
+              <a:rPr lang="en-US" altLang="zh-CN" dirty="0"/>
+              <a:t> IETF @ Vancouver</a:t>
+            </a:r>
+          </a:p>
+        </p:txBody>
+      </p:sp>
+    </p:spTree>
+    <p:extLst>
+      <p:ext uri="{BB962C8B-B14F-4D97-AF65-F5344CB8AC3E}">
+        <p14:creationId xmlns:p14="http://schemas.microsoft.com/office/powerpoint/2010/main" val="113201852"/>
+      </p:ext>
+    </p:extLst>
+  </p:cSld>
+  <p:clrMapOvr>
+    <a:masterClrMapping/>
+  </p:clrMapOvr>
+  <p:transition spd="med">
+    <p:fade/>
+  </p:transition>
+</p:sldLayout>
+</file>
+
+<file path=ppt/slideLayouts/slideLayout13.xml><?xml version="1.0" encoding="utf-8"?>
 <p:sldLayout xmlns:a="http://schemas.openxmlformats.org/drawingml/2006/main" xmlns:r="http://schemas.openxmlformats.org/officeDocument/2006/relationships" xmlns:p="http://schemas.openxmlformats.org/presentationml/2006/main">
   <p:cSld name="Bullet_Heavy Text">
     <p:spTree>
@@ -2462,311 +2760,13 @@
     </p:spTree>
     <p:extLst>
       <p:ext uri="{BB962C8B-B14F-4D97-AF65-F5344CB8AC3E}">
-        <p14:creationId xmlns:p14="http://schemas.microsoft.com/office/powerpoint/2010/main" val="82832971"/>
+        <p14:creationId xmlns:p14="http://schemas.microsoft.com/office/powerpoint/2010/main" val="3373932528"/>
       </p:ext>
     </p:extLst>
   </p:cSld>
   <p:clrMapOvr>
     <a:masterClrMapping/>
   </p:clrMapOvr>
-</p:sldLayout>
-</file>
-
-<file path=ppt/slideLayouts/slideLayout13.xml><?xml version="1.0" encoding="utf-8"?>
-<p:sldLayout xmlns:a="http://schemas.openxmlformats.org/drawingml/2006/main" xmlns:r="http://schemas.openxmlformats.org/officeDocument/2006/relationships" xmlns:p="http://schemas.openxmlformats.org/presentationml/2006/main" userDrawn="1">
-  <p:cSld name="Bullet">
-    <p:spTree>
-      <p:nvGrpSpPr>
-        <p:cNvPr id="1" name=""/>
-        <p:cNvGrpSpPr/>
-        <p:nvPr/>
-      </p:nvGrpSpPr>
-      <p:grpSpPr>
-        <a:xfrm>
-          <a:off x="0" y="0"/>
-          <a:ext cx="0" cy="0"/>
-          <a:chOff x="0" y="0"/>
-          <a:chExt cx="0" cy="0"/>
-        </a:xfrm>
-      </p:grpSpPr>
-      <p:sp>
-        <p:nvSpPr>
-          <p:cNvPr id="4" name="Text Placeholder 3"/>
-          <p:cNvSpPr>
-            <a:spLocks noGrp="1"/>
-          </p:cNvSpPr>
-          <p:nvPr>
-            <p:ph type="body" sz="quarter" idx="10" hasCustomPrompt="1"/>
-          </p:nvPr>
-        </p:nvSpPr>
-        <p:spPr>
-          <a:xfrm>
-            <a:off x="462301" y="1347788"/>
-            <a:ext cx="8277344" cy="3168210"/>
-          </a:xfrm>
-          <a:prstGeom prst="rect">
-            <a:avLst/>
-          </a:prstGeom>
-        </p:spPr>
-        <p:txBody>
-          <a:bodyPr lIns="91420" tIns="45710" rIns="91420" bIns="45710">
-            <a:noAutofit/>
-          </a:bodyPr>
-          <a:lstStyle>
-            <a:lvl1pPr marL="280928" indent="-223792">
-              <a:lnSpc>
-                <a:spcPct val="95000"/>
-              </a:lnSpc>
-              <a:spcBef>
-                <a:spcPts val="1110"/>
-              </a:spcBef>
-              <a:buClr>
-                <a:schemeClr val="tx1"/>
-              </a:buClr>
-              <a:buSzPct val="80000"/>
-              <a:buFont typeface="Arial"/>
-              <a:buChar char="•"/>
-              <a:defRPr sz="2000" b="0" i="0">
-                <a:solidFill>
-                  <a:srgbClr val="676767"/>
-                </a:solidFill>
-                <a:latin typeface="+mn-lt"/>
-                <a:cs typeface="CiscoSans ExtraLight"/>
-              </a:defRPr>
-            </a:lvl1pPr>
-            <a:lvl2pPr marL="507895" indent="-215855">
-              <a:lnSpc>
-                <a:spcPct val="95000"/>
-              </a:lnSpc>
-              <a:spcBef>
-                <a:spcPts val="450"/>
-              </a:spcBef>
-              <a:buClr>
-                <a:schemeClr val="tx1"/>
-              </a:buClr>
-              <a:buSzPct val="80000"/>
-              <a:buFont typeface="Arial"/>
-              <a:buChar char="•"/>
-              <a:defRPr sz="1800" b="0" i="0">
-                <a:solidFill>
-                  <a:srgbClr val="676767"/>
-                </a:solidFill>
-                <a:latin typeface="+mn-lt"/>
-                <a:cs typeface="CiscoSans ExtraLight"/>
-              </a:defRPr>
-            </a:lvl2pPr>
-            <a:lvl3pPr marL="747558" indent="-171415">
-              <a:buClr>
-                <a:schemeClr val="tx1"/>
-              </a:buClr>
-              <a:buSzPct val="80000"/>
-              <a:buFont typeface="Arial"/>
-              <a:buChar char="•"/>
-              <a:defRPr sz="1600" b="0" i="0">
-                <a:solidFill>
-                  <a:srgbClr val="676767"/>
-                </a:solidFill>
-                <a:latin typeface="+mn-lt"/>
-                <a:cs typeface="CiscoSans ExtraLight"/>
-              </a:defRPr>
-            </a:lvl3pPr>
-            <a:lvl4pPr marL="911035" indent="-171415">
-              <a:buClr>
-                <a:schemeClr val="tx1"/>
-              </a:buClr>
-              <a:buSzPct val="80000"/>
-              <a:buFont typeface="Arial"/>
-              <a:buChar char="•"/>
-              <a:defRPr sz="1400" b="0" i="0">
-                <a:solidFill>
-                  <a:srgbClr val="676767"/>
-                </a:solidFill>
-                <a:latin typeface="+mn-lt"/>
-                <a:cs typeface="CiscoSans ExtraLight"/>
-              </a:defRPr>
-            </a:lvl4pPr>
-            <a:lvl5pPr marL="1082450" indent="-168240">
-              <a:buClr>
-                <a:schemeClr val="tx1"/>
-              </a:buClr>
-              <a:buSzPct val="80000"/>
-              <a:buFont typeface="Arial"/>
-              <a:buChar char="•"/>
-              <a:defRPr sz="1200" b="0" i="0">
-                <a:solidFill>
-                  <a:srgbClr val="676767"/>
-                </a:solidFill>
-                <a:latin typeface="+mn-lt"/>
-                <a:cs typeface="CiscoSans ExtraLight"/>
-              </a:defRPr>
-            </a:lvl5pPr>
-          </a:lstStyle>
-          <a:p>
-            <a:pPr lvl="0"/>
-            <a:r>
-              <a:rPr lang="en-GB" dirty="0"/>
-              <a:t>First level</a:t>
-            </a:r>
-          </a:p>
-          <a:p>
-            <a:pPr lvl="1"/>
-            <a:r>
-              <a:rPr lang="en-GB" dirty="0"/>
-              <a:t>Second level</a:t>
-            </a:r>
-          </a:p>
-          <a:p>
-            <a:pPr lvl="2"/>
-            <a:r>
-              <a:rPr lang="en-GB" dirty="0"/>
-              <a:t>Third level</a:t>
-            </a:r>
-          </a:p>
-          <a:p>
-            <a:pPr lvl="3"/>
-            <a:r>
-              <a:rPr lang="en-GB" dirty="0"/>
-              <a:t>Fourth level</a:t>
-            </a:r>
-          </a:p>
-          <a:p>
-            <a:pPr lvl="4"/>
-            <a:r>
-              <a:rPr lang="en-GB" dirty="0"/>
-              <a:t>Fifth level</a:t>
-            </a:r>
-            <a:endParaRPr lang="en-US" dirty="0"/>
-          </a:p>
-        </p:txBody>
-      </p:sp>
-      <p:sp>
-        <p:nvSpPr>
-          <p:cNvPr id="6" name="Title Placeholder 5"/>
-          <p:cNvSpPr>
-            <a:spLocks noGrp="1"/>
-          </p:cNvSpPr>
-          <p:nvPr>
-            <p:ph type="title"/>
-          </p:nvPr>
-        </p:nvSpPr>
-        <p:spPr bwMode="auto">
-          <a:xfrm>
-            <a:off x="437766" y="341313"/>
-            <a:ext cx="8345488" cy="731837"/>
-          </a:xfrm>
-          <a:prstGeom prst="rect">
-            <a:avLst/>
-          </a:prstGeom>
-          <a:noFill/>
-          <a:ln>
-            <a:noFill/>
-          </a:ln>
-          <a:extLst>
-            <a:ext uri="{909E8E84-426E-40DD-AFC4-6F175D3DCCD1}">
-              <a14:hiddenFill xmlns:a14="http://schemas.microsoft.com/office/drawing/2010/main">
-                <a:solidFill>
-                  <a:srgbClr val="FFFFFF"/>
-                </a:solidFill>
-              </a14:hiddenFill>
-            </a:ext>
-            <a:ext uri="{91240B29-F687-4F45-9708-019B960494DF}">
-              <a14:hiddenLine xmlns:a14="http://schemas.microsoft.com/office/drawing/2010/main" w="9525">
-                <a:solidFill>
-                  <a:srgbClr val="000000"/>
-                </a:solidFill>
-                <a:miter lim="800000"/>
-                <a:headEnd/>
-                <a:tailEnd/>
-              </a14:hiddenLine>
-            </a:ext>
-            <a:ext uri="{FAA26D3D-D897-4be2-8F04-BA451C77F1D7}">
-              <ma14:placeholderFlag xmlns="" xmlns:ma14="http://schemas.microsoft.com/office/mac/drawingml/2011/main" val="1"/>
-            </a:ext>
-          </a:extLst>
-        </p:spPr>
-        <p:txBody>
-          <a:bodyPr vert="horz" wrap="square" lIns="91424" tIns="45712" rIns="91424" bIns="45712" numCol="1" anchor="ctr" anchorCtr="0" compatLnSpc="1">
-            <a:prstTxWarp prst="textNoShape">
-              <a:avLst/>
-            </a:prstTxWarp>
-          </a:bodyPr>
-          <a:lstStyle/>
-          <a:p>
-            <a:pPr lvl="0"/>
-            <a:r>
-              <a:rPr lang="en-US"/>
-              <a:t>Click to edit Master title style</a:t>
-            </a:r>
-            <a:endParaRPr lang="en-GB" dirty="0"/>
-          </a:p>
-        </p:txBody>
-      </p:sp>
-      <p:sp>
-        <p:nvSpPr>
-          <p:cNvPr id="5" name="Rectangle 5">
-            <a:extLst>
-              <a:ext uri="{FF2B5EF4-FFF2-40B4-BE49-F238E27FC236}">
-                <a16:creationId xmlns:a16="http://schemas.microsoft.com/office/drawing/2014/main" id="{8A9CDA23-CCA9-F541-BE90-59F811F8F6B1}"/>
-              </a:ext>
-            </a:extLst>
-          </p:cNvPr>
-          <p:cNvSpPr>
-            <a:spLocks noGrp="1" noChangeArrowheads="1"/>
-          </p:cNvSpPr>
-          <p:nvPr>
-            <p:ph type="ftr" sz="quarter" idx="11"/>
-          </p:nvPr>
-        </p:nvSpPr>
-        <p:spPr>
-          <a:xfrm>
-            <a:off x="3124200" y="4683919"/>
-            <a:ext cx="2895600" cy="357188"/>
-          </a:xfrm>
-          <a:ln/>
-        </p:spPr>
-        <p:txBody>
-          <a:bodyPr/>
-          <a:lstStyle>
-            <a:lvl1pPr>
-              <a:defRPr>
-                <a:latin typeface="Calibri" charset="0"/>
-                <a:ea typeface="Calibri" charset="0"/>
-                <a:cs typeface="Calibri" charset="0"/>
-              </a:defRPr>
-            </a:lvl1pPr>
-          </a:lstStyle>
-          <a:p>
-            <a:pPr>
-              <a:defRPr/>
-            </a:pPr>
-            <a:r>
-              <a:rPr lang="en-US" altLang="zh-CN" dirty="0"/>
-              <a:t>107</a:t>
-            </a:r>
-            <a:r>
-              <a:rPr lang="en-US" altLang="zh-CN" baseline="30000" dirty="0"/>
-              <a:t>th</a:t>
-            </a:r>
-            <a:r>
-              <a:rPr lang="en-US" altLang="zh-CN" dirty="0"/>
-              <a:t> IETF @ Vancouver</a:t>
-            </a:r>
-          </a:p>
-        </p:txBody>
-      </p:sp>
-    </p:spTree>
-    <p:extLst>
-      <p:ext uri="{BB962C8B-B14F-4D97-AF65-F5344CB8AC3E}">
-        <p14:creationId xmlns:p14="http://schemas.microsoft.com/office/powerpoint/2010/main" val="113201852"/>
-      </p:ext>
-    </p:extLst>
-  </p:cSld>
-  <p:clrMapOvr>
-    <a:masterClrMapping/>
-  </p:clrMapOvr>
-  <p:transition spd="med">
-    <p:fade/>
-  </p:transition>
 </p:sldLayout>
 </file>
 
@@ -4927,8 +4927,8 @@
     <p:sldLayoutId id="2147483657" r:id="rId9"/>
     <p:sldLayoutId id="2147483658" r:id="rId10"/>
     <p:sldLayoutId id="2147483659" r:id="rId11"/>
-    <p:sldLayoutId id="2147483660" r:id="rId12"/>
-    <p:sldLayoutId id="2147483661" r:id="rId13"/>
+    <p:sldLayoutId id="2147483661" r:id="rId12"/>
+    <p:sldLayoutId id="2147483662" r:id="rId13"/>
   </p:sldLayoutIdLst>
   <p:hf hdr="0" dt="0"/>
   <p:txStyles>
@@ -5698,18 +5698,1340 @@
       </p:grpSpPr>
       <p:sp>
         <p:nvSpPr>
-          <p:cNvPr id="4" name="Footer Placeholder 3"/>
+          <p:cNvPr id="114" name="Title 2"/>
+          <p:cNvSpPr txBox="1">
+            <a:spLocks/>
+          </p:cNvSpPr>
+          <p:nvPr/>
+        </p:nvSpPr>
+        <p:spPr bwMode="auto">
+          <a:xfrm>
+            <a:off x="462126" y="196884"/>
+            <a:ext cx="8219748" cy="731836"/>
+          </a:xfrm>
+          <a:prstGeom prst="rect">
+            <a:avLst/>
+          </a:prstGeom>
+          <a:noFill/>
+          <a:ln>
+            <a:noFill/>
+          </a:ln>
+          <a:extLst>
+            <a:ext uri="{909E8E84-426E-40DD-AFC4-6F175D3DCCD1}">
+              <a14:hiddenFill xmlns:a14="http://schemas.microsoft.com/office/drawing/2010/main">
+                <a:solidFill>
+                  <a:srgbClr val="FFFFFF"/>
+                </a:solidFill>
+              </a14:hiddenFill>
+            </a:ext>
+            <a:ext uri="{91240B29-F687-4F45-9708-019B960494DF}">
+              <a14:hiddenLine xmlns:a14="http://schemas.microsoft.com/office/drawing/2010/main" w="9525">
+                <a:solidFill>
+                  <a:srgbClr val="000000"/>
+                </a:solidFill>
+                <a:miter lim="800000"/>
+                <a:headEnd/>
+                <a:tailEnd/>
+              </a14:hiddenLine>
+            </a:ext>
+            <a:ext uri="{909E8E84-426E-40dd-AFC4-6F175D3DCCD1}">
+              <a14:hiddenFill xmlns="" xmlns:a14="http://schemas.microsoft.com/office/drawing/2010/main">
+                <a:solidFill>
+                  <a:srgbClr val="FFFFFF"/>
+                </a:solidFill>
+              </a14:hiddenFill>
+            </a:ext>
+            <a:ext uri="{91240B29-F687-4f45-9708-019B960494DF}">
+              <a14:hiddenLine xmlns="" xmlns:a14="http://schemas.microsoft.com/office/drawing/2010/main" w="9525">
+                <a:solidFill>
+                  <a:srgbClr val="000000"/>
+                </a:solidFill>
+                <a:miter lim="800000"/>
+                <a:headEnd/>
+                <a:tailEnd/>
+              </a14:hiddenLine>
+            </a:ext>
+          </a:extLst>
+        </p:spPr>
+        <p:txBody>
+          <a:bodyPr vert="horz" wrap="square" lIns="91424" tIns="45712" rIns="91424" bIns="45712" numCol="1" anchor="ctr" anchorCtr="0" compatLnSpc="1">
+            <a:prstTxWarp prst="textNoShape">
+              <a:avLst/>
+            </a:prstTxWarp>
+          </a:bodyPr>
+          <a:lstStyle>
+            <a:lvl1pPr algn="l" defTabSz="684213" rtl="0" eaLnBrk="1" fontAlgn="base" hangingPunct="1">
+              <a:lnSpc>
+                <a:spcPct val="80000"/>
+              </a:lnSpc>
+              <a:spcBef>
+                <a:spcPct val="0"/>
+              </a:spcBef>
+              <a:spcAft>
+                <a:spcPct val="0"/>
+              </a:spcAft>
+              <a:defRPr lang="en-US" sz="2800" b="0" i="0" u="none" kern="1200">
+                <a:solidFill>
+                  <a:schemeClr val="tx2"/>
+                </a:solidFill>
+                <a:latin typeface="+mj-lt"/>
+                <a:ea typeface="CiscoSansTT Thin" charset="0"/>
+                <a:cs typeface="CiscoSansTT Thin" charset="0"/>
+              </a:defRPr>
+            </a:lvl1pPr>
+            <a:lvl2pPr algn="l" defTabSz="684213" rtl="0" eaLnBrk="1" fontAlgn="base" hangingPunct="1">
+              <a:lnSpc>
+                <a:spcPct val="80000"/>
+              </a:lnSpc>
+              <a:spcBef>
+                <a:spcPct val="0"/>
+              </a:spcBef>
+              <a:spcAft>
+                <a:spcPct val="0"/>
+              </a:spcAft>
+              <a:defRPr sz="3200">
+                <a:solidFill>
+                  <a:srgbClr val="676767"/>
+                </a:solidFill>
+                <a:latin typeface="Arial" charset="0"/>
+                <a:ea typeface="ＭＳ Ｐゴシック" charset="0"/>
+              </a:defRPr>
+            </a:lvl2pPr>
+            <a:lvl3pPr algn="l" defTabSz="684213" rtl="0" eaLnBrk="1" fontAlgn="base" hangingPunct="1">
+              <a:lnSpc>
+                <a:spcPct val="80000"/>
+              </a:lnSpc>
+              <a:spcBef>
+                <a:spcPct val="0"/>
+              </a:spcBef>
+              <a:spcAft>
+                <a:spcPct val="0"/>
+              </a:spcAft>
+              <a:defRPr sz="3200">
+                <a:solidFill>
+                  <a:srgbClr val="676767"/>
+                </a:solidFill>
+                <a:latin typeface="Arial" charset="0"/>
+                <a:ea typeface="ＭＳ Ｐゴシック" charset="0"/>
+              </a:defRPr>
+            </a:lvl3pPr>
+            <a:lvl4pPr algn="l" defTabSz="684213" rtl="0" eaLnBrk="1" fontAlgn="base" hangingPunct="1">
+              <a:lnSpc>
+                <a:spcPct val="80000"/>
+              </a:lnSpc>
+              <a:spcBef>
+                <a:spcPct val="0"/>
+              </a:spcBef>
+              <a:spcAft>
+                <a:spcPct val="0"/>
+              </a:spcAft>
+              <a:defRPr sz="3200">
+                <a:solidFill>
+                  <a:srgbClr val="676767"/>
+                </a:solidFill>
+                <a:latin typeface="Arial" charset="0"/>
+                <a:ea typeface="ＭＳ Ｐゴシック" charset="0"/>
+              </a:defRPr>
+            </a:lvl4pPr>
+            <a:lvl5pPr algn="l" defTabSz="684213" rtl="0" eaLnBrk="1" fontAlgn="base" hangingPunct="1">
+              <a:lnSpc>
+                <a:spcPct val="80000"/>
+              </a:lnSpc>
+              <a:spcBef>
+                <a:spcPct val="0"/>
+              </a:spcBef>
+              <a:spcAft>
+                <a:spcPct val="0"/>
+              </a:spcAft>
+              <a:defRPr sz="3200">
+                <a:solidFill>
+                  <a:srgbClr val="676767"/>
+                </a:solidFill>
+                <a:latin typeface="Arial" charset="0"/>
+                <a:ea typeface="ＭＳ Ｐゴシック" charset="0"/>
+              </a:defRPr>
+            </a:lvl5pPr>
+            <a:lvl6pPr marL="457200" algn="l" defTabSz="684213" rtl="0" eaLnBrk="1" fontAlgn="base" hangingPunct="1">
+              <a:lnSpc>
+                <a:spcPct val="80000"/>
+              </a:lnSpc>
+              <a:spcBef>
+                <a:spcPct val="0"/>
+              </a:spcBef>
+              <a:spcAft>
+                <a:spcPct val="0"/>
+              </a:spcAft>
+              <a:defRPr sz="3200">
+                <a:solidFill>
+                  <a:srgbClr val="676767"/>
+                </a:solidFill>
+                <a:latin typeface="Arial" charset="0"/>
+                <a:ea typeface="ＭＳ Ｐゴシック" charset="0"/>
+              </a:defRPr>
+            </a:lvl6pPr>
+            <a:lvl7pPr marL="914400" algn="l" defTabSz="684213" rtl="0" eaLnBrk="1" fontAlgn="base" hangingPunct="1">
+              <a:lnSpc>
+                <a:spcPct val="80000"/>
+              </a:lnSpc>
+              <a:spcBef>
+                <a:spcPct val="0"/>
+              </a:spcBef>
+              <a:spcAft>
+                <a:spcPct val="0"/>
+              </a:spcAft>
+              <a:defRPr sz="3200">
+                <a:solidFill>
+                  <a:srgbClr val="676767"/>
+                </a:solidFill>
+                <a:latin typeface="Arial" charset="0"/>
+                <a:ea typeface="ＭＳ Ｐゴシック" charset="0"/>
+              </a:defRPr>
+            </a:lvl7pPr>
+            <a:lvl8pPr marL="1371600" algn="l" defTabSz="684213" rtl="0" eaLnBrk="1" fontAlgn="base" hangingPunct="1">
+              <a:lnSpc>
+                <a:spcPct val="80000"/>
+              </a:lnSpc>
+              <a:spcBef>
+                <a:spcPct val="0"/>
+              </a:spcBef>
+              <a:spcAft>
+                <a:spcPct val="0"/>
+              </a:spcAft>
+              <a:defRPr sz="3200">
+                <a:solidFill>
+                  <a:srgbClr val="676767"/>
+                </a:solidFill>
+                <a:latin typeface="Arial" charset="0"/>
+                <a:ea typeface="ＭＳ Ｐゴシック" charset="0"/>
+              </a:defRPr>
+            </a:lvl8pPr>
+            <a:lvl9pPr marL="1828800" algn="l" defTabSz="684213" rtl="0" eaLnBrk="1" fontAlgn="base" hangingPunct="1">
+              <a:lnSpc>
+                <a:spcPct val="80000"/>
+              </a:lnSpc>
+              <a:spcBef>
+                <a:spcPct val="0"/>
+              </a:spcBef>
+              <a:spcAft>
+                <a:spcPct val="0"/>
+              </a:spcAft>
+              <a:defRPr sz="3200">
+                <a:solidFill>
+                  <a:srgbClr val="676767"/>
+                </a:solidFill>
+                <a:latin typeface="Arial" charset="0"/>
+                <a:ea typeface="ＭＳ Ｐゴシック" charset="0"/>
+              </a:defRPr>
+            </a:lvl9pPr>
+          </a:lstStyle>
+          <a:p>
+            <a:r>
+              <a:rPr lang="en-US" sz="3200" dirty="0">
+                <a:solidFill>
+                  <a:srgbClr val="0070C0"/>
+                </a:solidFill>
+                <a:latin typeface="Calibri Light" panose="020F0302020204030204" pitchFamily="34" charset="0"/>
+                <a:cs typeface="Calibri Light" panose="020F0302020204030204" pitchFamily="34" charset="0"/>
+              </a:rPr>
+              <a:t>Link Loss Direct Measurement (P2P Circuits)</a:t>
+            </a:r>
+          </a:p>
+          <a:p>
+            <a:r>
+              <a:rPr lang="en-US" sz="3200" dirty="0">
+                <a:solidFill>
+                  <a:srgbClr val="0070C0"/>
+                </a:solidFill>
+                <a:latin typeface="Calibri Light" panose="020F0302020204030204" pitchFamily="34" charset="0"/>
+                <a:cs typeface="Calibri Light" panose="020F0302020204030204" pitchFamily="34" charset="0"/>
+              </a:rPr>
+              <a:t>- In-band Counter-stamping in Hardware</a:t>
+            </a:r>
+          </a:p>
+        </p:txBody>
+      </p:sp>
+      <p:sp>
+        <p:nvSpPr>
+          <p:cNvPr id="275" name="Content Placeholder 2">
+            <a:extLst>
+              <a:ext uri="{FF2B5EF4-FFF2-40B4-BE49-F238E27FC236}">
+                <a16:creationId xmlns:a16="http://schemas.microsoft.com/office/drawing/2014/main" id="{BA21E28E-354B-471D-8C2D-8DABDC2C9953}"/>
+              </a:ext>
+            </a:extLst>
+          </p:cNvPr>
+          <p:cNvSpPr txBox="1">
+            <a:spLocks/>
+          </p:cNvSpPr>
+          <p:nvPr/>
+        </p:nvSpPr>
+        <p:spPr>
+          <a:xfrm>
+            <a:off x="263753" y="2855092"/>
+            <a:ext cx="4215984" cy="1052161"/>
+          </a:xfrm>
+          <a:prstGeom prst="rect">
+            <a:avLst/>
+          </a:prstGeom>
+        </p:spPr>
+        <p:txBody>
+          <a:bodyPr/>
+          <a:lstStyle>
+            <a:lvl1pPr marL="169863" indent="-169863" algn="l" defTabSz="684213" rtl="0" eaLnBrk="1" fontAlgn="base" hangingPunct="1">
+              <a:lnSpc>
+                <a:spcPct val="95000"/>
+              </a:lnSpc>
+              <a:spcBef>
+                <a:spcPts val="1075"/>
+              </a:spcBef>
+              <a:spcAft>
+                <a:spcPct val="0"/>
+              </a:spcAft>
+              <a:buClr>
+                <a:schemeClr val="tx2"/>
+              </a:buClr>
+              <a:buSzPct val="90000"/>
+              <a:buFont typeface="Arial" charset="0"/>
+              <a:buChar char="•"/>
+              <a:defRPr lang="en-US" sz="1500" kern="1200" dirty="0">
+                <a:solidFill>
+                  <a:schemeClr val="tx1"/>
+                </a:solidFill>
+                <a:latin typeface="+mn-lt"/>
+                <a:ea typeface="ＭＳ Ｐゴシック" charset="0"/>
+                <a:cs typeface="CiscoSans"/>
+              </a:defRPr>
+            </a:lvl1pPr>
+            <a:lvl2pPr marL="358775" indent="-215900" algn="l" defTabSz="684213" rtl="0" eaLnBrk="1" fontAlgn="base" hangingPunct="1">
+              <a:lnSpc>
+                <a:spcPct val="95000"/>
+              </a:lnSpc>
+              <a:spcBef>
+                <a:spcPts val="600"/>
+              </a:spcBef>
+              <a:spcAft>
+                <a:spcPct val="0"/>
+              </a:spcAft>
+              <a:buClr>
+                <a:schemeClr val="tx2"/>
+              </a:buClr>
+              <a:buFont typeface="Arial" charset="0"/>
+              <a:buChar char="•"/>
+              <a:defRPr lang="en-US" sz="1400" kern="1200" dirty="0">
+                <a:solidFill>
+                  <a:schemeClr val="tx1"/>
+                </a:solidFill>
+                <a:latin typeface="+mn-lt"/>
+                <a:ea typeface="ＭＳ Ｐゴシック" charset="0"/>
+                <a:cs typeface="CiscoSans"/>
+              </a:defRPr>
+            </a:lvl2pPr>
+            <a:lvl3pPr marL="431800" indent="-169863" algn="l" defTabSz="684213" rtl="0" eaLnBrk="1" fontAlgn="base" hangingPunct="1">
+              <a:lnSpc>
+                <a:spcPct val="95000"/>
+              </a:lnSpc>
+              <a:spcBef>
+                <a:spcPts val="625"/>
+              </a:spcBef>
+              <a:spcAft>
+                <a:spcPct val="0"/>
+              </a:spcAft>
+              <a:buFont typeface="Arial" charset="0"/>
+              <a:buChar char="•"/>
+              <a:defRPr lang="en-US" sz="1200" kern="1200" dirty="0">
+                <a:solidFill>
+                  <a:schemeClr val="tx1"/>
+                </a:solidFill>
+                <a:latin typeface="+mn-lt"/>
+                <a:ea typeface="ＭＳ Ｐゴシック" charset="0"/>
+                <a:cs typeface="CiscoSans"/>
+              </a:defRPr>
+            </a:lvl3pPr>
+            <a:lvl4pPr marL="503238" indent="-169863" algn="l" defTabSz="684213" rtl="0" eaLnBrk="1" fontAlgn="base" hangingPunct="1">
+              <a:lnSpc>
+                <a:spcPct val="95000"/>
+              </a:lnSpc>
+              <a:spcBef>
+                <a:spcPts val="625"/>
+              </a:spcBef>
+              <a:spcAft>
+                <a:spcPct val="0"/>
+              </a:spcAft>
+              <a:buFont typeface="Arial" charset="0"/>
+              <a:buChar char="•"/>
+              <a:defRPr lang="en-US" sz="1100" kern="1200" dirty="0">
+                <a:solidFill>
+                  <a:schemeClr val="tx1"/>
+                </a:solidFill>
+                <a:latin typeface="+mn-lt"/>
+                <a:ea typeface="ＭＳ Ｐゴシック" charset="0"/>
+                <a:cs typeface="CiscoSans"/>
+              </a:defRPr>
+            </a:lvl4pPr>
+            <a:lvl5pPr marL="574675" indent="-169863" algn="l" defTabSz="684213" rtl="0" eaLnBrk="1" fontAlgn="base" hangingPunct="1">
+              <a:lnSpc>
+                <a:spcPct val="95000"/>
+              </a:lnSpc>
+              <a:spcBef>
+                <a:spcPts val="625"/>
+              </a:spcBef>
+              <a:spcAft>
+                <a:spcPct val="0"/>
+              </a:spcAft>
+              <a:buFont typeface="Arial" charset="0"/>
+              <a:buChar char="•"/>
+              <a:defRPr lang="en-US" sz="1100" kern="1200" dirty="0">
+                <a:solidFill>
+                  <a:schemeClr val="tx1"/>
+                </a:solidFill>
+                <a:latin typeface="+mn-lt"/>
+                <a:ea typeface="ＭＳ Ｐゴシック" charset="0"/>
+                <a:cs typeface="CiscoSans"/>
+              </a:defRPr>
+            </a:lvl5pPr>
+            <a:lvl6pPr marL="863856" indent="-171445" algn="l" defTabSz="685777" rtl="0" eaLnBrk="1" latinLnBrk="0" hangingPunct="1">
+              <a:spcBef>
+                <a:spcPts val="600"/>
+              </a:spcBef>
+              <a:buFont typeface="Arial" pitchFamily="34" charset="0"/>
+              <a:buChar char="•"/>
+              <a:defRPr sz="900" kern="1200" baseline="0">
+                <a:solidFill>
+                  <a:schemeClr val="tx1"/>
+                </a:solidFill>
+                <a:latin typeface="+mn-lt"/>
+                <a:ea typeface="+mn-ea"/>
+                <a:cs typeface="+mn-cs"/>
+              </a:defRPr>
+            </a:lvl6pPr>
+            <a:lvl7pPr marL="935844" indent="-171422" algn="l" defTabSz="685777" rtl="0" eaLnBrk="1" latinLnBrk="0" hangingPunct="1">
+              <a:spcBef>
+                <a:spcPts val="600"/>
+              </a:spcBef>
+              <a:buFont typeface="Arial" pitchFamily="34" charset="0"/>
+              <a:buChar char="•"/>
+              <a:defRPr sz="800" kern="1200" baseline="0">
+                <a:solidFill>
+                  <a:schemeClr val="tx1"/>
+                </a:solidFill>
+                <a:latin typeface="+mn-lt"/>
+                <a:ea typeface="+mn-ea"/>
+                <a:cs typeface="+mn-cs"/>
+              </a:defRPr>
+            </a:lvl7pPr>
+            <a:lvl8pPr marL="2400220" indent="0" algn="l" defTabSz="685777" rtl="0" eaLnBrk="1" latinLnBrk="0" hangingPunct="1">
+              <a:spcBef>
+                <a:spcPct val="20000"/>
+              </a:spcBef>
+              <a:buFont typeface="Arial" pitchFamily="34" charset="0"/>
+              <a:buNone/>
+              <a:defRPr sz="1500" kern="1200">
+                <a:solidFill>
+                  <a:schemeClr val="tx1"/>
+                </a:solidFill>
+                <a:latin typeface="+mn-lt"/>
+                <a:ea typeface="+mn-ea"/>
+                <a:cs typeface="+mn-cs"/>
+              </a:defRPr>
+            </a:lvl8pPr>
+            <a:lvl9pPr marL="2914553" indent="-171445" algn="l" defTabSz="685777" rtl="0" eaLnBrk="1" latinLnBrk="0" hangingPunct="1">
+              <a:spcBef>
+                <a:spcPct val="20000"/>
+              </a:spcBef>
+              <a:buFont typeface="Arial" pitchFamily="34" charset="0"/>
+              <a:buChar char="•"/>
+              <a:defRPr sz="1500" kern="1200">
+                <a:solidFill>
+                  <a:schemeClr val="tx1"/>
+                </a:solidFill>
+                <a:latin typeface="+mn-lt"/>
+                <a:ea typeface="+mn-ea"/>
+                <a:cs typeface="+mn-cs"/>
+              </a:defRPr>
+            </a:lvl9pPr>
+          </a:lstStyle>
+          <a:p>
+            <a:pPr>
+              <a:lnSpc>
+                <a:spcPts val="1360"/>
+              </a:lnSpc>
+              <a:spcBef>
+                <a:spcPts val="0"/>
+              </a:spcBef>
+            </a:pPr>
+            <a:r>
+              <a:rPr lang="en-US" sz="1000" dirty="0">
+                <a:solidFill>
+                  <a:srgbClr val="002060"/>
+                </a:solidFill>
+                <a:latin typeface="Arial" panose="020B0604020202020204" pitchFamily="34" charset="0"/>
+                <a:cs typeface="Arial" panose="020B0604020202020204" pitchFamily="34" charset="0"/>
+              </a:rPr>
+              <a:t>TX Packet Loss %     </a:t>
+            </a:r>
+          </a:p>
+          <a:p>
+            <a:pPr marL="188912" lvl="1" indent="0">
+              <a:lnSpc>
+                <a:spcPts val="1360"/>
+              </a:lnSpc>
+              <a:spcBef>
+                <a:spcPts val="0"/>
+              </a:spcBef>
+              <a:buNone/>
+            </a:pPr>
+            <a:r>
+              <a:rPr lang="en-US" sz="1000" dirty="0">
+                <a:solidFill>
+                  <a:srgbClr val="002060"/>
+                </a:solidFill>
+                <a:latin typeface="Arial" panose="020B0604020202020204" pitchFamily="34" charset="0"/>
+                <a:cs typeface="Arial" panose="020B0604020202020204" pitchFamily="34" charset="0"/>
+              </a:rPr>
+              <a:t>= 100* ( ( ( C1(t) – C1(t-1) ) – ( C2(t) – C2(t-1) ) / ( C1(t) – C1(t-1) )    </a:t>
+            </a:r>
+          </a:p>
+          <a:p>
+            <a:pPr marL="188912" lvl="1" indent="0">
+              <a:lnSpc>
+                <a:spcPts val="1360"/>
+              </a:lnSpc>
+              <a:spcBef>
+                <a:spcPts val="0"/>
+              </a:spcBef>
+              <a:buNone/>
+            </a:pPr>
+            <a:r>
+              <a:rPr lang="en-US" sz="1000" dirty="0">
+                <a:solidFill>
+                  <a:srgbClr val="002060"/>
+                </a:solidFill>
+                <a:latin typeface="Arial" panose="020B0604020202020204" pitchFamily="34" charset="0"/>
+                <a:cs typeface="Arial" panose="020B0604020202020204" pitchFamily="34" charset="0"/>
+              </a:rPr>
+              <a:t>= 100* ( ( (103 – 100) – (203 – 200) ) / (103 – 100) )    </a:t>
+            </a:r>
+          </a:p>
+          <a:p>
+            <a:pPr marL="188912" lvl="1" indent="0">
+              <a:lnSpc>
+                <a:spcPts val="1360"/>
+              </a:lnSpc>
+              <a:spcBef>
+                <a:spcPts val="0"/>
+              </a:spcBef>
+              <a:buNone/>
+            </a:pPr>
+            <a:r>
+              <a:rPr lang="en-US" sz="1000" dirty="0">
+                <a:solidFill>
+                  <a:srgbClr val="002060"/>
+                </a:solidFill>
+                <a:latin typeface="Arial" panose="020B0604020202020204" pitchFamily="34" charset="0"/>
+                <a:cs typeface="Arial" panose="020B0604020202020204" pitchFamily="34" charset="0"/>
+              </a:rPr>
+              <a:t>= 0</a:t>
+            </a:r>
+          </a:p>
+        </p:txBody>
+      </p:sp>
+      <p:grpSp>
+        <p:nvGrpSpPr>
+          <p:cNvPr id="4" name="Group 3">
+            <a:extLst>
+              <a:ext uri="{FF2B5EF4-FFF2-40B4-BE49-F238E27FC236}">
+                <a16:creationId xmlns:a16="http://schemas.microsoft.com/office/drawing/2014/main" id="{CC66D231-DFDE-B245-9DAE-F4DE54F00B9C}"/>
+              </a:ext>
+            </a:extLst>
+          </p:cNvPr>
+          <p:cNvGrpSpPr/>
+          <p:nvPr/>
+        </p:nvGrpSpPr>
+        <p:grpSpPr>
+          <a:xfrm>
+            <a:off x="609600" y="1370283"/>
+            <a:ext cx="3197281" cy="1205207"/>
+            <a:chOff x="668281" y="1243986"/>
+            <a:chExt cx="3197281" cy="1205207"/>
+          </a:xfrm>
+        </p:grpSpPr>
+        <p:sp>
+          <p:nvSpPr>
+            <p:cNvPr id="32" name="Rounded Rectangular Callout 27">
+              <a:extLst>
+                <a:ext uri="{FF2B5EF4-FFF2-40B4-BE49-F238E27FC236}">
+                  <a16:creationId xmlns:a16="http://schemas.microsoft.com/office/drawing/2014/main" id="{CBAA138F-2CEA-4473-835A-18AEC15829E1}"/>
+                </a:ext>
+              </a:extLst>
+            </p:cNvPr>
+            <p:cNvSpPr/>
+            <p:nvPr/>
+          </p:nvSpPr>
+          <p:spPr bwMode="auto">
+            <a:xfrm>
+              <a:off x="1369664" y="2187658"/>
+              <a:ext cx="807377" cy="260302"/>
+            </a:xfrm>
+            <a:prstGeom prst="wedgeRoundRectCallout">
+              <a:avLst>
+                <a:gd name="adj1" fmla="val -33284"/>
+                <a:gd name="adj2" fmla="val -225175"/>
+                <a:gd name="adj3" fmla="val 16667"/>
+              </a:avLst>
+            </a:prstGeom>
+            <a:solidFill>
+              <a:srgbClr val="FFFFFF">
+                <a:lumMod val="95000"/>
+              </a:srgbClr>
+            </a:solidFill>
+            <a:ln w="9525" cap="flat" cmpd="sng" algn="ctr">
+              <a:noFill/>
+              <a:prstDash val="solid"/>
+              <a:round/>
+              <a:headEnd type="none" w="med" len="med"/>
+              <a:tailEnd type="none" w="med" len="med"/>
+            </a:ln>
+            <a:effectLst/>
+          </p:spPr>
+          <p:txBody>
+            <a:bodyPr vert="horz" wrap="none" lIns="82124" tIns="41061" rIns="82124" bIns="41061" numCol="1" rtlCol="0" anchor="ctr" anchorCtr="0" compatLnSpc="1">
+              <a:prstTxWarp prst="textNoShape">
+                <a:avLst/>
+              </a:prstTxWarp>
+              <a:spAutoFit/>
+            </a:bodyPr>
+            <a:lstStyle/>
+            <a:p>
+              <a:pPr marL="0" marR="0" lvl="0" indent="0" algn="ctr" defTabSz="814388" eaLnBrk="0" fontAlgn="auto" latinLnBrk="0" hangingPunct="0">
+                <a:lnSpc>
+                  <a:spcPct val="90000"/>
+                </a:lnSpc>
+                <a:spcBef>
+                  <a:spcPts val="0"/>
+                </a:spcBef>
+                <a:spcAft>
+                  <a:spcPts val="0"/>
+                </a:spcAft>
+                <a:buClrTx/>
+                <a:buSzTx/>
+                <a:buFontTx/>
+                <a:buNone/>
+                <a:tabLst/>
+                <a:defRPr/>
+              </a:pPr>
+              <a:r>
+                <a:rPr kumimoji="0" lang="en-US" sz="1100" u="none" strike="noStrike" kern="0" cap="none" spc="0" normalizeH="0" baseline="0" noProof="0" dirty="0">
+                  <a:ln>
+                    <a:noFill/>
+                  </a:ln>
+                  <a:solidFill>
+                    <a:srgbClr val="002060"/>
+                  </a:solidFill>
+                  <a:effectLst/>
+                  <a:uLnTx/>
+                  <a:uFillTx/>
+                  <a:latin typeface="Arial" panose="020B0604020202020204" pitchFamily="34" charset="0"/>
+                  <a:cs typeface="Arial" panose="020B0604020202020204" pitchFamily="34" charset="0"/>
+                </a:rPr>
+                <a:t>Counter</a:t>
+              </a:r>
+              <a:r>
+                <a:rPr kumimoji="0" lang="en-US" sz="1100" u="none" strike="noStrike" kern="0" cap="none" spc="0" normalizeH="0" noProof="0" dirty="0">
+                  <a:ln>
+                    <a:noFill/>
+                  </a:ln>
+                  <a:solidFill>
+                    <a:srgbClr val="002060"/>
+                  </a:solidFill>
+                  <a:effectLst/>
+                  <a:uLnTx/>
+                  <a:uFillTx/>
+                  <a:latin typeface="Arial" panose="020B0604020202020204" pitchFamily="34" charset="0"/>
+                  <a:cs typeface="Arial" panose="020B0604020202020204" pitchFamily="34" charset="0"/>
+                </a:rPr>
+                <a:t> 1</a:t>
+              </a:r>
+              <a:endParaRPr kumimoji="0" lang="en-US" sz="1100" u="none" strike="noStrike" kern="0" cap="none" spc="0" normalizeH="0" baseline="0" noProof="0" dirty="0">
+                <a:ln>
+                  <a:noFill/>
+                </a:ln>
+                <a:solidFill>
+                  <a:srgbClr val="002060"/>
+                </a:solidFill>
+                <a:effectLst/>
+                <a:uLnTx/>
+                <a:uFillTx/>
+                <a:latin typeface="Arial" panose="020B0604020202020204" pitchFamily="34" charset="0"/>
+                <a:cs typeface="Arial" panose="020B0604020202020204" pitchFamily="34" charset="0"/>
+              </a:endParaRPr>
+            </a:p>
+          </p:txBody>
+        </p:sp>
+        <p:sp>
+          <p:nvSpPr>
+            <p:cNvPr id="184" name="Oval 183">
+              <a:extLst>
+                <a:ext uri="{FF2B5EF4-FFF2-40B4-BE49-F238E27FC236}">
+                  <a16:creationId xmlns:a16="http://schemas.microsoft.com/office/drawing/2014/main" id="{368C06FA-081C-49D7-9C77-0D814D62D5F5}"/>
+                </a:ext>
+              </a:extLst>
+            </p:cNvPr>
+            <p:cNvSpPr/>
+            <p:nvPr/>
+          </p:nvSpPr>
+          <p:spPr>
+            <a:xfrm>
+              <a:off x="2883105" y="1622686"/>
+              <a:ext cx="219456" cy="219456"/>
+            </a:xfrm>
+            <a:prstGeom prst="ellipse">
+              <a:avLst/>
+            </a:prstGeom>
+            <a:noFill/>
+            <a:ln w="38100">
+              <a:solidFill>
+                <a:schemeClr val="accent2"/>
+              </a:solidFill>
+              <a:headEnd type="none" w="med" len="med"/>
+              <a:tailEnd type="triangle" w="med" len="med"/>
+            </a:ln>
+            <a:effectLst/>
+          </p:spPr>
+          <p:style>
+            <a:lnRef idx="2">
+              <a:schemeClr val="accent1">
+                <a:shade val="50000"/>
+              </a:schemeClr>
+            </a:lnRef>
+            <a:fillRef idx="1">
+              <a:schemeClr val="accent1"/>
+            </a:fillRef>
+            <a:effectRef idx="0">
+              <a:schemeClr val="accent1"/>
+            </a:effectRef>
+            <a:fontRef idx="minor">
+              <a:schemeClr val="lt1"/>
+            </a:fontRef>
+          </p:style>
+          <p:txBody>
+            <a:bodyPr lIns="0" tIns="0" rIns="0" bIns="0" rtlCol="0" anchor="ctr"/>
+            <a:lstStyle/>
+            <a:p>
+              <a:pPr algn="ctr"/>
+              <a:r>
+                <a:rPr lang="fr-FR" sz="1100" dirty="0">
+                  <a:solidFill>
+                    <a:srgbClr val="002060"/>
+                  </a:solidFill>
+                  <a:latin typeface="Arial" panose="020B0604020202020204" pitchFamily="34" charset="0"/>
+                  <a:cs typeface="Arial" panose="020B0604020202020204" pitchFamily="34" charset="0"/>
+                </a:rPr>
+                <a:t>2</a:t>
+              </a:r>
+            </a:p>
+          </p:txBody>
+        </p:sp>
+        <p:sp>
+          <p:nvSpPr>
+            <p:cNvPr id="216" name="Oval 215">
+              <a:extLst>
+                <a:ext uri="{FF2B5EF4-FFF2-40B4-BE49-F238E27FC236}">
+                  <a16:creationId xmlns:a16="http://schemas.microsoft.com/office/drawing/2014/main" id="{FA350B2C-B724-4674-97E3-2CF0AF13068D}"/>
+                </a:ext>
+              </a:extLst>
+            </p:cNvPr>
+            <p:cNvSpPr/>
+            <p:nvPr/>
+          </p:nvSpPr>
+          <p:spPr>
+            <a:xfrm>
+              <a:off x="1288639" y="1631830"/>
+              <a:ext cx="219456" cy="219456"/>
+            </a:xfrm>
+            <a:prstGeom prst="ellipse">
+              <a:avLst/>
+            </a:prstGeom>
+            <a:noFill/>
+            <a:ln w="38100">
+              <a:solidFill>
+                <a:schemeClr val="accent2"/>
+              </a:solidFill>
+              <a:headEnd type="none" w="med" len="med"/>
+              <a:tailEnd type="triangle" w="med" len="med"/>
+            </a:ln>
+            <a:effectLst/>
+          </p:spPr>
+          <p:style>
+            <a:lnRef idx="2">
+              <a:schemeClr val="accent1">
+                <a:shade val="50000"/>
+              </a:schemeClr>
+            </a:lnRef>
+            <a:fillRef idx="1">
+              <a:schemeClr val="accent1"/>
+            </a:fillRef>
+            <a:effectRef idx="0">
+              <a:schemeClr val="accent1"/>
+            </a:effectRef>
+            <a:fontRef idx="minor">
+              <a:schemeClr val="lt1"/>
+            </a:fontRef>
+          </p:style>
+          <p:txBody>
+            <a:bodyPr lIns="0" tIns="0" rIns="0" bIns="0" rtlCol="0" anchor="ctr"/>
+            <a:lstStyle/>
+            <a:p>
+              <a:pPr algn="ctr"/>
+              <a:r>
+                <a:rPr lang="fr-FR" sz="1100" dirty="0">
+                  <a:solidFill>
+                    <a:srgbClr val="002060"/>
+                  </a:solidFill>
+                  <a:latin typeface="Arial" panose="020B0604020202020204" pitchFamily="34" charset="0"/>
+                  <a:cs typeface="Arial" panose="020B0604020202020204" pitchFamily="34" charset="0"/>
+                </a:rPr>
+                <a:t>1</a:t>
+              </a:r>
+            </a:p>
+          </p:txBody>
+        </p:sp>
+        <p:sp>
+          <p:nvSpPr>
+            <p:cNvPr id="261" name="Down Arrow 84">
+              <a:extLst>
+                <a:ext uri="{FF2B5EF4-FFF2-40B4-BE49-F238E27FC236}">
+                  <a16:creationId xmlns:a16="http://schemas.microsoft.com/office/drawing/2014/main" id="{5ED5220D-7439-4496-8A23-28A6BFD05925}"/>
+                </a:ext>
+              </a:extLst>
+            </p:cNvPr>
+            <p:cNvSpPr/>
+            <p:nvPr/>
+          </p:nvSpPr>
+          <p:spPr>
+            <a:xfrm rot="16200000">
+              <a:off x="1672437" y="1702502"/>
+              <a:ext cx="125006" cy="326374"/>
+            </a:xfrm>
+            <a:prstGeom prst="downArrow">
+              <a:avLst>
+                <a:gd name="adj1" fmla="val 39181"/>
+                <a:gd name="adj2" fmla="val 61505"/>
+              </a:avLst>
+            </a:prstGeom>
+            <a:solidFill>
+              <a:schemeClr val="accent1"/>
+            </a:solidFill>
+            <a:ln>
+              <a:noFill/>
+            </a:ln>
+            <a:effectLst/>
+          </p:spPr>
+          <p:style>
+            <a:lnRef idx="2">
+              <a:schemeClr val="accent1">
+                <a:shade val="50000"/>
+              </a:schemeClr>
+            </a:lnRef>
+            <a:fillRef idx="1">
+              <a:schemeClr val="accent1"/>
+            </a:fillRef>
+            <a:effectRef idx="0">
+              <a:schemeClr val="accent1"/>
+            </a:effectRef>
+            <a:fontRef idx="minor">
+              <a:schemeClr val="lt1"/>
+            </a:fontRef>
+          </p:style>
+          <p:txBody>
+            <a:bodyPr rtlCol="0" anchor="ctr"/>
+            <a:lstStyle/>
+            <a:p>
+              <a:pPr algn="ctr"/>
+              <a:endParaRPr lang="fr-FR" sz="1100" dirty="0">
+                <a:solidFill>
+                  <a:srgbClr val="002060"/>
+                </a:solidFill>
+                <a:latin typeface="Arial" panose="020B0604020202020204" pitchFamily="34" charset="0"/>
+                <a:cs typeface="Arial" panose="020B0604020202020204" pitchFamily="34" charset="0"/>
+              </a:endParaRPr>
+            </a:p>
+          </p:txBody>
+        </p:sp>
+        <p:cxnSp>
+          <p:nvCxnSpPr>
+            <p:cNvPr id="270" name="Straight Connector 269">
+              <a:extLst>
+                <a:ext uri="{FF2B5EF4-FFF2-40B4-BE49-F238E27FC236}">
+                  <a16:creationId xmlns:a16="http://schemas.microsoft.com/office/drawing/2014/main" id="{CC4903E4-8DD5-4797-8DD2-1EEDB990F97E}"/>
+                </a:ext>
+              </a:extLst>
+            </p:cNvPr>
+            <p:cNvCxnSpPr>
+              <a:cxnSpLocks/>
+              <a:stCxn id="216" idx="6"/>
+              <a:endCxn id="184" idx="2"/>
+            </p:cNvCxnSpPr>
+            <p:nvPr/>
+          </p:nvCxnSpPr>
+          <p:spPr>
+            <a:xfrm flipV="1">
+              <a:off x="1508095" y="1732414"/>
+              <a:ext cx="1375010" cy="9144"/>
+            </a:xfrm>
+            <a:prstGeom prst="line">
+              <a:avLst/>
+            </a:prstGeom>
+            <a:ln w="38100">
+              <a:solidFill>
+                <a:schemeClr val="accent4"/>
+              </a:solidFill>
+            </a:ln>
+          </p:spPr>
+          <p:style>
+            <a:lnRef idx="1">
+              <a:schemeClr val="accent1"/>
+            </a:lnRef>
+            <a:fillRef idx="0">
+              <a:schemeClr val="accent1"/>
+            </a:fillRef>
+            <a:effectRef idx="0">
+              <a:schemeClr val="accent1"/>
+            </a:effectRef>
+            <a:fontRef idx="minor">
+              <a:schemeClr val="tx1"/>
+            </a:fontRef>
+          </p:style>
+        </p:cxnSp>
+        <p:pic>
+          <p:nvPicPr>
+            <p:cNvPr id="2" name="Picture 1">
+              <a:extLst>
+                <a:ext uri="{FF2B5EF4-FFF2-40B4-BE49-F238E27FC236}">
+                  <a16:creationId xmlns:a16="http://schemas.microsoft.com/office/drawing/2014/main" id="{7637C330-061A-4D11-B791-663C35AE8884}"/>
+                </a:ext>
+              </a:extLst>
+            </p:cNvPr>
+            <p:cNvPicPr>
+              <a:picLocks noChangeAspect="1"/>
+            </p:cNvPicPr>
+            <p:nvPr/>
+          </p:nvPicPr>
+          <p:blipFill>
+            <a:blip r:embed="rId3"/>
+            <a:stretch>
+              <a:fillRect/>
+            </a:stretch>
+          </p:blipFill>
+          <p:spPr>
+            <a:xfrm>
+              <a:off x="690780" y="1962047"/>
+              <a:ext cx="1858270" cy="260231"/>
+            </a:xfrm>
+            <a:prstGeom prst="rect">
+              <a:avLst/>
+            </a:prstGeom>
+          </p:spPr>
+        </p:pic>
+        <p:pic>
+          <p:nvPicPr>
+            <p:cNvPr id="3" name="Picture 2">
+              <a:extLst>
+                <a:ext uri="{FF2B5EF4-FFF2-40B4-BE49-F238E27FC236}">
+                  <a16:creationId xmlns:a16="http://schemas.microsoft.com/office/drawing/2014/main" id="{D1EDEA6A-B814-4903-B375-7ACD7A460DE8}"/>
+                </a:ext>
+              </a:extLst>
+            </p:cNvPr>
+            <p:cNvPicPr>
+              <a:picLocks noChangeAspect="1"/>
+            </p:cNvPicPr>
+            <p:nvPr/>
+          </p:nvPicPr>
+          <p:blipFill>
+            <a:blip r:embed="rId4"/>
+            <a:stretch>
+              <a:fillRect/>
+            </a:stretch>
+          </p:blipFill>
+          <p:spPr>
+            <a:xfrm>
+              <a:off x="1815069" y="1243986"/>
+              <a:ext cx="1771035" cy="268339"/>
+            </a:xfrm>
+            <a:prstGeom prst="rect">
+              <a:avLst/>
+            </a:prstGeom>
+          </p:spPr>
+        </p:pic>
+        <p:sp>
+          <p:nvSpPr>
+            <p:cNvPr id="33" name="Rounded Rectangular Callout 27">
+              <a:extLst>
+                <a:ext uri="{FF2B5EF4-FFF2-40B4-BE49-F238E27FC236}">
+                  <a16:creationId xmlns:a16="http://schemas.microsoft.com/office/drawing/2014/main" id="{5B66A804-559C-44DA-9263-5AAB6E584282}"/>
+                </a:ext>
+              </a:extLst>
+            </p:cNvPr>
+            <p:cNvSpPr/>
+            <p:nvPr/>
+          </p:nvSpPr>
+          <p:spPr bwMode="auto">
+            <a:xfrm>
+              <a:off x="2744510" y="2188891"/>
+              <a:ext cx="807377" cy="260302"/>
+            </a:xfrm>
+            <a:prstGeom prst="wedgeRoundRectCallout">
+              <a:avLst>
+                <a:gd name="adj1" fmla="val -33284"/>
+                <a:gd name="adj2" fmla="val -225175"/>
+                <a:gd name="adj3" fmla="val 16667"/>
+              </a:avLst>
+            </a:prstGeom>
+            <a:solidFill>
+              <a:srgbClr val="FFFFFF">
+                <a:lumMod val="95000"/>
+              </a:srgbClr>
+            </a:solidFill>
+            <a:ln w="9525" cap="flat" cmpd="sng" algn="ctr">
+              <a:noFill/>
+              <a:prstDash val="solid"/>
+              <a:round/>
+              <a:headEnd type="none" w="med" len="med"/>
+              <a:tailEnd type="none" w="med" len="med"/>
+            </a:ln>
+            <a:effectLst/>
+          </p:spPr>
+          <p:txBody>
+            <a:bodyPr vert="horz" wrap="none" lIns="82124" tIns="41061" rIns="82124" bIns="41061" numCol="1" rtlCol="0" anchor="ctr" anchorCtr="0" compatLnSpc="1">
+              <a:prstTxWarp prst="textNoShape">
+                <a:avLst/>
+              </a:prstTxWarp>
+              <a:spAutoFit/>
+            </a:bodyPr>
+            <a:lstStyle/>
+            <a:p>
+              <a:pPr marL="0" marR="0" lvl="0" indent="0" algn="ctr" defTabSz="814388" eaLnBrk="0" fontAlgn="auto" latinLnBrk="0" hangingPunct="0">
+                <a:lnSpc>
+                  <a:spcPct val="90000"/>
+                </a:lnSpc>
+                <a:spcBef>
+                  <a:spcPts val="0"/>
+                </a:spcBef>
+                <a:spcAft>
+                  <a:spcPts val="0"/>
+                </a:spcAft>
+                <a:buClrTx/>
+                <a:buSzTx/>
+                <a:buFontTx/>
+                <a:buNone/>
+                <a:tabLst/>
+                <a:defRPr/>
+              </a:pPr>
+              <a:r>
+                <a:rPr kumimoji="0" lang="en-US" sz="1100" u="none" strike="noStrike" kern="0" cap="none" spc="0" normalizeH="0" baseline="0" noProof="0" dirty="0">
+                  <a:ln>
+                    <a:noFill/>
+                  </a:ln>
+                  <a:solidFill>
+                    <a:srgbClr val="002060"/>
+                  </a:solidFill>
+                  <a:effectLst/>
+                  <a:uLnTx/>
+                  <a:uFillTx/>
+                  <a:latin typeface="Arial" panose="020B0604020202020204" pitchFamily="34" charset="0"/>
+                  <a:cs typeface="Arial" panose="020B0604020202020204" pitchFamily="34" charset="0"/>
+                </a:rPr>
+                <a:t>Counter</a:t>
+              </a:r>
+              <a:r>
+                <a:rPr kumimoji="0" lang="en-US" sz="1100" u="none" strike="noStrike" kern="0" cap="none" spc="0" normalizeH="0" noProof="0" dirty="0">
+                  <a:ln>
+                    <a:noFill/>
+                  </a:ln>
+                  <a:solidFill>
+                    <a:srgbClr val="002060"/>
+                  </a:solidFill>
+                  <a:effectLst/>
+                  <a:uLnTx/>
+                  <a:uFillTx/>
+                  <a:latin typeface="Arial" panose="020B0604020202020204" pitchFamily="34" charset="0"/>
+                  <a:cs typeface="Arial" panose="020B0604020202020204" pitchFamily="34" charset="0"/>
+                </a:rPr>
+                <a:t> 2</a:t>
+              </a:r>
+              <a:endParaRPr kumimoji="0" lang="en-US" sz="1100" u="none" strike="noStrike" kern="0" cap="none" spc="0" normalizeH="0" baseline="0" noProof="0" dirty="0">
+                <a:ln>
+                  <a:noFill/>
+                </a:ln>
+                <a:solidFill>
+                  <a:srgbClr val="002060"/>
+                </a:solidFill>
+                <a:effectLst/>
+                <a:uLnTx/>
+                <a:uFillTx/>
+                <a:latin typeface="Arial" panose="020B0604020202020204" pitchFamily="34" charset="0"/>
+                <a:cs typeface="Arial" panose="020B0604020202020204" pitchFamily="34" charset="0"/>
+              </a:endParaRPr>
+            </a:p>
+          </p:txBody>
+        </p:sp>
+        <p:sp>
+          <p:nvSpPr>
+            <p:cNvPr id="34" name="TextBox 33">
+              <a:extLst>
+                <a:ext uri="{FF2B5EF4-FFF2-40B4-BE49-F238E27FC236}">
+                  <a16:creationId xmlns:a16="http://schemas.microsoft.com/office/drawing/2014/main" id="{9726C513-7470-4B7E-A306-AF186112A1AA}"/>
+                </a:ext>
+              </a:extLst>
+            </p:cNvPr>
+            <p:cNvSpPr txBox="1"/>
+            <p:nvPr/>
+          </p:nvSpPr>
+          <p:spPr>
+            <a:xfrm>
+              <a:off x="2669452" y="1353487"/>
+              <a:ext cx="381048" cy="261610"/>
+            </a:xfrm>
+            <a:prstGeom prst="rect">
+              <a:avLst/>
+            </a:prstGeom>
+            <a:noFill/>
+            <a:ln>
+              <a:noFill/>
+            </a:ln>
+          </p:spPr>
+          <p:txBody>
+            <a:bodyPr wrap="none" lIns="72000" rIns="72000" rtlCol="0">
+              <a:spAutoFit/>
+            </a:bodyPr>
+            <a:lstStyle/>
+            <a:p>
+              <a:r>
+                <a:rPr lang="en-US" sz="1100" dirty="0">
+                  <a:solidFill>
+                    <a:srgbClr val="002060"/>
+                  </a:solidFill>
+                  <a:latin typeface="Arial" panose="020B0604020202020204" pitchFamily="34" charset="0"/>
+                  <a:cs typeface="Arial" panose="020B0604020202020204" pitchFamily="34" charset="0"/>
+                </a:rPr>
+                <a:t>HW</a:t>
+              </a:r>
+            </a:p>
+          </p:txBody>
+        </p:sp>
+        <p:sp>
+          <p:nvSpPr>
+            <p:cNvPr id="35" name="TextBox 34">
+              <a:extLst>
+                <a:ext uri="{FF2B5EF4-FFF2-40B4-BE49-F238E27FC236}">
+                  <a16:creationId xmlns:a16="http://schemas.microsoft.com/office/drawing/2014/main" id="{3A89D29B-E69E-4D8C-996E-D88AD5BCCE67}"/>
+                </a:ext>
+              </a:extLst>
+            </p:cNvPr>
+            <p:cNvSpPr txBox="1"/>
+            <p:nvPr/>
+          </p:nvSpPr>
+          <p:spPr>
+            <a:xfrm>
+              <a:off x="1399089" y="1353664"/>
+              <a:ext cx="381048" cy="261610"/>
+            </a:xfrm>
+            <a:prstGeom prst="rect">
+              <a:avLst/>
+            </a:prstGeom>
+            <a:noFill/>
+            <a:ln>
+              <a:noFill/>
+            </a:ln>
+          </p:spPr>
+          <p:txBody>
+            <a:bodyPr wrap="none" lIns="72000" rIns="72000" rtlCol="0">
+              <a:spAutoFit/>
+            </a:bodyPr>
+            <a:lstStyle/>
+            <a:p>
+              <a:r>
+                <a:rPr lang="en-US" sz="1100" dirty="0">
+                  <a:solidFill>
+                    <a:srgbClr val="002060"/>
+                  </a:solidFill>
+                  <a:latin typeface="Arial" panose="020B0604020202020204" pitchFamily="34" charset="0"/>
+                  <a:cs typeface="Arial" panose="020B0604020202020204" pitchFamily="34" charset="0"/>
+                </a:rPr>
+                <a:t>HW</a:t>
+              </a:r>
+            </a:p>
+          </p:txBody>
+        </p:sp>
+        <p:sp>
+          <p:nvSpPr>
+            <p:cNvPr id="31" name="TextBox 30">
+              <a:extLst>
+                <a:ext uri="{FF2B5EF4-FFF2-40B4-BE49-F238E27FC236}">
+                  <a16:creationId xmlns:a16="http://schemas.microsoft.com/office/drawing/2014/main" id="{E5804B2D-2257-F24C-8F26-69ECD9F3168B}"/>
+                </a:ext>
+              </a:extLst>
+            </p:cNvPr>
+            <p:cNvSpPr txBox="1"/>
+            <p:nvPr/>
+          </p:nvSpPr>
+          <p:spPr>
+            <a:xfrm>
+              <a:off x="668281" y="1596072"/>
+              <a:ext cx="600659" cy="261610"/>
+            </a:xfrm>
+            <a:prstGeom prst="rect">
+              <a:avLst/>
+            </a:prstGeom>
+            <a:noFill/>
+            <a:ln>
+              <a:noFill/>
+            </a:ln>
+          </p:spPr>
+          <p:txBody>
+            <a:bodyPr wrap="none" lIns="72000" rIns="72000" rtlCol="0">
+              <a:spAutoFit/>
+            </a:bodyPr>
+            <a:lstStyle/>
+            <a:p>
+              <a:r>
+                <a:rPr lang="en-US" sz="1100" dirty="0">
+                  <a:solidFill>
+                    <a:srgbClr val="002060"/>
+                  </a:solidFill>
+                  <a:latin typeface="Arial" panose="020B0604020202020204" pitchFamily="34" charset="0"/>
+                  <a:cs typeface="Arial" panose="020B0604020202020204" pitchFamily="34" charset="0"/>
+                </a:rPr>
+                <a:t>Sender</a:t>
+              </a:r>
+            </a:p>
+          </p:txBody>
+        </p:sp>
+        <p:sp>
+          <p:nvSpPr>
+            <p:cNvPr id="36" name="TextBox 35">
+              <a:extLst>
+                <a:ext uri="{FF2B5EF4-FFF2-40B4-BE49-F238E27FC236}">
+                  <a16:creationId xmlns:a16="http://schemas.microsoft.com/office/drawing/2014/main" id="{F2B171B4-8F2B-B348-BFD7-91DA8AD8E4E2}"/>
+                </a:ext>
+              </a:extLst>
+            </p:cNvPr>
+            <p:cNvSpPr txBox="1"/>
+            <p:nvPr/>
+          </p:nvSpPr>
+          <p:spPr>
+            <a:xfrm>
+              <a:off x="3155899" y="1596072"/>
+              <a:ext cx="709663" cy="261610"/>
+            </a:xfrm>
+            <a:prstGeom prst="rect">
+              <a:avLst/>
+            </a:prstGeom>
+            <a:noFill/>
+            <a:ln>
+              <a:noFill/>
+            </a:ln>
+          </p:spPr>
+          <p:txBody>
+            <a:bodyPr wrap="none" lIns="72000" rIns="72000" rtlCol="0">
+              <a:spAutoFit/>
+            </a:bodyPr>
+            <a:lstStyle/>
+            <a:p>
+              <a:r>
+                <a:rPr lang="en-US" sz="1100" dirty="0">
+                  <a:solidFill>
+                    <a:srgbClr val="002060"/>
+                  </a:solidFill>
+                  <a:latin typeface="Arial" panose="020B0604020202020204" pitchFamily="34" charset="0"/>
+                  <a:cs typeface="Arial" panose="020B0604020202020204" pitchFamily="34" charset="0"/>
+                </a:rPr>
+                <a:t>Reflector</a:t>
+              </a:r>
+            </a:p>
+          </p:txBody>
+        </p:sp>
+        <p:sp>
+          <p:nvSpPr>
+            <p:cNvPr id="38" name="Down Arrow 84">
+              <a:extLst>
+                <a:ext uri="{FF2B5EF4-FFF2-40B4-BE49-F238E27FC236}">
+                  <a16:creationId xmlns:a16="http://schemas.microsoft.com/office/drawing/2014/main" id="{4CF0B229-F560-3542-9B4B-4C0897B4C936}"/>
+                </a:ext>
+              </a:extLst>
+            </p:cNvPr>
+            <p:cNvSpPr/>
+            <p:nvPr/>
+          </p:nvSpPr>
+          <p:spPr>
+            <a:xfrm rot="5400000">
+              <a:off x="2634286" y="1976160"/>
+              <a:ext cx="125006" cy="326374"/>
+            </a:xfrm>
+            <a:prstGeom prst="downArrow">
+              <a:avLst>
+                <a:gd name="adj1" fmla="val 39181"/>
+                <a:gd name="adj2" fmla="val 61505"/>
+              </a:avLst>
+            </a:prstGeom>
+            <a:solidFill>
+              <a:schemeClr val="accent1"/>
+            </a:solidFill>
+            <a:ln>
+              <a:noFill/>
+            </a:ln>
+            <a:effectLst/>
+          </p:spPr>
+          <p:style>
+            <a:lnRef idx="2">
+              <a:schemeClr val="accent1">
+                <a:shade val="50000"/>
+              </a:schemeClr>
+            </a:lnRef>
+            <a:fillRef idx="1">
+              <a:schemeClr val="accent1"/>
+            </a:fillRef>
+            <a:effectRef idx="0">
+              <a:schemeClr val="accent1"/>
+            </a:effectRef>
+            <a:fontRef idx="minor">
+              <a:schemeClr val="lt1"/>
+            </a:fontRef>
+          </p:style>
+          <p:txBody>
+            <a:bodyPr rtlCol="0" anchor="ctr"/>
+            <a:lstStyle/>
+            <a:p>
+              <a:pPr algn="ctr"/>
+              <a:endParaRPr lang="fr-FR" sz="1100" dirty="0">
+                <a:solidFill>
+                  <a:srgbClr val="002060"/>
+                </a:solidFill>
+                <a:latin typeface="Arial" panose="020B0604020202020204" pitchFamily="34" charset="0"/>
+                <a:cs typeface="Arial" panose="020B0604020202020204" pitchFamily="34" charset="0"/>
+              </a:endParaRPr>
+            </a:p>
+          </p:txBody>
+        </p:sp>
+      </p:grpSp>
+      <p:sp>
+        <p:nvSpPr>
+          <p:cNvPr id="39" name="Text Placeholder 1">
+            <a:extLst>
+              <a:ext uri="{FF2B5EF4-FFF2-40B4-BE49-F238E27FC236}">
+                <a16:creationId xmlns:a16="http://schemas.microsoft.com/office/drawing/2014/main" id="{8B43DDA2-2FA7-F54E-9F65-37724BB1E7DD}"/>
+              </a:ext>
+            </a:extLst>
+          </p:cNvPr>
           <p:cNvSpPr>
             <a:spLocks noGrp="1"/>
           </p:cNvSpPr>
           <p:nvPr>
-            <p:ph type="ftr" sz="quarter" idx="11"/>
+            <p:ph type="body" sz="quarter" idx="10"/>
           </p:nvPr>
         </p:nvSpPr>
         <p:spPr>
           <a:xfrm>
-            <a:off x="3048000" y="4786312"/>
-            <a:ext cx="2895600" cy="357188"/>
+            <a:off x="4695860" y="1632920"/>
+            <a:ext cx="4184387" cy="1180709"/>
           </a:xfrm>
         </p:spPr>
         <p:txBody>
@@ -5717,32 +7039,324 @@
           <a:lstStyle/>
           <a:p>
             <a:r>
-              <a:rPr lang="en-CA" dirty="0"/>
-              <a:t>110</a:t>
-            </a:r>
-            <a:r>
-              <a:rPr lang="en-CA" baseline="30000" dirty="0"/>
-              <a:t>th</a:t>
-            </a:r>
-            <a:r>
-              <a:rPr lang="en-CA" dirty="0"/>
-              <a:t> IETF Online</a:t>
-            </a:r>
+              <a:rPr lang="en-US" sz="1400" dirty="0"/>
+              <a:t>Advertise extended TE metrics – link loss percentage</a:t>
+            </a:r>
+          </a:p>
+          <a:p>
+            <a:pPr lvl="1"/>
+            <a:r>
+              <a:rPr lang="en-US" sz="1400" dirty="0"/>
+              <a:t>RFC 8570 (IS-IS)</a:t>
+            </a:r>
+          </a:p>
+          <a:p>
+            <a:pPr lvl="1"/>
+            <a:r>
+              <a:rPr lang="en-US" sz="1400" dirty="0"/>
+              <a:t>RFC 7471 (OSPF)</a:t>
+            </a:r>
+          </a:p>
+          <a:p>
+            <a:pPr lvl="1"/>
+            <a:r>
+              <a:rPr lang="en-US" sz="1400" dirty="0"/>
+              <a:t>RFC 8571 (BGP-LS)</a:t>
+            </a:r>
+          </a:p>
+          <a:p>
+            <a:endParaRPr lang="en-US" sz="1400" dirty="0"/>
           </a:p>
         </p:txBody>
       </p:sp>
       <p:sp>
         <p:nvSpPr>
-          <p:cNvPr id="5" name="Rectangle 2"/>
+          <p:cNvPr id="40" name="Rectangle 39">
+            <a:extLst>
+              <a:ext uri="{FF2B5EF4-FFF2-40B4-BE49-F238E27FC236}">
+                <a16:creationId xmlns:a16="http://schemas.microsoft.com/office/drawing/2014/main" id="{09C6C87B-54DF-0946-8C6B-D8BC82F61FD8}"/>
+              </a:ext>
+            </a:extLst>
+          </p:cNvPr>
+          <p:cNvSpPr/>
+          <p:nvPr/>
+        </p:nvSpPr>
+        <p:spPr>
+          <a:xfrm>
+            <a:off x="4230756" y="3551657"/>
+            <a:ext cx="4649491" cy="923330"/>
+          </a:xfrm>
+          <a:prstGeom prst="rect">
+            <a:avLst/>
+          </a:prstGeom>
+          <a:solidFill>
+            <a:schemeClr val="accent6">
+              <a:lumMod val="20000"/>
+              <a:lumOff val="80000"/>
+            </a:schemeClr>
+          </a:solidFill>
+          <a:ln>
+            <a:solidFill>
+              <a:schemeClr val="accent6">
+                <a:lumMod val="20000"/>
+                <a:lumOff val="80000"/>
+              </a:schemeClr>
+            </a:solidFill>
+          </a:ln>
+        </p:spPr>
+        <p:txBody>
+          <a:bodyPr wrap="square">
+            <a:spAutoFit/>
+          </a:bodyPr>
+          <a:lstStyle/>
+          <a:p>
+            <a:pPr>
+              <a:spcAft>
+                <a:spcPts val="0"/>
+              </a:spcAft>
+              <a:tabLst>
+                <a:tab pos="581660" algn="l"/>
+                <a:tab pos="1163320" algn="l"/>
+                <a:tab pos="1744980" algn="l"/>
+                <a:tab pos="2326640" algn="l"/>
+                <a:tab pos="2908300" algn="l"/>
+                <a:tab pos="3489960" algn="l"/>
+                <a:tab pos="4071620" algn="l"/>
+                <a:tab pos="4653280" algn="l"/>
+                <a:tab pos="5234940" algn="l"/>
+                <a:tab pos="5816600" algn="l"/>
+                <a:tab pos="6398260" algn="l"/>
+                <a:tab pos="6979920" algn="l"/>
+                <a:tab pos="7561580" algn="l"/>
+                <a:tab pos="8143240" algn="l"/>
+                <a:tab pos="8724900" algn="l"/>
+                <a:tab pos="9306560" algn="l"/>
+              </a:tabLst>
+            </a:pPr>
+            <a:r>
+              <a:rPr lang="en-CA" sz="900" dirty="0">
+                <a:latin typeface="Courier" pitchFamily="2" charset="0"/>
+                <a:ea typeface="Times New Roman" panose="02020603050405020304" pitchFamily="18" charset="0"/>
+                <a:cs typeface="Times New Roman" panose="02020603050405020304" pitchFamily="18" charset="0"/>
+              </a:rPr>
+              <a:t>0 1 2 3 4 5 6 7 8 9 0 1 2 3 4 5 6 7 8 9 0 1 2 3 4 5 6 7 8 9 0 1</a:t>
+            </a:r>
+            <a:endParaRPr lang="en-CA" sz="900" dirty="0">
+              <a:latin typeface="Courier" pitchFamily="2" charset="0"/>
+              <a:ea typeface="Calibri" panose="020F0502020204030204" pitchFamily="34" charset="0"/>
+              <a:cs typeface="Times New Roman" panose="02020603050405020304" pitchFamily="18" charset="0"/>
+            </a:endParaRPr>
+          </a:p>
+          <a:p>
+            <a:pPr>
+              <a:spcAft>
+                <a:spcPts val="0"/>
+              </a:spcAft>
+              <a:tabLst>
+                <a:tab pos="581660" algn="l"/>
+                <a:tab pos="1163320" algn="l"/>
+                <a:tab pos="1744980" algn="l"/>
+                <a:tab pos="2326640" algn="l"/>
+                <a:tab pos="2908300" algn="l"/>
+                <a:tab pos="3489960" algn="l"/>
+                <a:tab pos="4071620" algn="l"/>
+                <a:tab pos="4653280" algn="l"/>
+                <a:tab pos="5234940" algn="l"/>
+                <a:tab pos="5816600" algn="l"/>
+                <a:tab pos="6398260" algn="l"/>
+                <a:tab pos="6979920" algn="l"/>
+                <a:tab pos="7561580" algn="l"/>
+                <a:tab pos="8143240" algn="l"/>
+                <a:tab pos="8724900" algn="l"/>
+                <a:tab pos="9306560" algn="l"/>
+              </a:tabLst>
+            </a:pPr>
+            <a:r>
+              <a:rPr lang="en-CA" sz="900" dirty="0">
+                <a:latin typeface="Courier" pitchFamily="2" charset="0"/>
+                <a:ea typeface="Times New Roman" panose="02020603050405020304" pitchFamily="18" charset="0"/>
+                <a:cs typeface="Times New Roman" panose="02020603050405020304" pitchFamily="18" charset="0"/>
+              </a:rPr>
+              <a:t>+-+-+-+-+-+-+-+-+-+-+-+-+-+-+-+-+</a:t>
+            </a:r>
+            <a:endParaRPr lang="en-CA" sz="900" dirty="0">
+              <a:latin typeface="Courier" pitchFamily="2" charset="0"/>
+              <a:ea typeface="Calibri" panose="020F0502020204030204" pitchFamily="34" charset="0"/>
+              <a:cs typeface="Times New Roman" panose="02020603050405020304" pitchFamily="18" charset="0"/>
+            </a:endParaRPr>
+          </a:p>
+          <a:p>
+            <a:pPr>
+              <a:spcAft>
+                <a:spcPts val="0"/>
+              </a:spcAft>
+              <a:tabLst>
+                <a:tab pos="581660" algn="l"/>
+                <a:tab pos="1163320" algn="l"/>
+                <a:tab pos="1744980" algn="l"/>
+                <a:tab pos="2326640" algn="l"/>
+                <a:tab pos="2908300" algn="l"/>
+                <a:tab pos="3489960" algn="l"/>
+                <a:tab pos="4071620" algn="l"/>
+                <a:tab pos="4653280" algn="l"/>
+                <a:tab pos="5234940" algn="l"/>
+                <a:tab pos="5816600" algn="l"/>
+                <a:tab pos="6398260" algn="l"/>
+                <a:tab pos="6979920" algn="l"/>
+                <a:tab pos="7561580" algn="l"/>
+                <a:tab pos="8143240" algn="l"/>
+                <a:tab pos="8724900" algn="l"/>
+                <a:tab pos="9306560" algn="l"/>
+              </a:tabLst>
+            </a:pPr>
+            <a:r>
+              <a:rPr lang="en-CA" sz="900" dirty="0">
+                <a:latin typeface="Courier" pitchFamily="2" charset="0"/>
+                <a:ea typeface="Times New Roman" panose="02020603050405020304" pitchFamily="18" charset="0"/>
+                <a:cs typeface="Times New Roman" panose="02020603050405020304" pitchFamily="18" charset="0"/>
+              </a:rPr>
+              <a:t>|   Type        |     Length    |</a:t>
+            </a:r>
+            <a:endParaRPr lang="en-CA" sz="900" dirty="0">
+              <a:latin typeface="Courier" pitchFamily="2" charset="0"/>
+              <a:ea typeface="Calibri" panose="020F0502020204030204" pitchFamily="34" charset="0"/>
+              <a:cs typeface="Times New Roman" panose="02020603050405020304" pitchFamily="18" charset="0"/>
+            </a:endParaRPr>
+          </a:p>
+          <a:p>
+            <a:pPr>
+              <a:spcAft>
+                <a:spcPts val="0"/>
+              </a:spcAft>
+              <a:tabLst>
+                <a:tab pos="581660" algn="l"/>
+                <a:tab pos="1163320" algn="l"/>
+                <a:tab pos="1744980" algn="l"/>
+                <a:tab pos="2326640" algn="l"/>
+                <a:tab pos="2908300" algn="l"/>
+                <a:tab pos="3489960" algn="l"/>
+                <a:tab pos="4071620" algn="l"/>
+                <a:tab pos="4653280" algn="l"/>
+                <a:tab pos="5234940" algn="l"/>
+                <a:tab pos="5816600" algn="l"/>
+                <a:tab pos="6398260" algn="l"/>
+                <a:tab pos="6979920" algn="l"/>
+                <a:tab pos="7561580" algn="l"/>
+                <a:tab pos="8143240" algn="l"/>
+                <a:tab pos="8724900" algn="l"/>
+                <a:tab pos="9306560" algn="l"/>
+              </a:tabLst>
+            </a:pPr>
+            <a:r>
+              <a:rPr lang="en-CA" sz="900" dirty="0">
+                <a:latin typeface="Courier" pitchFamily="2" charset="0"/>
+                <a:ea typeface="Times New Roman" panose="02020603050405020304" pitchFamily="18" charset="0"/>
+                <a:cs typeface="Times New Roman" panose="02020603050405020304" pitchFamily="18" charset="0"/>
+              </a:rPr>
+              <a:t>+-+-+-+-+-+-+-+-+-+-+-+-+-+-+-+-+-+-+-+-+-+-+-+-+-+-+-+-+-+-+-+-+</a:t>
+            </a:r>
+            <a:endParaRPr lang="en-CA" sz="900" dirty="0">
+              <a:latin typeface="Courier" pitchFamily="2" charset="0"/>
+              <a:ea typeface="Calibri" panose="020F0502020204030204" pitchFamily="34" charset="0"/>
+              <a:cs typeface="Times New Roman" panose="02020603050405020304" pitchFamily="18" charset="0"/>
+            </a:endParaRPr>
+          </a:p>
+          <a:p>
+            <a:pPr>
+              <a:spcAft>
+                <a:spcPts val="0"/>
+              </a:spcAft>
+              <a:tabLst>
+                <a:tab pos="581660" algn="l"/>
+                <a:tab pos="1163320" algn="l"/>
+                <a:tab pos="1744980" algn="l"/>
+                <a:tab pos="2326640" algn="l"/>
+                <a:tab pos="2908300" algn="l"/>
+                <a:tab pos="3489960" algn="l"/>
+                <a:tab pos="4071620" algn="l"/>
+                <a:tab pos="4653280" algn="l"/>
+                <a:tab pos="5234940" algn="l"/>
+                <a:tab pos="5816600" algn="l"/>
+                <a:tab pos="6398260" algn="l"/>
+                <a:tab pos="6979920" algn="l"/>
+                <a:tab pos="7561580" algn="l"/>
+                <a:tab pos="8143240" algn="l"/>
+                <a:tab pos="8724900" algn="l"/>
+                <a:tab pos="9306560" algn="l"/>
+              </a:tabLst>
+            </a:pPr>
+            <a:r>
+              <a:rPr lang="en-CA" sz="900" dirty="0">
+                <a:latin typeface="Courier" pitchFamily="2" charset="0"/>
+                <a:ea typeface="Times New Roman" panose="02020603050405020304" pitchFamily="18" charset="0"/>
+                <a:cs typeface="Times New Roman" panose="02020603050405020304" pitchFamily="18" charset="0"/>
+              </a:rPr>
+              <a:t>|A|  RESERVED   |                    Link Loss                  |</a:t>
+            </a:r>
+            <a:endParaRPr lang="en-CA" sz="900" dirty="0">
+              <a:latin typeface="Courier" pitchFamily="2" charset="0"/>
+              <a:ea typeface="Calibri" panose="020F0502020204030204" pitchFamily="34" charset="0"/>
+              <a:cs typeface="Times New Roman" panose="02020603050405020304" pitchFamily="18" charset="0"/>
+            </a:endParaRPr>
+          </a:p>
+          <a:p>
+            <a:pPr>
+              <a:spcAft>
+                <a:spcPts val="0"/>
+              </a:spcAft>
+              <a:tabLst>
+                <a:tab pos="581660" algn="l"/>
+                <a:tab pos="1163320" algn="l"/>
+                <a:tab pos="1744980" algn="l"/>
+                <a:tab pos="2326640" algn="l"/>
+                <a:tab pos="2908300" algn="l"/>
+                <a:tab pos="3489960" algn="l"/>
+                <a:tab pos="4071620" algn="l"/>
+                <a:tab pos="4653280" algn="l"/>
+                <a:tab pos="5234940" algn="l"/>
+                <a:tab pos="5816600" algn="l"/>
+                <a:tab pos="6398260" algn="l"/>
+                <a:tab pos="6979920" algn="l"/>
+                <a:tab pos="7561580" algn="l"/>
+                <a:tab pos="8143240" algn="l"/>
+                <a:tab pos="8724900" algn="l"/>
+                <a:tab pos="9306560" algn="l"/>
+              </a:tabLst>
+            </a:pPr>
+            <a:r>
+              <a:rPr lang="en-CA" sz="900" dirty="0">
+                <a:latin typeface="Courier" pitchFamily="2" charset="0"/>
+                <a:ea typeface="Times New Roman" panose="02020603050405020304" pitchFamily="18" charset="0"/>
+                <a:cs typeface="Times New Roman" panose="02020603050405020304" pitchFamily="18" charset="0"/>
+              </a:rPr>
+              <a:t>+-+-+-+-+-+-+-+-+-+-+-+-+-+-+-+-+-+-+-+-+-+-+-+-+-+-+-+-+-+-+-+-+</a:t>
+            </a:r>
+            <a:endParaRPr lang="en-CA" sz="900" dirty="0">
+              <a:latin typeface="Courier" pitchFamily="2" charset="0"/>
+              <a:ea typeface="Calibri" panose="020F0502020204030204" pitchFamily="34" charset="0"/>
+              <a:cs typeface="Times New Roman" panose="02020603050405020304" pitchFamily="18" charset="0"/>
+            </a:endParaRPr>
+          </a:p>
+        </p:txBody>
+      </p:sp>
+      <p:sp>
+        <p:nvSpPr>
+          <p:cNvPr id="20" name="Footer Placeholder 3">
+            <a:extLst>
+              <a:ext uri="{FF2B5EF4-FFF2-40B4-BE49-F238E27FC236}">
+                <a16:creationId xmlns:a16="http://schemas.microsoft.com/office/drawing/2014/main" id="{5CF2E694-5ECB-4743-9B69-8CA1B5B3D746}"/>
+              </a:ext>
+            </a:extLst>
+          </p:cNvPr>
           <p:cNvSpPr txBox="1">
-            <a:spLocks noChangeArrowheads="1"/>
+            <a:spLocks/>
           </p:cNvSpPr>
           <p:nvPr/>
         </p:nvSpPr>
         <p:spPr bwMode="auto">
           <a:xfrm>
-            <a:off x="685800" y="1657350"/>
-            <a:ext cx="7772400" cy="1102519"/>
+            <a:off x="3581400" y="4789458"/>
+            <a:ext cx="1600200" cy="357188"/>
           </a:xfrm>
           <a:prstGeom prst="rect">
             <a:avLst/>
@@ -5754,211 +7368,408 @@
             <a:headEnd/>
             <a:tailEnd/>
           </a:ln>
-          <a:effectLst/>
         </p:spPr>
         <p:txBody>
-          <a:bodyPr vert="horz" wrap="square" lIns="91440" tIns="45720" rIns="91440" bIns="45720" numCol="1" anchor="ctr" anchorCtr="0" compatLnSpc="1">
+          <a:bodyPr vert="horz" wrap="square" lIns="0" tIns="45710" rIns="0" bIns="45710" numCol="1" anchor="t" anchorCtr="0" compatLnSpc="1">
             <a:prstTxWarp prst="textNoShape">
               <a:avLst/>
             </a:prstTxWarp>
+            <a:noAutofit/>
           </a:bodyPr>
           <a:lstStyle>
-            <a:lvl1pPr algn="ctr" rtl="0" eaLnBrk="0" fontAlgn="base" hangingPunct="0">
+            <a:lvl1pPr marL="174625" indent="-117475" algn="l" rtl="0" eaLnBrk="0" fontAlgn="base" hangingPunct="0">
+              <a:lnSpc>
+                <a:spcPct val="95000"/>
+              </a:lnSpc>
               <a:spcBef>
-                <a:spcPct val="0"/>
+                <a:spcPts val="1110"/>
               </a:spcBef>
               <a:spcAft>
                 <a:spcPct val="0"/>
               </a:spcAft>
-              <a:defRPr sz="4400">
-                <a:solidFill>
-                  <a:schemeClr val="tx2"/>
-                </a:solidFill>
-                <a:latin typeface="+mj-lt"/>
-                <a:ea typeface="+mj-ea"/>
-                <a:cs typeface="+mj-cs"/>
+              <a:buClr>
+                <a:schemeClr val="tx1"/>
+              </a:buClr>
+              <a:buSzPct val="60000"/>
+              <a:buFont typeface="Arial"/>
+              <a:buChar char="•"/>
+              <a:defRPr sz="2000" b="0" i="0" baseline="0">
+                <a:solidFill>
+                  <a:schemeClr val="tx1"/>
+                </a:solidFill>
+                <a:latin typeface="+mn-lt"/>
+                <a:ea typeface="Calibri" charset="0"/>
+                <a:cs typeface="CiscoSans ExtraLight"/>
               </a:defRPr>
             </a:lvl1pPr>
-            <a:lvl2pPr algn="ctr" rtl="0" eaLnBrk="0" fontAlgn="base" hangingPunct="0">
+            <a:lvl2pPr marL="288925" indent="-114300" algn="l" rtl="0" eaLnBrk="0" fontAlgn="base" hangingPunct="0">
+              <a:lnSpc>
+                <a:spcPct val="95000"/>
+              </a:lnSpc>
               <a:spcBef>
-                <a:spcPct val="0"/>
+                <a:spcPts val="450"/>
               </a:spcBef>
               <a:spcAft>
                 <a:spcPct val="0"/>
               </a:spcAft>
-              <a:defRPr sz="4400">
-                <a:solidFill>
-                  <a:schemeClr val="tx2"/>
-                </a:solidFill>
-                <a:latin typeface="Arial" charset="0"/>
-                <a:ea typeface="宋体" pitchFamily="2" charset="-122"/>
+              <a:buClr>
+                <a:schemeClr val="tx1"/>
+              </a:buClr>
+              <a:buSzPct val="60000"/>
+              <a:buFont typeface="Arial"/>
+              <a:buChar char="•"/>
+              <a:defRPr sz="1800" b="0" i="0">
+                <a:solidFill>
+                  <a:schemeClr val="tx1"/>
+                </a:solidFill>
+                <a:latin typeface="+mn-lt"/>
+                <a:ea typeface="Calibri" charset="0"/>
+                <a:cs typeface="CiscoSans ExtraLight"/>
               </a:defRPr>
             </a:lvl2pPr>
-            <a:lvl3pPr algn="ctr" rtl="0" eaLnBrk="0" fontAlgn="base" hangingPunct="0">
+            <a:lvl3pPr marL="403225" indent="-114300" algn="l" rtl="0" eaLnBrk="0" fontAlgn="base" hangingPunct="0">
               <a:spcBef>
-                <a:spcPct val="0"/>
+                <a:spcPct val="20000"/>
               </a:spcBef>
               <a:spcAft>
                 <a:spcPct val="0"/>
               </a:spcAft>
-              <a:defRPr sz="4400">
-                <a:solidFill>
-                  <a:schemeClr val="tx2"/>
-                </a:solidFill>
-                <a:latin typeface="Arial" charset="0"/>
-                <a:ea typeface="宋体" pitchFamily="2" charset="-122"/>
+              <a:buClr>
+                <a:schemeClr val="tx1"/>
+              </a:buClr>
+              <a:buSzPct val="60000"/>
+              <a:buFont typeface="Arial"/>
+              <a:buChar char="•"/>
+              <a:defRPr sz="1600" b="0" i="0">
+                <a:solidFill>
+                  <a:schemeClr val="tx1"/>
+                </a:solidFill>
+                <a:latin typeface="+mn-lt"/>
+                <a:ea typeface="Calibri" charset="0"/>
+                <a:cs typeface="CiscoSans ExtraLight"/>
               </a:defRPr>
             </a:lvl3pPr>
-            <a:lvl4pPr algn="ctr" rtl="0" eaLnBrk="0" fontAlgn="base" hangingPunct="0">
+            <a:lvl4pPr marL="517525" indent="-114300" algn="l" rtl="0" eaLnBrk="0" fontAlgn="base" hangingPunct="0">
               <a:spcBef>
-                <a:spcPct val="0"/>
+                <a:spcPct val="20000"/>
               </a:spcBef>
               <a:spcAft>
                 <a:spcPct val="0"/>
               </a:spcAft>
-              <a:defRPr sz="4400">
-                <a:solidFill>
-                  <a:schemeClr val="tx2"/>
-                </a:solidFill>
-                <a:latin typeface="Arial" charset="0"/>
-                <a:ea typeface="宋体" pitchFamily="2" charset="-122"/>
+              <a:buClr>
+                <a:schemeClr val="tx1"/>
+              </a:buClr>
+              <a:buSzPct val="60000"/>
+              <a:buFont typeface="Arial"/>
+              <a:buChar char="•"/>
+              <a:defRPr sz="1400" b="0" i="0">
+                <a:solidFill>
+                  <a:schemeClr val="tx1"/>
+                </a:solidFill>
+                <a:latin typeface="+mn-lt"/>
+                <a:ea typeface="Calibri" charset="0"/>
+                <a:cs typeface="CiscoSans ExtraLight"/>
               </a:defRPr>
             </a:lvl4pPr>
-            <a:lvl5pPr algn="ctr" rtl="0" eaLnBrk="0" fontAlgn="base" hangingPunct="0">
+            <a:lvl5pPr marL="631825" indent="-114300" algn="l" rtl="0" eaLnBrk="0" fontAlgn="base" hangingPunct="0">
               <a:spcBef>
-                <a:spcPct val="0"/>
+                <a:spcPct val="20000"/>
               </a:spcBef>
               <a:spcAft>
                 <a:spcPct val="0"/>
               </a:spcAft>
-              <a:defRPr sz="4400">
-                <a:solidFill>
-                  <a:schemeClr val="tx2"/>
-                </a:solidFill>
-                <a:latin typeface="Arial" charset="0"/>
-                <a:ea typeface="宋体" pitchFamily="2" charset="-122"/>
+              <a:buClr>
+                <a:schemeClr val="tx1"/>
+              </a:buClr>
+              <a:buSzPct val="60000"/>
+              <a:buFont typeface="Arial"/>
+              <a:buChar char="•"/>
+              <a:defRPr sz="1200" b="0" i="0">
+                <a:solidFill>
+                  <a:schemeClr val="tx1"/>
+                </a:solidFill>
+                <a:latin typeface="+mn-lt"/>
+                <a:ea typeface="Calibri" charset="0"/>
+                <a:cs typeface="CiscoSans ExtraLight"/>
               </a:defRPr>
             </a:lvl5pPr>
-            <a:lvl6pPr marL="457200" algn="ctr" rtl="0" fontAlgn="base">
+            <a:lvl6pPr marL="2514600" indent="-228600" algn="l" rtl="0" fontAlgn="base">
               <a:spcBef>
-                <a:spcPct val="0"/>
+                <a:spcPct val="20000"/>
               </a:spcBef>
               <a:spcAft>
                 <a:spcPct val="0"/>
               </a:spcAft>
-              <a:defRPr sz="4400">
-                <a:solidFill>
-                  <a:schemeClr val="tx2"/>
-                </a:solidFill>
-                <a:latin typeface="Arial" charset="0"/>
-                <a:ea typeface="宋体" pitchFamily="2" charset="-122"/>
+              <a:buChar char="»"/>
+              <a:defRPr sz="2000">
+                <a:solidFill>
+                  <a:schemeClr val="tx1"/>
+                </a:solidFill>
+                <a:latin typeface="+mn-lt"/>
+                <a:ea typeface="+mn-ea"/>
               </a:defRPr>
             </a:lvl6pPr>
-            <a:lvl7pPr marL="914400" algn="ctr" rtl="0" fontAlgn="base">
+            <a:lvl7pPr marL="2971800" indent="-228600" algn="l" rtl="0" fontAlgn="base">
               <a:spcBef>
-                <a:spcPct val="0"/>
+                <a:spcPct val="20000"/>
               </a:spcBef>
               <a:spcAft>
                 <a:spcPct val="0"/>
               </a:spcAft>
-              <a:defRPr sz="4400">
-                <a:solidFill>
-                  <a:schemeClr val="tx2"/>
-                </a:solidFill>
-                <a:latin typeface="Arial" charset="0"/>
-                <a:ea typeface="宋体" pitchFamily="2" charset="-122"/>
+              <a:buChar char="»"/>
+              <a:defRPr sz="2000">
+                <a:solidFill>
+                  <a:schemeClr val="tx1"/>
+                </a:solidFill>
+                <a:latin typeface="+mn-lt"/>
+                <a:ea typeface="+mn-ea"/>
               </a:defRPr>
             </a:lvl7pPr>
-            <a:lvl8pPr marL="1371600" algn="ctr" rtl="0" fontAlgn="base">
+            <a:lvl8pPr marL="3429000" indent="-228600" algn="l" rtl="0" fontAlgn="base">
               <a:spcBef>
-                <a:spcPct val="0"/>
+                <a:spcPct val="20000"/>
               </a:spcBef>
               <a:spcAft>
                 <a:spcPct val="0"/>
               </a:spcAft>
-              <a:defRPr sz="4400">
-                <a:solidFill>
-                  <a:schemeClr val="tx2"/>
-                </a:solidFill>
-                <a:latin typeface="Arial" charset="0"/>
-                <a:ea typeface="宋体" pitchFamily="2" charset="-122"/>
+              <a:buChar char="»"/>
+              <a:defRPr sz="2000">
+                <a:solidFill>
+                  <a:schemeClr val="tx1"/>
+                </a:solidFill>
+                <a:latin typeface="+mn-lt"/>
+                <a:ea typeface="+mn-ea"/>
               </a:defRPr>
             </a:lvl8pPr>
-            <a:lvl9pPr marL="1828800" algn="ctr" rtl="0" fontAlgn="base">
+            <a:lvl9pPr marL="3886200" indent="-228600" algn="l" rtl="0" fontAlgn="base">
               <a:spcBef>
-                <a:spcPct val="0"/>
+                <a:spcPct val="20000"/>
               </a:spcBef>
               <a:spcAft>
                 <a:spcPct val="0"/>
               </a:spcAft>
-              <a:defRPr sz="4400">
-                <a:solidFill>
-                  <a:schemeClr val="tx2"/>
-                </a:solidFill>
-                <a:latin typeface="Arial" charset="0"/>
-                <a:ea typeface="宋体" pitchFamily="2" charset="-122"/>
+              <a:buChar char="»"/>
+              <a:defRPr sz="2000">
+                <a:solidFill>
+                  <a:schemeClr val="tx1"/>
+                </a:solidFill>
+                <a:latin typeface="+mn-lt"/>
+                <a:ea typeface="+mn-ea"/>
               </a:defRPr>
             </a:lvl9pPr>
           </a:lstStyle>
           <a:p>
-            <a:pPr eaLnBrk="1" hangingPunct="1">
-              <a:defRPr/>
-            </a:pPr>
-            <a:r>
-              <a:rPr lang="en-US" altLang="zh-CN" sz="4000" kern="0" dirty="0">
-                <a:effectLst>
-                  <a:outerShdw blurRad="38100" dist="38100" dir="2700000" algn="tl">
-                    <a:srgbClr val="C0C0C0"/>
-                  </a:outerShdw>
-                </a:effectLst>
-                <a:latin typeface="Calibri" charset="0"/>
-                <a:ea typeface="Calibri" charset="0"/>
-                <a:cs typeface="Calibri" charset="0"/>
-              </a:rPr>
-              <a:t>Thank you</a:t>
+            <a:pPr marL="57150" indent="0">
+              <a:buNone/>
+            </a:pPr>
+            <a:r>
+              <a:rPr lang="en-CA" sz="1400" kern="0" dirty="0">
+                <a:latin typeface="Calibri" panose="020F0502020204030204" pitchFamily="34" charset="0"/>
+                <a:cs typeface="Calibri" panose="020F0502020204030204" pitchFamily="34" charset="0"/>
+              </a:rPr>
+              <a:t>110</a:t>
+            </a:r>
+            <a:r>
+              <a:rPr lang="en-CA" sz="1400" kern="0" baseline="30000" dirty="0">
+                <a:latin typeface="Calibri" panose="020F0502020204030204" pitchFamily="34" charset="0"/>
+                <a:cs typeface="Calibri" panose="020F0502020204030204" pitchFamily="34" charset="0"/>
+              </a:rPr>
+              <a:t>th</a:t>
+            </a:r>
+            <a:r>
+              <a:rPr lang="en-CA" sz="1400" kern="0" dirty="0">
+                <a:latin typeface="Calibri" panose="020F0502020204030204" pitchFamily="34" charset="0"/>
+                <a:cs typeface="Calibri" panose="020F0502020204030204" pitchFamily="34" charset="0"/>
+              </a:rPr>
+              <a:t> IETF Online</a:t>
             </a:r>
           </a:p>
         </p:txBody>
       </p:sp>
       <p:sp>
         <p:nvSpPr>
-          <p:cNvPr id="2" name="Slide Number Placeholder 1"/>
-          <p:cNvSpPr>
-            <a:spLocks noGrp="1"/>
+          <p:cNvPr id="21" name="Slide Number Placeholder 4">
+            <a:extLst>
+              <a:ext uri="{FF2B5EF4-FFF2-40B4-BE49-F238E27FC236}">
+                <a16:creationId xmlns:a16="http://schemas.microsoft.com/office/drawing/2014/main" id="{6C6009CF-9E67-C84A-A806-26B46ABE1A2A}"/>
+              </a:ext>
+            </a:extLst>
+          </p:cNvPr>
+          <p:cNvSpPr txBox="1">
+            <a:spLocks/>
           </p:cNvSpPr>
-          <p:nvPr>
-            <p:ph type="sldNum" sz="quarter" idx="12"/>
-          </p:nvPr>
+          <p:nvPr/>
         </p:nvSpPr>
-        <p:spPr/>
+        <p:spPr>
+          <a:xfrm>
+            <a:off x="6746647" y="4735920"/>
+            <a:ext cx="2133600" cy="357188"/>
+          </a:xfrm>
+          <a:prstGeom prst="rect">
+            <a:avLst/>
+          </a:prstGeom>
+        </p:spPr>
         <p:txBody>
           <a:bodyPr/>
-          <a:lstStyle/>
-          <a:p>
-            <a:pPr>
+          <a:lstStyle>
+            <a:defPPr>
+              <a:defRPr lang="zh-CN"/>
+            </a:defPPr>
+            <a:lvl1pPr algn="l" rtl="0" fontAlgn="base">
+              <a:spcBef>
+                <a:spcPct val="0"/>
+              </a:spcBef>
+              <a:spcAft>
+                <a:spcPct val="0"/>
+              </a:spcAft>
+              <a:defRPr kern="1200">
+                <a:solidFill>
+                  <a:schemeClr val="tx1"/>
+                </a:solidFill>
+                <a:latin typeface="Arial" charset="0"/>
+                <a:ea typeface="宋体" pitchFamily="2" charset="-122"/>
+                <a:cs typeface="+mn-cs"/>
+              </a:defRPr>
+            </a:lvl1pPr>
+            <a:lvl2pPr marL="457200" algn="l" rtl="0" fontAlgn="base">
+              <a:spcBef>
+                <a:spcPct val="0"/>
+              </a:spcBef>
+              <a:spcAft>
+                <a:spcPct val="0"/>
+              </a:spcAft>
+              <a:defRPr kern="1200">
+                <a:solidFill>
+                  <a:schemeClr val="tx1"/>
+                </a:solidFill>
+                <a:latin typeface="Arial" charset="0"/>
+                <a:ea typeface="宋体" pitchFamily="2" charset="-122"/>
+                <a:cs typeface="+mn-cs"/>
+              </a:defRPr>
+            </a:lvl2pPr>
+            <a:lvl3pPr marL="914400" algn="l" rtl="0" fontAlgn="base">
+              <a:spcBef>
+                <a:spcPct val="0"/>
+              </a:spcBef>
+              <a:spcAft>
+                <a:spcPct val="0"/>
+              </a:spcAft>
+              <a:defRPr kern="1200">
+                <a:solidFill>
+                  <a:schemeClr val="tx1"/>
+                </a:solidFill>
+                <a:latin typeface="Arial" charset="0"/>
+                <a:ea typeface="宋体" pitchFamily="2" charset="-122"/>
+                <a:cs typeface="+mn-cs"/>
+              </a:defRPr>
+            </a:lvl3pPr>
+            <a:lvl4pPr marL="1371600" algn="l" rtl="0" fontAlgn="base">
+              <a:spcBef>
+                <a:spcPct val="0"/>
+              </a:spcBef>
+              <a:spcAft>
+                <a:spcPct val="0"/>
+              </a:spcAft>
+              <a:defRPr kern="1200">
+                <a:solidFill>
+                  <a:schemeClr val="tx1"/>
+                </a:solidFill>
+                <a:latin typeface="Arial" charset="0"/>
+                <a:ea typeface="宋体" pitchFamily="2" charset="-122"/>
+                <a:cs typeface="+mn-cs"/>
+              </a:defRPr>
+            </a:lvl4pPr>
+            <a:lvl5pPr marL="1828800" algn="l" rtl="0" fontAlgn="base">
+              <a:spcBef>
+                <a:spcPct val="0"/>
+              </a:spcBef>
+              <a:spcAft>
+                <a:spcPct val="0"/>
+              </a:spcAft>
+              <a:defRPr kern="1200">
+                <a:solidFill>
+                  <a:schemeClr val="tx1"/>
+                </a:solidFill>
+                <a:latin typeface="Arial" charset="0"/>
+                <a:ea typeface="宋体" pitchFamily="2" charset="-122"/>
+                <a:cs typeface="+mn-cs"/>
+              </a:defRPr>
+            </a:lvl5pPr>
+            <a:lvl6pPr marL="2286000" algn="l" defTabSz="914400" rtl="0" eaLnBrk="1" latinLnBrk="0" hangingPunct="1">
+              <a:defRPr kern="1200">
+                <a:solidFill>
+                  <a:schemeClr val="tx1"/>
+                </a:solidFill>
+                <a:latin typeface="Arial" charset="0"/>
+                <a:ea typeface="宋体" pitchFamily="2" charset="-122"/>
+                <a:cs typeface="+mn-cs"/>
+              </a:defRPr>
+            </a:lvl6pPr>
+            <a:lvl7pPr marL="2743200" algn="l" defTabSz="914400" rtl="0" eaLnBrk="1" latinLnBrk="0" hangingPunct="1">
+              <a:defRPr kern="1200">
+                <a:solidFill>
+                  <a:schemeClr val="tx1"/>
+                </a:solidFill>
+                <a:latin typeface="Arial" charset="0"/>
+                <a:ea typeface="宋体" pitchFamily="2" charset="-122"/>
+                <a:cs typeface="+mn-cs"/>
+              </a:defRPr>
+            </a:lvl7pPr>
+            <a:lvl8pPr marL="3200400" algn="l" defTabSz="914400" rtl="0" eaLnBrk="1" latinLnBrk="0" hangingPunct="1">
+              <a:defRPr kern="1200">
+                <a:solidFill>
+                  <a:schemeClr val="tx1"/>
+                </a:solidFill>
+                <a:latin typeface="Arial" charset="0"/>
+                <a:ea typeface="宋体" pitchFamily="2" charset="-122"/>
+                <a:cs typeface="+mn-cs"/>
+              </a:defRPr>
+            </a:lvl8pPr>
+            <a:lvl9pPr marL="3657600" algn="l" defTabSz="914400" rtl="0" eaLnBrk="1" latinLnBrk="0" hangingPunct="1">
+              <a:defRPr kern="1200">
+                <a:solidFill>
+                  <a:schemeClr val="tx1"/>
+                </a:solidFill>
+                <a:latin typeface="Arial" charset="0"/>
+                <a:ea typeface="宋体" pitchFamily="2" charset="-122"/>
+                <a:cs typeface="+mn-cs"/>
+              </a:defRPr>
+            </a:lvl9pPr>
+          </a:lstStyle>
+          <a:p>
+            <a:pPr algn="r">
               <a:defRPr/>
             </a:pPr>
             <a:fld id="{BD6E0F59-1DD8-40FC-9C92-B6295CBA6CCA}" type="slidenum">
-              <a:rPr lang="en-US" altLang="zh-CN" smtClean="0"/>
-              <a:pPr>
+              <a:rPr lang="en-US" altLang="zh-CN" sz="1400" smtClean="0">
+                <a:latin typeface="Calibri" panose="020F0502020204030204" pitchFamily="34" charset="0"/>
+                <a:cs typeface="Calibri" panose="020F0502020204030204" pitchFamily="34" charset="0"/>
+              </a:rPr>
+              <a:pPr algn="r">
                 <a:defRPr/>
               </a:pPr>
               <a:t>10</a:t>
             </a:fld>
-            <a:endParaRPr lang="en-US" altLang="zh-CN" dirty="0"/>
+            <a:endParaRPr lang="en-US" altLang="zh-CN" sz="1400" dirty="0">
+              <a:latin typeface="Calibri" panose="020F0502020204030204" pitchFamily="34" charset="0"/>
+              <a:cs typeface="Calibri" panose="020F0502020204030204" pitchFamily="34" charset="0"/>
+            </a:endParaRPr>
           </a:p>
         </p:txBody>
       </p:sp>
     </p:spTree>
     <p:extLst>
       <p:ext uri="{BB962C8B-B14F-4D97-AF65-F5344CB8AC3E}">
-        <p14:creationId xmlns:p14="http://schemas.microsoft.com/office/powerpoint/2010/main" val="1091639292"/>
+        <p14:creationId xmlns:p14="http://schemas.microsoft.com/office/powerpoint/2010/main" val="2293674098"/>
       </p:ext>
     </p:extLst>
   </p:cSld>
   <p:clrMapOvr>
     <a:masterClrMapping/>
   </p:clrMapOvr>
+  <p:transition spd="slow">
+    <p:push dir="u"/>
+  </p:transition>
 </p:sld>
 </file>
 
@@ -7935,7 +9746,7 @@
             </a:pPr>
             <a:r>
               <a:rPr lang="en-US" sz="1600" dirty="0"/>
-              <a:t>Very high scale for number of sessions and faster detection interval</a:t>
+              <a:t>High scale for number of test sessions and faster packet loss detection interval</a:t>
             </a:r>
           </a:p>
           <a:p>
@@ -7964,7 +9775,7 @@
             </a:pPr>
             <a:r>
               <a:rPr lang="en-US" sz="1600" dirty="0"/>
-              <a:t>Avoid per session provisioning on Session-Reflector</a:t>
+              <a:t>Avoid per test session provisioning on Session-Reflector</a:t>
             </a:r>
           </a:p>
           <a:p>
@@ -8001,7 +9812,7 @@
             </a:r>
             <a:r>
               <a:rPr lang="en-US" sz="1600" dirty="0"/>
-              <a:t>]</a:t>
+              <a:t>] based</a:t>
             </a:r>
           </a:p>
         </p:txBody>
@@ -8406,6 +10217,17 @@
             </a:r>
           </a:p>
           <a:p>
+            <a:pPr lvl="1">
+              <a:spcBef>
+                <a:spcPts val="0"/>
+              </a:spcBef>
+            </a:pPr>
+            <a:r>
+              <a:rPr lang="en-US" sz="1100" kern="0" dirty="0"/>
+              <a:t>Direct Measurement test packet is also defined for authenticated mode</a:t>
+            </a:r>
+          </a:p>
+          <a:p>
             <a:pPr>
               <a:spcBef>
                 <a:spcPts val="0"/>
@@ -8413,7 +10235,7 @@
             </a:pPr>
             <a:r>
               <a:rPr lang="en-US" sz="1100" kern="0" dirty="0"/>
-              <a:t>Direct Measurement test packet is also defined for authenticated mode</a:t>
+              <a:t>User-configured destination UDP Port is used for identifying direct measurement test packets</a:t>
             </a:r>
           </a:p>
           <a:p>
@@ -8424,19 +10246,18 @@
             </a:pPr>
             <a:r>
               <a:rPr lang="en-US" sz="1100" kern="0" dirty="0"/>
-              <a:t>User-configured destination UDP </a:t>
-            </a:r>
-            <a:r>
-              <a:rPr lang="en-US" sz="1100" b="1" kern="0" dirty="0">
-                <a:solidFill>
-                  <a:srgbClr val="0070C0"/>
-                </a:solidFill>
-              </a:rPr>
-              <a:t>Port2</a:t>
-            </a:r>
+              <a:t>Does not modify the existing STAMP procedure as different destination UDP port is used for direct measurement test packets</a:t>
+            </a:r>
+          </a:p>
+          <a:p>
+            <a:pPr lvl="1">
+              <a:spcBef>
+                <a:spcPts val="0"/>
+              </a:spcBef>
+            </a:pPr>
             <a:r>
               <a:rPr lang="en-US" sz="1100" kern="0" dirty="0"/>
-              <a:t> is used for identifying direct measurement test packets</a:t>
+              <a:t>Other than Timestamp vs. Counter in the test packet, the protocol is same as STAMP</a:t>
             </a:r>
           </a:p>
           <a:p>
@@ -8447,29 +10268,7 @@
             </a:pPr>
             <a:r>
               <a:rPr lang="en-US" sz="1100" kern="0" dirty="0"/>
-              <a:t>Does not modify the existing STAMP procedure as different destination UDP port is used for direct measurement test packets</a:t>
-            </a:r>
-          </a:p>
-          <a:p>
-            <a:pPr lvl="1">
-              <a:spcBef>
-                <a:spcPts val="0"/>
-              </a:spcBef>
-            </a:pPr>
-            <a:r>
-              <a:rPr lang="en-US" sz="1100" kern="0" dirty="0"/>
-              <a:t>Other than Timestamp vs. Counter in the test packet, the protocol is same as STAMP</a:t>
-            </a:r>
-          </a:p>
-          <a:p>
-            <a:pPr>
-              <a:spcBef>
-                <a:spcPts val="0"/>
-              </a:spcBef>
-            </a:pPr>
-            <a:r>
-              <a:rPr lang="en-US" sz="1100" kern="0" dirty="0"/>
-              <a:t>Sequence Numbers allow to detect test packet loss, and connectivity loss</a:t>
+              <a:t>Sequence Numbers allow to detect direct measurement test packet loss for connectivity loss detection (session state)</a:t>
             </a:r>
           </a:p>
           <a:p>
@@ -9581,53 +11380,17 @@
                 <a:ln>
                   <a:noFill/>
                 </a:ln>
-                <a:solidFill>
-                  <a:schemeClr val="tx1"/>
-                </a:solidFill>
                 <a:effectLst/>
                 <a:latin typeface="Courier" pitchFamily="2" charset="0"/>
                 <a:ea typeface="Times New Roman" panose="02020603050405020304" pitchFamily="18" charset="0"/>
                 <a:cs typeface="Courier New" panose="02070309020205020404" pitchFamily="49" charset="0"/>
               </a:rPr>
-              <a:t>.  Destination Port = User-configured </a:t>
-            </a:r>
-            <a:r>
-              <a:rPr kumimoji="0" lang="en-US" altLang="en-US" sz="800" b="1" u="none" strike="noStrike" cap="none" normalizeH="0" baseline="0" dirty="0">
-                <a:ln>
-                  <a:noFill/>
-                </a:ln>
-                <a:solidFill>
-                  <a:srgbClr val="0070C0"/>
-                </a:solidFill>
-                <a:effectLst/>
-                <a:latin typeface="Courier" pitchFamily="2" charset="0"/>
-                <a:ea typeface="Times New Roman" panose="02020603050405020304" pitchFamily="18" charset="0"/>
-                <a:cs typeface="Courier New" panose="02070309020205020404" pitchFamily="49" charset="0"/>
-              </a:rPr>
-              <a:t>Port2 direct measurement  </a:t>
-            </a:r>
-            <a:r>
-              <a:rPr kumimoji="0" lang="en-US" altLang="en-US" sz="800" u="none" strike="noStrike" cap="none" normalizeH="0" baseline="0" dirty="0">
-                <a:ln>
-                  <a:noFill/>
-                </a:ln>
-                <a:solidFill>
-                  <a:schemeClr val="tx1"/>
-                </a:solidFill>
-                <a:effectLst/>
-                <a:latin typeface="Courier" pitchFamily="2" charset="0"/>
-                <a:ea typeface="Times New Roman" panose="02020603050405020304" pitchFamily="18" charset="0"/>
-                <a:cs typeface="Courier New" panose="02070309020205020404" pitchFamily="49" charset="0"/>
-              </a:rPr>
-              <a:t>.</a:t>
+              <a:t>.  Destination Port = User-configured Port direct measurement  .</a:t>
             </a:r>
             <a:endParaRPr kumimoji="0" lang="en-US" altLang="en-US" sz="600" u="none" strike="noStrike" cap="none" normalizeH="0" baseline="0" dirty="0">
               <a:ln>
                 <a:noFill/>
               </a:ln>
-              <a:solidFill>
-                <a:schemeClr val="tx1"/>
-              </a:solidFill>
               <a:effectLst/>
               <a:latin typeface="Courier" pitchFamily="2" charset="0"/>
             </a:endParaRPr>
@@ -11034,7 +12797,7 @@
             <p:ph idx="1"/>
             <p:extLst>
               <p:ext uri="{D42A27DB-BD31-4B8C-83A1-F6EECF244321}">
-                <p14:modId xmlns:p14="http://schemas.microsoft.com/office/powerpoint/2010/main" val="2217782874"/>
+                <p14:modId xmlns:p14="http://schemas.microsoft.com/office/powerpoint/2010/main" val="7203499"/>
               </p:ext>
             </p:extLst>
           </p:nvPr>
@@ -11220,8 +12983,12 @@
                     <a:lstStyle/>
                     <a:p>
                       <a:r>
-                        <a:rPr lang="en-US" sz="1000" dirty="0"/>
-                        <a:t>Minimum bytes to load in write-able memory</a:t>
+                        <a:rPr lang="en-US" sz="1000" dirty="0">
+                          <a:solidFill>
+                            <a:srgbClr val="0070C0"/>
+                          </a:solidFill>
+                        </a:rPr>
+                        <a:t>Minimum bytes to load in write-able memory in hardware</a:t>
                       </a:r>
                     </a:p>
                   </a:txBody>
@@ -11233,7 +13000,11 @@
                     <a:lstStyle/>
                     <a:p>
                       <a:r>
-                        <a:rPr lang="en-US" sz="1000" dirty="0"/>
+                        <a:rPr lang="en-US" sz="1000" dirty="0">
+                          <a:solidFill>
+                            <a:srgbClr val="0070C0"/>
+                          </a:solidFill>
+                        </a:rPr>
                         <a:t>114</a:t>
                       </a:r>
                     </a:p>
@@ -11256,7 +13027,11 @@
                         <a:defRPr/>
                       </a:pPr>
                       <a:r>
-                        <a:rPr lang="en-US" sz="1000" dirty="0"/>
+                        <a:rPr lang="en-US" sz="1000" dirty="0">
+                          <a:solidFill>
+                            <a:srgbClr val="0070C0"/>
+                          </a:solidFill>
+                        </a:rPr>
                         <a:t>(Eth 18, IPv6 40, UDP 8, STAMP 44, TLV Type 4, Total = 114 Byte)</a:t>
                       </a:r>
                     </a:p>
@@ -11269,13 +13044,21 @@
                     <a:lstStyle/>
                     <a:p>
                       <a:r>
-                        <a:rPr lang="en-US" sz="1000" dirty="0"/>
+                        <a:rPr lang="en-US" sz="1000" dirty="0">
+                          <a:solidFill>
+                            <a:srgbClr val="0070C0"/>
+                          </a:solidFill>
+                        </a:rPr>
                         <a:t>70</a:t>
                       </a:r>
                     </a:p>
                     <a:p>
                       <a:r>
-                        <a:rPr lang="en-US" sz="1000" dirty="0"/>
+                        <a:rPr lang="en-US" sz="1000" dirty="0">
+                          <a:solidFill>
+                            <a:srgbClr val="0070C0"/>
+                          </a:solidFill>
+                        </a:rPr>
                         <a:t>(Eth 18, IPv6 40, UDP 8, Seq 4, Total = 70 Byte)</a:t>
                       </a:r>
                     </a:p>
@@ -11681,2100 +13464,6 @@
       </p:grpSpPr>
       <p:sp>
         <p:nvSpPr>
-          <p:cNvPr id="114" name="Title 2"/>
-          <p:cNvSpPr txBox="1">
-            <a:spLocks/>
-          </p:cNvSpPr>
-          <p:nvPr/>
-        </p:nvSpPr>
-        <p:spPr bwMode="auto">
-          <a:xfrm>
-            <a:off x="462126" y="196884"/>
-            <a:ext cx="8219748" cy="731836"/>
-          </a:xfrm>
-          <a:prstGeom prst="rect">
-            <a:avLst/>
-          </a:prstGeom>
-          <a:noFill/>
-          <a:ln>
-            <a:noFill/>
-          </a:ln>
-          <a:extLst>
-            <a:ext uri="{909E8E84-426E-40DD-AFC4-6F175D3DCCD1}">
-              <a14:hiddenFill xmlns:a14="http://schemas.microsoft.com/office/drawing/2010/main">
-                <a:solidFill>
-                  <a:srgbClr val="FFFFFF"/>
-                </a:solidFill>
-              </a14:hiddenFill>
-            </a:ext>
-            <a:ext uri="{91240B29-F687-4F45-9708-019B960494DF}">
-              <a14:hiddenLine xmlns:a14="http://schemas.microsoft.com/office/drawing/2010/main" w="9525">
-                <a:solidFill>
-                  <a:srgbClr val="000000"/>
-                </a:solidFill>
-                <a:miter lim="800000"/>
-                <a:headEnd/>
-                <a:tailEnd/>
-              </a14:hiddenLine>
-            </a:ext>
-            <a:ext uri="{909E8E84-426E-40dd-AFC4-6F175D3DCCD1}">
-              <a14:hiddenFill xmlns="" xmlns:a14="http://schemas.microsoft.com/office/drawing/2010/main">
-                <a:solidFill>
-                  <a:srgbClr val="FFFFFF"/>
-                </a:solidFill>
-              </a14:hiddenFill>
-            </a:ext>
-            <a:ext uri="{91240B29-F687-4f45-9708-019B960494DF}">
-              <a14:hiddenLine xmlns="" xmlns:a14="http://schemas.microsoft.com/office/drawing/2010/main" w="9525">
-                <a:solidFill>
-                  <a:srgbClr val="000000"/>
-                </a:solidFill>
-                <a:miter lim="800000"/>
-                <a:headEnd/>
-                <a:tailEnd/>
-              </a14:hiddenLine>
-            </a:ext>
-          </a:extLst>
-        </p:spPr>
-        <p:txBody>
-          <a:bodyPr vert="horz" wrap="square" lIns="91424" tIns="45712" rIns="91424" bIns="45712" numCol="1" anchor="ctr" anchorCtr="0" compatLnSpc="1">
-            <a:prstTxWarp prst="textNoShape">
-              <a:avLst/>
-            </a:prstTxWarp>
-          </a:bodyPr>
-          <a:lstStyle>
-            <a:lvl1pPr algn="l" defTabSz="684213" rtl="0" eaLnBrk="1" fontAlgn="base" hangingPunct="1">
-              <a:lnSpc>
-                <a:spcPct val="80000"/>
-              </a:lnSpc>
-              <a:spcBef>
-                <a:spcPct val="0"/>
-              </a:spcBef>
-              <a:spcAft>
-                <a:spcPct val="0"/>
-              </a:spcAft>
-              <a:defRPr lang="en-US" sz="2800" b="0" i="0" u="none" kern="1200">
-                <a:solidFill>
-                  <a:schemeClr val="tx2"/>
-                </a:solidFill>
-                <a:latin typeface="+mj-lt"/>
-                <a:ea typeface="CiscoSansTT Thin" charset="0"/>
-                <a:cs typeface="CiscoSansTT Thin" charset="0"/>
-              </a:defRPr>
-            </a:lvl1pPr>
-            <a:lvl2pPr algn="l" defTabSz="684213" rtl="0" eaLnBrk="1" fontAlgn="base" hangingPunct="1">
-              <a:lnSpc>
-                <a:spcPct val="80000"/>
-              </a:lnSpc>
-              <a:spcBef>
-                <a:spcPct val="0"/>
-              </a:spcBef>
-              <a:spcAft>
-                <a:spcPct val="0"/>
-              </a:spcAft>
-              <a:defRPr sz="3200">
-                <a:solidFill>
-                  <a:srgbClr val="676767"/>
-                </a:solidFill>
-                <a:latin typeface="Arial" charset="0"/>
-                <a:ea typeface="ＭＳ Ｐゴシック" charset="0"/>
-              </a:defRPr>
-            </a:lvl2pPr>
-            <a:lvl3pPr algn="l" defTabSz="684213" rtl="0" eaLnBrk="1" fontAlgn="base" hangingPunct="1">
-              <a:lnSpc>
-                <a:spcPct val="80000"/>
-              </a:lnSpc>
-              <a:spcBef>
-                <a:spcPct val="0"/>
-              </a:spcBef>
-              <a:spcAft>
-                <a:spcPct val="0"/>
-              </a:spcAft>
-              <a:defRPr sz="3200">
-                <a:solidFill>
-                  <a:srgbClr val="676767"/>
-                </a:solidFill>
-                <a:latin typeface="Arial" charset="0"/>
-                <a:ea typeface="ＭＳ Ｐゴシック" charset="0"/>
-              </a:defRPr>
-            </a:lvl3pPr>
-            <a:lvl4pPr algn="l" defTabSz="684213" rtl="0" eaLnBrk="1" fontAlgn="base" hangingPunct="1">
-              <a:lnSpc>
-                <a:spcPct val="80000"/>
-              </a:lnSpc>
-              <a:spcBef>
-                <a:spcPct val="0"/>
-              </a:spcBef>
-              <a:spcAft>
-                <a:spcPct val="0"/>
-              </a:spcAft>
-              <a:defRPr sz="3200">
-                <a:solidFill>
-                  <a:srgbClr val="676767"/>
-                </a:solidFill>
-                <a:latin typeface="Arial" charset="0"/>
-                <a:ea typeface="ＭＳ Ｐゴシック" charset="0"/>
-              </a:defRPr>
-            </a:lvl4pPr>
-            <a:lvl5pPr algn="l" defTabSz="684213" rtl="0" eaLnBrk="1" fontAlgn="base" hangingPunct="1">
-              <a:lnSpc>
-                <a:spcPct val="80000"/>
-              </a:lnSpc>
-              <a:spcBef>
-                <a:spcPct val="0"/>
-              </a:spcBef>
-              <a:spcAft>
-                <a:spcPct val="0"/>
-              </a:spcAft>
-              <a:defRPr sz="3200">
-                <a:solidFill>
-                  <a:srgbClr val="676767"/>
-                </a:solidFill>
-                <a:latin typeface="Arial" charset="0"/>
-                <a:ea typeface="ＭＳ Ｐゴシック" charset="0"/>
-              </a:defRPr>
-            </a:lvl5pPr>
-            <a:lvl6pPr marL="457200" algn="l" defTabSz="684213" rtl="0" eaLnBrk="1" fontAlgn="base" hangingPunct="1">
-              <a:lnSpc>
-                <a:spcPct val="80000"/>
-              </a:lnSpc>
-              <a:spcBef>
-                <a:spcPct val="0"/>
-              </a:spcBef>
-              <a:spcAft>
-                <a:spcPct val="0"/>
-              </a:spcAft>
-              <a:defRPr sz="3200">
-                <a:solidFill>
-                  <a:srgbClr val="676767"/>
-                </a:solidFill>
-                <a:latin typeface="Arial" charset="0"/>
-                <a:ea typeface="ＭＳ Ｐゴシック" charset="0"/>
-              </a:defRPr>
-            </a:lvl6pPr>
-            <a:lvl7pPr marL="914400" algn="l" defTabSz="684213" rtl="0" eaLnBrk="1" fontAlgn="base" hangingPunct="1">
-              <a:lnSpc>
-                <a:spcPct val="80000"/>
-              </a:lnSpc>
-              <a:spcBef>
-                <a:spcPct val="0"/>
-              </a:spcBef>
-              <a:spcAft>
-                <a:spcPct val="0"/>
-              </a:spcAft>
-              <a:defRPr sz="3200">
-                <a:solidFill>
-                  <a:srgbClr val="676767"/>
-                </a:solidFill>
-                <a:latin typeface="Arial" charset="0"/>
-                <a:ea typeface="ＭＳ Ｐゴシック" charset="0"/>
-              </a:defRPr>
-            </a:lvl7pPr>
-            <a:lvl8pPr marL="1371600" algn="l" defTabSz="684213" rtl="0" eaLnBrk="1" fontAlgn="base" hangingPunct="1">
-              <a:lnSpc>
-                <a:spcPct val="80000"/>
-              </a:lnSpc>
-              <a:spcBef>
-                <a:spcPct val="0"/>
-              </a:spcBef>
-              <a:spcAft>
-                <a:spcPct val="0"/>
-              </a:spcAft>
-              <a:defRPr sz="3200">
-                <a:solidFill>
-                  <a:srgbClr val="676767"/>
-                </a:solidFill>
-                <a:latin typeface="Arial" charset="0"/>
-                <a:ea typeface="ＭＳ Ｐゴシック" charset="0"/>
-              </a:defRPr>
-            </a:lvl8pPr>
-            <a:lvl9pPr marL="1828800" algn="l" defTabSz="684213" rtl="0" eaLnBrk="1" fontAlgn="base" hangingPunct="1">
-              <a:lnSpc>
-                <a:spcPct val="80000"/>
-              </a:lnSpc>
-              <a:spcBef>
-                <a:spcPct val="0"/>
-              </a:spcBef>
-              <a:spcAft>
-                <a:spcPct val="0"/>
-              </a:spcAft>
-              <a:defRPr sz="3200">
-                <a:solidFill>
-                  <a:srgbClr val="676767"/>
-                </a:solidFill>
-                <a:latin typeface="Arial" charset="0"/>
-                <a:ea typeface="ＭＳ Ｐゴシック" charset="0"/>
-              </a:defRPr>
-            </a:lvl9pPr>
-          </a:lstStyle>
-          <a:p>
-            <a:r>
-              <a:rPr lang="en-US" sz="3200" dirty="0">
-                <a:solidFill>
-                  <a:srgbClr val="0070C0"/>
-                </a:solidFill>
-                <a:latin typeface="Calibri Light" panose="020F0302020204030204" pitchFamily="34" charset="0"/>
-                <a:cs typeface="Calibri Light" panose="020F0302020204030204" pitchFamily="34" charset="0"/>
-              </a:rPr>
-              <a:t>Link Loss Direct Measurement (P2P Circuits)</a:t>
-            </a:r>
-          </a:p>
-          <a:p>
-            <a:r>
-              <a:rPr lang="en-US" sz="3200" dirty="0">
-                <a:solidFill>
-                  <a:srgbClr val="0070C0"/>
-                </a:solidFill>
-                <a:latin typeface="Calibri Light" panose="020F0302020204030204" pitchFamily="34" charset="0"/>
-                <a:cs typeface="Calibri Light" panose="020F0302020204030204" pitchFamily="34" charset="0"/>
-              </a:rPr>
-              <a:t>- In-band Counter-stamping in Hardware</a:t>
-            </a:r>
-          </a:p>
-        </p:txBody>
-      </p:sp>
-      <p:sp>
-        <p:nvSpPr>
-          <p:cNvPr id="275" name="Content Placeholder 2">
-            <a:extLst>
-              <a:ext uri="{FF2B5EF4-FFF2-40B4-BE49-F238E27FC236}">
-                <a16:creationId xmlns:a16="http://schemas.microsoft.com/office/drawing/2014/main" id="{BA21E28E-354B-471D-8C2D-8DABDC2C9953}"/>
-              </a:ext>
-            </a:extLst>
-          </p:cNvPr>
-          <p:cNvSpPr txBox="1">
-            <a:spLocks/>
-          </p:cNvSpPr>
-          <p:nvPr/>
-        </p:nvSpPr>
-        <p:spPr>
-          <a:xfrm>
-            <a:off x="263753" y="2855092"/>
-            <a:ext cx="4215984" cy="1052161"/>
-          </a:xfrm>
-          <a:prstGeom prst="rect">
-            <a:avLst/>
-          </a:prstGeom>
-        </p:spPr>
-        <p:txBody>
-          <a:bodyPr/>
-          <a:lstStyle>
-            <a:lvl1pPr marL="169863" indent="-169863" algn="l" defTabSz="684213" rtl="0" eaLnBrk="1" fontAlgn="base" hangingPunct="1">
-              <a:lnSpc>
-                <a:spcPct val="95000"/>
-              </a:lnSpc>
-              <a:spcBef>
-                <a:spcPts val="1075"/>
-              </a:spcBef>
-              <a:spcAft>
-                <a:spcPct val="0"/>
-              </a:spcAft>
-              <a:buClr>
-                <a:schemeClr val="tx2"/>
-              </a:buClr>
-              <a:buSzPct val="90000"/>
-              <a:buFont typeface="Arial" charset="0"/>
-              <a:buChar char="•"/>
-              <a:defRPr lang="en-US" sz="1500" kern="1200" dirty="0">
-                <a:solidFill>
-                  <a:schemeClr val="tx1"/>
-                </a:solidFill>
-                <a:latin typeface="+mn-lt"/>
-                <a:ea typeface="ＭＳ Ｐゴシック" charset="0"/>
-                <a:cs typeface="CiscoSans"/>
-              </a:defRPr>
-            </a:lvl1pPr>
-            <a:lvl2pPr marL="358775" indent="-215900" algn="l" defTabSz="684213" rtl="0" eaLnBrk="1" fontAlgn="base" hangingPunct="1">
-              <a:lnSpc>
-                <a:spcPct val="95000"/>
-              </a:lnSpc>
-              <a:spcBef>
-                <a:spcPts val="600"/>
-              </a:spcBef>
-              <a:spcAft>
-                <a:spcPct val="0"/>
-              </a:spcAft>
-              <a:buClr>
-                <a:schemeClr val="tx2"/>
-              </a:buClr>
-              <a:buFont typeface="Arial" charset="0"/>
-              <a:buChar char="•"/>
-              <a:defRPr lang="en-US" sz="1400" kern="1200" dirty="0">
-                <a:solidFill>
-                  <a:schemeClr val="tx1"/>
-                </a:solidFill>
-                <a:latin typeface="+mn-lt"/>
-                <a:ea typeface="ＭＳ Ｐゴシック" charset="0"/>
-                <a:cs typeface="CiscoSans"/>
-              </a:defRPr>
-            </a:lvl2pPr>
-            <a:lvl3pPr marL="431800" indent="-169863" algn="l" defTabSz="684213" rtl="0" eaLnBrk="1" fontAlgn="base" hangingPunct="1">
-              <a:lnSpc>
-                <a:spcPct val="95000"/>
-              </a:lnSpc>
-              <a:spcBef>
-                <a:spcPts val="625"/>
-              </a:spcBef>
-              <a:spcAft>
-                <a:spcPct val="0"/>
-              </a:spcAft>
-              <a:buFont typeface="Arial" charset="0"/>
-              <a:buChar char="•"/>
-              <a:defRPr lang="en-US" sz="1200" kern="1200" dirty="0">
-                <a:solidFill>
-                  <a:schemeClr val="tx1"/>
-                </a:solidFill>
-                <a:latin typeface="+mn-lt"/>
-                <a:ea typeface="ＭＳ Ｐゴシック" charset="0"/>
-                <a:cs typeface="CiscoSans"/>
-              </a:defRPr>
-            </a:lvl3pPr>
-            <a:lvl4pPr marL="503238" indent="-169863" algn="l" defTabSz="684213" rtl="0" eaLnBrk="1" fontAlgn="base" hangingPunct="1">
-              <a:lnSpc>
-                <a:spcPct val="95000"/>
-              </a:lnSpc>
-              <a:spcBef>
-                <a:spcPts val="625"/>
-              </a:spcBef>
-              <a:spcAft>
-                <a:spcPct val="0"/>
-              </a:spcAft>
-              <a:buFont typeface="Arial" charset="0"/>
-              <a:buChar char="•"/>
-              <a:defRPr lang="en-US" sz="1100" kern="1200" dirty="0">
-                <a:solidFill>
-                  <a:schemeClr val="tx1"/>
-                </a:solidFill>
-                <a:latin typeface="+mn-lt"/>
-                <a:ea typeface="ＭＳ Ｐゴシック" charset="0"/>
-                <a:cs typeface="CiscoSans"/>
-              </a:defRPr>
-            </a:lvl4pPr>
-            <a:lvl5pPr marL="574675" indent="-169863" algn="l" defTabSz="684213" rtl="0" eaLnBrk="1" fontAlgn="base" hangingPunct="1">
-              <a:lnSpc>
-                <a:spcPct val="95000"/>
-              </a:lnSpc>
-              <a:spcBef>
-                <a:spcPts val="625"/>
-              </a:spcBef>
-              <a:spcAft>
-                <a:spcPct val="0"/>
-              </a:spcAft>
-              <a:buFont typeface="Arial" charset="0"/>
-              <a:buChar char="•"/>
-              <a:defRPr lang="en-US" sz="1100" kern="1200" dirty="0">
-                <a:solidFill>
-                  <a:schemeClr val="tx1"/>
-                </a:solidFill>
-                <a:latin typeface="+mn-lt"/>
-                <a:ea typeface="ＭＳ Ｐゴシック" charset="0"/>
-                <a:cs typeface="CiscoSans"/>
-              </a:defRPr>
-            </a:lvl5pPr>
-            <a:lvl6pPr marL="863856" indent="-171445" algn="l" defTabSz="685777" rtl="0" eaLnBrk="1" latinLnBrk="0" hangingPunct="1">
-              <a:spcBef>
-                <a:spcPts val="600"/>
-              </a:spcBef>
-              <a:buFont typeface="Arial" pitchFamily="34" charset="0"/>
-              <a:buChar char="•"/>
-              <a:defRPr sz="900" kern="1200" baseline="0">
-                <a:solidFill>
-                  <a:schemeClr val="tx1"/>
-                </a:solidFill>
-                <a:latin typeface="+mn-lt"/>
-                <a:ea typeface="+mn-ea"/>
-                <a:cs typeface="+mn-cs"/>
-              </a:defRPr>
-            </a:lvl6pPr>
-            <a:lvl7pPr marL="935844" indent="-171422" algn="l" defTabSz="685777" rtl="0" eaLnBrk="1" latinLnBrk="0" hangingPunct="1">
-              <a:spcBef>
-                <a:spcPts val="600"/>
-              </a:spcBef>
-              <a:buFont typeface="Arial" pitchFamily="34" charset="0"/>
-              <a:buChar char="•"/>
-              <a:defRPr sz="800" kern="1200" baseline="0">
-                <a:solidFill>
-                  <a:schemeClr val="tx1"/>
-                </a:solidFill>
-                <a:latin typeface="+mn-lt"/>
-                <a:ea typeface="+mn-ea"/>
-                <a:cs typeface="+mn-cs"/>
-              </a:defRPr>
-            </a:lvl7pPr>
-            <a:lvl8pPr marL="2400220" indent="0" algn="l" defTabSz="685777" rtl="0" eaLnBrk="1" latinLnBrk="0" hangingPunct="1">
-              <a:spcBef>
-                <a:spcPct val="20000"/>
-              </a:spcBef>
-              <a:buFont typeface="Arial" pitchFamily="34" charset="0"/>
-              <a:buNone/>
-              <a:defRPr sz="1500" kern="1200">
-                <a:solidFill>
-                  <a:schemeClr val="tx1"/>
-                </a:solidFill>
-                <a:latin typeface="+mn-lt"/>
-                <a:ea typeface="+mn-ea"/>
-                <a:cs typeface="+mn-cs"/>
-              </a:defRPr>
-            </a:lvl8pPr>
-            <a:lvl9pPr marL="2914553" indent="-171445" algn="l" defTabSz="685777" rtl="0" eaLnBrk="1" latinLnBrk="0" hangingPunct="1">
-              <a:spcBef>
-                <a:spcPct val="20000"/>
-              </a:spcBef>
-              <a:buFont typeface="Arial" pitchFamily="34" charset="0"/>
-              <a:buChar char="•"/>
-              <a:defRPr sz="1500" kern="1200">
-                <a:solidFill>
-                  <a:schemeClr val="tx1"/>
-                </a:solidFill>
-                <a:latin typeface="+mn-lt"/>
-                <a:ea typeface="+mn-ea"/>
-                <a:cs typeface="+mn-cs"/>
-              </a:defRPr>
-            </a:lvl9pPr>
-          </a:lstStyle>
-          <a:p>
-            <a:pPr>
-              <a:lnSpc>
-                <a:spcPts val="1360"/>
-              </a:lnSpc>
-              <a:spcBef>
-                <a:spcPts val="0"/>
-              </a:spcBef>
-            </a:pPr>
-            <a:r>
-              <a:rPr lang="en-US" sz="1000" dirty="0">
-                <a:solidFill>
-                  <a:srgbClr val="002060"/>
-                </a:solidFill>
-                <a:latin typeface="Arial" panose="020B0604020202020204" pitchFamily="34" charset="0"/>
-                <a:cs typeface="Arial" panose="020B0604020202020204" pitchFamily="34" charset="0"/>
-              </a:rPr>
-              <a:t>TX Packet Loss %     </a:t>
-            </a:r>
-          </a:p>
-          <a:p>
-            <a:pPr marL="188912" lvl="1" indent="0">
-              <a:lnSpc>
-                <a:spcPts val="1360"/>
-              </a:lnSpc>
-              <a:spcBef>
-                <a:spcPts val="0"/>
-              </a:spcBef>
-              <a:buNone/>
-            </a:pPr>
-            <a:r>
-              <a:rPr lang="en-US" sz="1000" dirty="0">
-                <a:solidFill>
-                  <a:srgbClr val="002060"/>
-                </a:solidFill>
-                <a:latin typeface="Arial" panose="020B0604020202020204" pitchFamily="34" charset="0"/>
-                <a:cs typeface="Arial" panose="020B0604020202020204" pitchFamily="34" charset="0"/>
-              </a:rPr>
-              <a:t>= 100* ( ( ( C1(t) – C1(t-1) ) – ( C2(t) – C2(t-1) ) / ( C1(t) – C1(t-1) )    </a:t>
-            </a:r>
-          </a:p>
-          <a:p>
-            <a:pPr marL="188912" lvl="1" indent="0">
-              <a:lnSpc>
-                <a:spcPts val="1360"/>
-              </a:lnSpc>
-              <a:spcBef>
-                <a:spcPts val="0"/>
-              </a:spcBef>
-              <a:buNone/>
-            </a:pPr>
-            <a:r>
-              <a:rPr lang="en-US" sz="1000" dirty="0">
-                <a:solidFill>
-                  <a:srgbClr val="002060"/>
-                </a:solidFill>
-                <a:latin typeface="Arial" panose="020B0604020202020204" pitchFamily="34" charset="0"/>
-                <a:cs typeface="Arial" panose="020B0604020202020204" pitchFamily="34" charset="0"/>
-              </a:rPr>
-              <a:t>= 100* ( ( (103 – 100) – (203 – 200) ) / (103 – 100) )    </a:t>
-            </a:r>
-          </a:p>
-          <a:p>
-            <a:pPr marL="188912" lvl="1" indent="0">
-              <a:lnSpc>
-                <a:spcPts val="1360"/>
-              </a:lnSpc>
-              <a:spcBef>
-                <a:spcPts val="0"/>
-              </a:spcBef>
-              <a:buNone/>
-            </a:pPr>
-            <a:r>
-              <a:rPr lang="en-US" sz="1000" dirty="0">
-                <a:solidFill>
-                  <a:srgbClr val="002060"/>
-                </a:solidFill>
-                <a:latin typeface="Arial" panose="020B0604020202020204" pitchFamily="34" charset="0"/>
-                <a:cs typeface="Arial" panose="020B0604020202020204" pitchFamily="34" charset="0"/>
-              </a:rPr>
-              <a:t>= 0</a:t>
-            </a:r>
-          </a:p>
-        </p:txBody>
-      </p:sp>
-      <p:grpSp>
-        <p:nvGrpSpPr>
-          <p:cNvPr id="4" name="Group 3">
-            <a:extLst>
-              <a:ext uri="{FF2B5EF4-FFF2-40B4-BE49-F238E27FC236}">
-                <a16:creationId xmlns:a16="http://schemas.microsoft.com/office/drawing/2014/main" id="{CC66D231-DFDE-B245-9DAE-F4DE54F00B9C}"/>
-              </a:ext>
-            </a:extLst>
-          </p:cNvPr>
-          <p:cNvGrpSpPr/>
-          <p:nvPr/>
-        </p:nvGrpSpPr>
-        <p:grpSpPr>
-          <a:xfrm>
-            <a:off x="609600" y="1370283"/>
-            <a:ext cx="3197281" cy="1205207"/>
-            <a:chOff x="668281" y="1243986"/>
-            <a:chExt cx="3197281" cy="1205207"/>
-          </a:xfrm>
-        </p:grpSpPr>
-        <p:sp>
-          <p:nvSpPr>
-            <p:cNvPr id="32" name="Rounded Rectangular Callout 27">
-              <a:extLst>
-                <a:ext uri="{FF2B5EF4-FFF2-40B4-BE49-F238E27FC236}">
-                  <a16:creationId xmlns:a16="http://schemas.microsoft.com/office/drawing/2014/main" id="{CBAA138F-2CEA-4473-835A-18AEC15829E1}"/>
-                </a:ext>
-              </a:extLst>
-            </p:cNvPr>
-            <p:cNvSpPr/>
-            <p:nvPr/>
-          </p:nvSpPr>
-          <p:spPr bwMode="auto">
-            <a:xfrm>
-              <a:off x="1369664" y="2187658"/>
-              <a:ext cx="807377" cy="260302"/>
-            </a:xfrm>
-            <a:prstGeom prst="wedgeRoundRectCallout">
-              <a:avLst>
-                <a:gd name="adj1" fmla="val -33284"/>
-                <a:gd name="adj2" fmla="val -225175"/>
-                <a:gd name="adj3" fmla="val 16667"/>
-              </a:avLst>
-            </a:prstGeom>
-            <a:solidFill>
-              <a:srgbClr val="FFFFFF">
-                <a:lumMod val="95000"/>
-              </a:srgbClr>
-            </a:solidFill>
-            <a:ln w="9525" cap="flat" cmpd="sng" algn="ctr">
-              <a:noFill/>
-              <a:prstDash val="solid"/>
-              <a:round/>
-              <a:headEnd type="none" w="med" len="med"/>
-              <a:tailEnd type="none" w="med" len="med"/>
-            </a:ln>
-            <a:effectLst/>
-          </p:spPr>
-          <p:txBody>
-            <a:bodyPr vert="horz" wrap="none" lIns="82124" tIns="41061" rIns="82124" bIns="41061" numCol="1" rtlCol="0" anchor="ctr" anchorCtr="0" compatLnSpc="1">
-              <a:prstTxWarp prst="textNoShape">
-                <a:avLst/>
-              </a:prstTxWarp>
-              <a:spAutoFit/>
-            </a:bodyPr>
-            <a:lstStyle/>
-            <a:p>
-              <a:pPr marL="0" marR="0" lvl="0" indent="0" algn="ctr" defTabSz="814388" eaLnBrk="0" fontAlgn="auto" latinLnBrk="0" hangingPunct="0">
-                <a:lnSpc>
-                  <a:spcPct val="90000"/>
-                </a:lnSpc>
-                <a:spcBef>
-                  <a:spcPts val="0"/>
-                </a:spcBef>
-                <a:spcAft>
-                  <a:spcPts val="0"/>
-                </a:spcAft>
-                <a:buClrTx/>
-                <a:buSzTx/>
-                <a:buFontTx/>
-                <a:buNone/>
-                <a:tabLst/>
-                <a:defRPr/>
-              </a:pPr>
-              <a:r>
-                <a:rPr kumimoji="0" lang="en-US" sz="1100" u="none" strike="noStrike" kern="0" cap="none" spc="0" normalizeH="0" baseline="0" noProof="0" dirty="0">
-                  <a:ln>
-                    <a:noFill/>
-                  </a:ln>
-                  <a:solidFill>
-                    <a:srgbClr val="002060"/>
-                  </a:solidFill>
-                  <a:effectLst/>
-                  <a:uLnTx/>
-                  <a:uFillTx/>
-                  <a:latin typeface="Arial" panose="020B0604020202020204" pitchFamily="34" charset="0"/>
-                  <a:cs typeface="Arial" panose="020B0604020202020204" pitchFamily="34" charset="0"/>
-                </a:rPr>
-                <a:t>Counter</a:t>
-              </a:r>
-              <a:r>
-                <a:rPr kumimoji="0" lang="en-US" sz="1100" u="none" strike="noStrike" kern="0" cap="none" spc="0" normalizeH="0" noProof="0" dirty="0">
-                  <a:ln>
-                    <a:noFill/>
-                  </a:ln>
-                  <a:solidFill>
-                    <a:srgbClr val="002060"/>
-                  </a:solidFill>
-                  <a:effectLst/>
-                  <a:uLnTx/>
-                  <a:uFillTx/>
-                  <a:latin typeface="Arial" panose="020B0604020202020204" pitchFamily="34" charset="0"/>
-                  <a:cs typeface="Arial" panose="020B0604020202020204" pitchFamily="34" charset="0"/>
-                </a:rPr>
-                <a:t> 1</a:t>
-              </a:r>
-              <a:endParaRPr kumimoji="0" lang="en-US" sz="1100" u="none" strike="noStrike" kern="0" cap="none" spc="0" normalizeH="0" baseline="0" noProof="0" dirty="0">
-                <a:ln>
-                  <a:noFill/>
-                </a:ln>
-                <a:solidFill>
-                  <a:srgbClr val="002060"/>
-                </a:solidFill>
-                <a:effectLst/>
-                <a:uLnTx/>
-                <a:uFillTx/>
-                <a:latin typeface="Arial" panose="020B0604020202020204" pitchFamily="34" charset="0"/>
-                <a:cs typeface="Arial" panose="020B0604020202020204" pitchFamily="34" charset="0"/>
-              </a:endParaRPr>
-            </a:p>
-          </p:txBody>
-        </p:sp>
-        <p:sp>
-          <p:nvSpPr>
-            <p:cNvPr id="184" name="Oval 183">
-              <a:extLst>
-                <a:ext uri="{FF2B5EF4-FFF2-40B4-BE49-F238E27FC236}">
-                  <a16:creationId xmlns:a16="http://schemas.microsoft.com/office/drawing/2014/main" id="{368C06FA-081C-49D7-9C77-0D814D62D5F5}"/>
-                </a:ext>
-              </a:extLst>
-            </p:cNvPr>
-            <p:cNvSpPr/>
-            <p:nvPr/>
-          </p:nvSpPr>
-          <p:spPr>
-            <a:xfrm>
-              <a:off x="2883105" y="1622686"/>
-              <a:ext cx="219456" cy="219456"/>
-            </a:xfrm>
-            <a:prstGeom prst="ellipse">
-              <a:avLst/>
-            </a:prstGeom>
-            <a:noFill/>
-            <a:ln w="38100">
-              <a:solidFill>
-                <a:schemeClr val="accent2"/>
-              </a:solidFill>
-              <a:headEnd type="none" w="med" len="med"/>
-              <a:tailEnd type="triangle" w="med" len="med"/>
-            </a:ln>
-            <a:effectLst/>
-          </p:spPr>
-          <p:style>
-            <a:lnRef idx="2">
-              <a:schemeClr val="accent1">
-                <a:shade val="50000"/>
-              </a:schemeClr>
-            </a:lnRef>
-            <a:fillRef idx="1">
-              <a:schemeClr val="accent1"/>
-            </a:fillRef>
-            <a:effectRef idx="0">
-              <a:schemeClr val="accent1"/>
-            </a:effectRef>
-            <a:fontRef idx="minor">
-              <a:schemeClr val="lt1"/>
-            </a:fontRef>
-          </p:style>
-          <p:txBody>
-            <a:bodyPr lIns="0" tIns="0" rIns="0" bIns="0" rtlCol="0" anchor="ctr"/>
-            <a:lstStyle/>
-            <a:p>
-              <a:pPr algn="ctr"/>
-              <a:r>
-                <a:rPr lang="fr-FR" sz="1100" dirty="0">
-                  <a:solidFill>
-                    <a:srgbClr val="002060"/>
-                  </a:solidFill>
-                  <a:latin typeface="Arial" panose="020B0604020202020204" pitchFamily="34" charset="0"/>
-                  <a:cs typeface="Arial" panose="020B0604020202020204" pitchFamily="34" charset="0"/>
-                </a:rPr>
-                <a:t>2</a:t>
-              </a:r>
-            </a:p>
-          </p:txBody>
-        </p:sp>
-        <p:sp>
-          <p:nvSpPr>
-            <p:cNvPr id="216" name="Oval 215">
-              <a:extLst>
-                <a:ext uri="{FF2B5EF4-FFF2-40B4-BE49-F238E27FC236}">
-                  <a16:creationId xmlns:a16="http://schemas.microsoft.com/office/drawing/2014/main" id="{FA350B2C-B724-4674-97E3-2CF0AF13068D}"/>
-                </a:ext>
-              </a:extLst>
-            </p:cNvPr>
-            <p:cNvSpPr/>
-            <p:nvPr/>
-          </p:nvSpPr>
-          <p:spPr>
-            <a:xfrm>
-              <a:off x="1288639" y="1631830"/>
-              <a:ext cx="219456" cy="219456"/>
-            </a:xfrm>
-            <a:prstGeom prst="ellipse">
-              <a:avLst/>
-            </a:prstGeom>
-            <a:noFill/>
-            <a:ln w="38100">
-              <a:solidFill>
-                <a:schemeClr val="accent2"/>
-              </a:solidFill>
-              <a:headEnd type="none" w="med" len="med"/>
-              <a:tailEnd type="triangle" w="med" len="med"/>
-            </a:ln>
-            <a:effectLst/>
-          </p:spPr>
-          <p:style>
-            <a:lnRef idx="2">
-              <a:schemeClr val="accent1">
-                <a:shade val="50000"/>
-              </a:schemeClr>
-            </a:lnRef>
-            <a:fillRef idx="1">
-              <a:schemeClr val="accent1"/>
-            </a:fillRef>
-            <a:effectRef idx="0">
-              <a:schemeClr val="accent1"/>
-            </a:effectRef>
-            <a:fontRef idx="minor">
-              <a:schemeClr val="lt1"/>
-            </a:fontRef>
-          </p:style>
-          <p:txBody>
-            <a:bodyPr lIns="0" tIns="0" rIns="0" bIns="0" rtlCol="0" anchor="ctr"/>
-            <a:lstStyle/>
-            <a:p>
-              <a:pPr algn="ctr"/>
-              <a:r>
-                <a:rPr lang="fr-FR" sz="1100" dirty="0">
-                  <a:solidFill>
-                    <a:srgbClr val="002060"/>
-                  </a:solidFill>
-                  <a:latin typeface="Arial" panose="020B0604020202020204" pitchFamily="34" charset="0"/>
-                  <a:cs typeface="Arial" panose="020B0604020202020204" pitchFamily="34" charset="0"/>
-                </a:rPr>
-                <a:t>1</a:t>
-              </a:r>
-            </a:p>
-          </p:txBody>
-        </p:sp>
-        <p:sp>
-          <p:nvSpPr>
-            <p:cNvPr id="261" name="Down Arrow 84">
-              <a:extLst>
-                <a:ext uri="{FF2B5EF4-FFF2-40B4-BE49-F238E27FC236}">
-                  <a16:creationId xmlns:a16="http://schemas.microsoft.com/office/drawing/2014/main" id="{5ED5220D-7439-4496-8A23-28A6BFD05925}"/>
-                </a:ext>
-              </a:extLst>
-            </p:cNvPr>
-            <p:cNvSpPr/>
-            <p:nvPr/>
-          </p:nvSpPr>
-          <p:spPr>
-            <a:xfrm rot="16200000">
-              <a:off x="1672437" y="1702502"/>
-              <a:ext cx="125006" cy="326374"/>
-            </a:xfrm>
-            <a:prstGeom prst="downArrow">
-              <a:avLst>
-                <a:gd name="adj1" fmla="val 39181"/>
-                <a:gd name="adj2" fmla="val 61505"/>
-              </a:avLst>
-            </a:prstGeom>
-            <a:solidFill>
-              <a:schemeClr val="accent1"/>
-            </a:solidFill>
-            <a:ln>
-              <a:noFill/>
-            </a:ln>
-            <a:effectLst/>
-          </p:spPr>
-          <p:style>
-            <a:lnRef idx="2">
-              <a:schemeClr val="accent1">
-                <a:shade val="50000"/>
-              </a:schemeClr>
-            </a:lnRef>
-            <a:fillRef idx="1">
-              <a:schemeClr val="accent1"/>
-            </a:fillRef>
-            <a:effectRef idx="0">
-              <a:schemeClr val="accent1"/>
-            </a:effectRef>
-            <a:fontRef idx="minor">
-              <a:schemeClr val="lt1"/>
-            </a:fontRef>
-          </p:style>
-          <p:txBody>
-            <a:bodyPr rtlCol="0" anchor="ctr"/>
-            <a:lstStyle/>
-            <a:p>
-              <a:pPr algn="ctr"/>
-              <a:endParaRPr lang="fr-FR" sz="1100" dirty="0">
-                <a:solidFill>
-                  <a:srgbClr val="002060"/>
-                </a:solidFill>
-                <a:latin typeface="Arial" panose="020B0604020202020204" pitchFamily="34" charset="0"/>
-                <a:cs typeface="Arial" panose="020B0604020202020204" pitchFamily="34" charset="0"/>
-              </a:endParaRPr>
-            </a:p>
-          </p:txBody>
-        </p:sp>
-        <p:cxnSp>
-          <p:nvCxnSpPr>
-            <p:cNvPr id="270" name="Straight Connector 269">
-              <a:extLst>
-                <a:ext uri="{FF2B5EF4-FFF2-40B4-BE49-F238E27FC236}">
-                  <a16:creationId xmlns:a16="http://schemas.microsoft.com/office/drawing/2014/main" id="{CC4903E4-8DD5-4797-8DD2-1EEDB990F97E}"/>
-                </a:ext>
-              </a:extLst>
-            </p:cNvPr>
-            <p:cNvCxnSpPr>
-              <a:cxnSpLocks/>
-              <a:stCxn id="216" idx="6"/>
-              <a:endCxn id="184" idx="2"/>
-            </p:cNvCxnSpPr>
-            <p:nvPr/>
-          </p:nvCxnSpPr>
-          <p:spPr>
-            <a:xfrm flipV="1">
-              <a:off x="1508095" y="1732414"/>
-              <a:ext cx="1375010" cy="9144"/>
-            </a:xfrm>
-            <a:prstGeom prst="line">
-              <a:avLst/>
-            </a:prstGeom>
-            <a:ln w="38100">
-              <a:solidFill>
-                <a:schemeClr val="accent4"/>
-              </a:solidFill>
-            </a:ln>
-          </p:spPr>
-          <p:style>
-            <a:lnRef idx="1">
-              <a:schemeClr val="accent1"/>
-            </a:lnRef>
-            <a:fillRef idx="0">
-              <a:schemeClr val="accent1"/>
-            </a:fillRef>
-            <a:effectRef idx="0">
-              <a:schemeClr val="accent1"/>
-            </a:effectRef>
-            <a:fontRef idx="minor">
-              <a:schemeClr val="tx1"/>
-            </a:fontRef>
-          </p:style>
-        </p:cxnSp>
-        <p:pic>
-          <p:nvPicPr>
-            <p:cNvPr id="2" name="Picture 1">
-              <a:extLst>
-                <a:ext uri="{FF2B5EF4-FFF2-40B4-BE49-F238E27FC236}">
-                  <a16:creationId xmlns:a16="http://schemas.microsoft.com/office/drawing/2014/main" id="{7637C330-061A-4D11-B791-663C35AE8884}"/>
-                </a:ext>
-              </a:extLst>
-            </p:cNvPr>
-            <p:cNvPicPr>
-              <a:picLocks noChangeAspect="1"/>
-            </p:cNvPicPr>
-            <p:nvPr/>
-          </p:nvPicPr>
-          <p:blipFill>
-            <a:blip r:embed="rId3"/>
-            <a:stretch>
-              <a:fillRect/>
-            </a:stretch>
-          </p:blipFill>
-          <p:spPr>
-            <a:xfrm>
-              <a:off x="690780" y="1962047"/>
-              <a:ext cx="1858270" cy="260231"/>
-            </a:xfrm>
-            <a:prstGeom prst="rect">
-              <a:avLst/>
-            </a:prstGeom>
-          </p:spPr>
-        </p:pic>
-        <p:pic>
-          <p:nvPicPr>
-            <p:cNvPr id="3" name="Picture 2">
-              <a:extLst>
-                <a:ext uri="{FF2B5EF4-FFF2-40B4-BE49-F238E27FC236}">
-                  <a16:creationId xmlns:a16="http://schemas.microsoft.com/office/drawing/2014/main" id="{D1EDEA6A-B814-4903-B375-7ACD7A460DE8}"/>
-                </a:ext>
-              </a:extLst>
-            </p:cNvPr>
-            <p:cNvPicPr>
-              <a:picLocks noChangeAspect="1"/>
-            </p:cNvPicPr>
-            <p:nvPr/>
-          </p:nvPicPr>
-          <p:blipFill>
-            <a:blip r:embed="rId4"/>
-            <a:stretch>
-              <a:fillRect/>
-            </a:stretch>
-          </p:blipFill>
-          <p:spPr>
-            <a:xfrm>
-              <a:off x="1815069" y="1243986"/>
-              <a:ext cx="1771035" cy="268339"/>
-            </a:xfrm>
-            <a:prstGeom prst="rect">
-              <a:avLst/>
-            </a:prstGeom>
-          </p:spPr>
-        </p:pic>
-        <p:sp>
-          <p:nvSpPr>
-            <p:cNvPr id="33" name="Rounded Rectangular Callout 27">
-              <a:extLst>
-                <a:ext uri="{FF2B5EF4-FFF2-40B4-BE49-F238E27FC236}">
-                  <a16:creationId xmlns:a16="http://schemas.microsoft.com/office/drawing/2014/main" id="{5B66A804-559C-44DA-9263-5AAB6E584282}"/>
-                </a:ext>
-              </a:extLst>
-            </p:cNvPr>
-            <p:cNvSpPr/>
-            <p:nvPr/>
-          </p:nvSpPr>
-          <p:spPr bwMode="auto">
-            <a:xfrm>
-              <a:off x="2744510" y="2188891"/>
-              <a:ext cx="807377" cy="260302"/>
-            </a:xfrm>
-            <a:prstGeom prst="wedgeRoundRectCallout">
-              <a:avLst>
-                <a:gd name="adj1" fmla="val -33284"/>
-                <a:gd name="adj2" fmla="val -225175"/>
-                <a:gd name="adj3" fmla="val 16667"/>
-              </a:avLst>
-            </a:prstGeom>
-            <a:solidFill>
-              <a:srgbClr val="FFFFFF">
-                <a:lumMod val="95000"/>
-              </a:srgbClr>
-            </a:solidFill>
-            <a:ln w="9525" cap="flat" cmpd="sng" algn="ctr">
-              <a:noFill/>
-              <a:prstDash val="solid"/>
-              <a:round/>
-              <a:headEnd type="none" w="med" len="med"/>
-              <a:tailEnd type="none" w="med" len="med"/>
-            </a:ln>
-            <a:effectLst/>
-          </p:spPr>
-          <p:txBody>
-            <a:bodyPr vert="horz" wrap="none" lIns="82124" tIns="41061" rIns="82124" bIns="41061" numCol="1" rtlCol="0" anchor="ctr" anchorCtr="0" compatLnSpc="1">
-              <a:prstTxWarp prst="textNoShape">
-                <a:avLst/>
-              </a:prstTxWarp>
-              <a:spAutoFit/>
-            </a:bodyPr>
-            <a:lstStyle/>
-            <a:p>
-              <a:pPr marL="0" marR="0" lvl="0" indent="0" algn="ctr" defTabSz="814388" eaLnBrk="0" fontAlgn="auto" latinLnBrk="0" hangingPunct="0">
-                <a:lnSpc>
-                  <a:spcPct val="90000"/>
-                </a:lnSpc>
-                <a:spcBef>
-                  <a:spcPts val="0"/>
-                </a:spcBef>
-                <a:spcAft>
-                  <a:spcPts val="0"/>
-                </a:spcAft>
-                <a:buClrTx/>
-                <a:buSzTx/>
-                <a:buFontTx/>
-                <a:buNone/>
-                <a:tabLst/>
-                <a:defRPr/>
-              </a:pPr>
-              <a:r>
-                <a:rPr kumimoji="0" lang="en-US" sz="1100" u="none" strike="noStrike" kern="0" cap="none" spc="0" normalizeH="0" baseline="0" noProof="0" dirty="0">
-                  <a:ln>
-                    <a:noFill/>
-                  </a:ln>
-                  <a:solidFill>
-                    <a:srgbClr val="002060"/>
-                  </a:solidFill>
-                  <a:effectLst/>
-                  <a:uLnTx/>
-                  <a:uFillTx/>
-                  <a:latin typeface="Arial" panose="020B0604020202020204" pitchFamily="34" charset="0"/>
-                  <a:cs typeface="Arial" panose="020B0604020202020204" pitchFamily="34" charset="0"/>
-                </a:rPr>
-                <a:t>Counter</a:t>
-              </a:r>
-              <a:r>
-                <a:rPr kumimoji="0" lang="en-US" sz="1100" u="none" strike="noStrike" kern="0" cap="none" spc="0" normalizeH="0" noProof="0" dirty="0">
-                  <a:ln>
-                    <a:noFill/>
-                  </a:ln>
-                  <a:solidFill>
-                    <a:srgbClr val="002060"/>
-                  </a:solidFill>
-                  <a:effectLst/>
-                  <a:uLnTx/>
-                  <a:uFillTx/>
-                  <a:latin typeface="Arial" panose="020B0604020202020204" pitchFamily="34" charset="0"/>
-                  <a:cs typeface="Arial" panose="020B0604020202020204" pitchFamily="34" charset="0"/>
-                </a:rPr>
-                <a:t> 2</a:t>
-              </a:r>
-              <a:endParaRPr kumimoji="0" lang="en-US" sz="1100" u="none" strike="noStrike" kern="0" cap="none" spc="0" normalizeH="0" baseline="0" noProof="0" dirty="0">
-                <a:ln>
-                  <a:noFill/>
-                </a:ln>
-                <a:solidFill>
-                  <a:srgbClr val="002060"/>
-                </a:solidFill>
-                <a:effectLst/>
-                <a:uLnTx/>
-                <a:uFillTx/>
-                <a:latin typeface="Arial" panose="020B0604020202020204" pitchFamily="34" charset="0"/>
-                <a:cs typeface="Arial" panose="020B0604020202020204" pitchFamily="34" charset="0"/>
-              </a:endParaRPr>
-            </a:p>
-          </p:txBody>
-        </p:sp>
-        <p:sp>
-          <p:nvSpPr>
-            <p:cNvPr id="34" name="TextBox 33">
-              <a:extLst>
-                <a:ext uri="{FF2B5EF4-FFF2-40B4-BE49-F238E27FC236}">
-                  <a16:creationId xmlns:a16="http://schemas.microsoft.com/office/drawing/2014/main" id="{9726C513-7470-4B7E-A306-AF186112A1AA}"/>
-                </a:ext>
-              </a:extLst>
-            </p:cNvPr>
-            <p:cNvSpPr txBox="1"/>
-            <p:nvPr/>
-          </p:nvSpPr>
-          <p:spPr>
-            <a:xfrm>
-              <a:off x="2669452" y="1353487"/>
-              <a:ext cx="381048" cy="261610"/>
-            </a:xfrm>
-            <a:prstGeom prst="rect">
-              <a:avLst/>
-            </a:prstGeom>
-            <a:noFill/>
-            <a:ln>
-              <a:noFill/>
-            </a:ln>
-          </p:spPr>
-          <p:txBody>
-            <a:bodyPr wrap="none" lIns="72000" rIns="72000" rtlCol="0">
-              <a:spAutoFit/>
-            </a:bodyPr>
-            <a:lstStyle/>
-            <a:p>
-              <a:r>
-                <a:rPr lang="en-US" sz="1100" dirty="0">
-                  <a:solidFill>
-                    <a:srgbClr val="002060"/>
-                  </a:solidFill>
-                  <a:latin typeface="Arial" panose="020B0604020202020204" pitchFamily="34" charset="0"/>
-                  <a:cs typeface="Arial" panose="020B0604020202020204" pitchFamily="34" charset="0"/>
-                </a:rPr>
-                <a:t>HW</a:t>
-              </a:r>
-            </a:p>
-          </p:txBody>
-        </p:sp>
-        <p:sp>
-          <p:nvSpPr>
-            <p:cNvPr id="35" name="TextBox 34">
-              <a:extLst>
-                <a:ext uri="{FF2B5EF4-FFF2-40B4-BE49-F238E27FC236}">
-                  <a16:creationId xmlns:a16="http://schemas.microsoft.com/office/drawing/2014/main" id="{3A89D29B-E69E-4D8C-996E-D88AD5BCCE67}"/>
-                </a:ext>
-              </a:extLst>
-            </p:cNvPr>
-            <p:cNvSpPr txBox="1"/>
-            <p:nvPr/>
-          </p:nvSpPr>
-          <p:spPr>
-            <a:xfrm>
-              <a:off x="1399089" y="1353664"/>
-              <a:ext cx="381048" cy="261610"/>
-            </a:xfrm>
-            <a:prstGeom prst="rect">
-              <a:avLst/>
-            </a:prstGeom>
-            <a:noFill/>
-            <a:ln>
-              <a:noFill/>
-            </a:ln>
-          </p:spPr>
-          <p:txBody>
-            <a:bodyPr wrap="none" lIns="72000" rIns="72000" rtlCol="0">
-              <a:spAutoFit/>
-            </a:bodyPr>
-            <a:lstStyle/>
-            <a:p>
-              <a:r>
-                <a:rPr lang="en-US" sz="1100" dirty="0">
-                  <a:solidFill>
-                    <a:srgbClr val="002060"/>
-                  </a:solidFill>
-                  <a:latin typeface="Arial" panose="020B0604020202020204" pitchFamily="34" charset="0"/>
-                  <a:cs typeface="Arial" panose="020B0604020202020204" pitchFamily="34" charset="0"/>
-                </a:rPr>
-                <a:t>HW</a:t>
-              </a:r>
-            </a:p>
-          </p:txBody>
-        </p:sp>
-        <p:sp>
-          <p:nvSpPr>
-            <p:cNvPr id="31" name="TextBox 30">
-              <a:extLst>
-                <a:ext uri="{FF2B5EF4-FFF2-40B4-BE49-F238E27FC236}">
-                  <a16:creationId xmlns:a16="http://schemas.microsoft.com/office/drawing/2014/main" id="{E5804B2D-2257-F24C-8F26-69ECD9F3168B}"/>
-                </a:ext>
-              </a:extLst>
-            </p:cNvPr>
-            <p:cNvSpPr txBox="1"/>
-            <p:nvPr/>
-          </p:nvSpPr>
-          <p:spPr>
-            <a:xfrm>
-              <a:off x="668281" y="1596072"/>
-              <a:ext cx="600659" cy="261610"/>
-            </a:xfrm>
-            <a:prstGeom prst="rect">
-              <a:avLst/>
-            </a:prstGeom>
-            <a:noFill/>
-            <a:ln>
-              <a:noFill/>
-            </a:ln>
-          </p:spPr>
-          <p:txBody>
-            <a:bodyPr wrap="none" lIns="72000" rIns="72000" rtlCol="0">
-              <a:spAutoFit/>
-            </a:bodyPr>
-            <a:lstStyle/>
-            <a:p>
-              <a:r>
-                <a:rPr lang="en-US" sz="1100" dirty="0">
-                  <a:solidFill>
-                    <a:srgbClr val="002060"/>
-                  </a:solidFill>
-                  <a:latin typeface="Arial" panose="020B0604020202020204" pitchFamily="34" charset="0"/>
-                  <a:cs typeface="Arial" panose="020B0604020202020204" pitchFamily="34" charset="0"/>
-                </a:rPr>
-                <a:t>Sender</a:t>
-              </a:r>
-            </a:p>
-          </p:txBody>
-        </p:sp>
-        <p:sp>
-          <p:nvSpPr>
-            <p:cNvPr id="36" name="TextBox 35">
-              <a:extLst>
-                <a:ext uri="{FF2B5EF4-FFF2-40B4-BE49-F238E27FC236}">
-                  <a16:creationId xmlns:a16="http://schemas.microsoft.com/office/drawing/2014/main" id="{F2B171B4-8F2B-B348-BFD7-91DA8AD8E4E2}"/>
-                </a:ext>
-              </a:extLst>
-            </p:cNvPr>
-            <p:cNvSpPr txBox="1"/>
-            <p:nvPr/>
-          </p:nvSpPr>
-          <p:spPr>
-            <a:xfrm>
-              <a:off x="3155899" y="1596072"/>
-              <a:ext cx="709663" cy="261610"/>
-            </a:xfrm>
-            <a:prstGeom prst="rect">
-              <a:avLst/>
-            </a:prstGeom>
-            <a:noFill/>
-            <a:ln>
-              <a:noFill/>
-            </a:ln>
-          </p:spPr>
-          <p:txBody>
-            <a:bodyPr wrap="none" lIns="72000" rIns="72000" rtlCol="0">
-              <a:spAutoFit/>
-            </a:bodyPr>
-            <a:lstStyle/>
-            <a:p>
-              <a:r>
-                <a:rPr lang="en-US" sz="1100" dirty="0">
-                  <a:solidFill>
-                    <a:srgbClr val="002060"/>
-                  </a:solidFill>
-                  <a:latin typeface="Arial" panose="020B0604020202020204" pitchFamily="34" charset="0"/>
-                  <a:cs typeface="Arial" panose="020B0604020202020204" pitchFamily="34" charset="0"/>
-                </a:rPr>
-                <a:t>Reflector</a:t>
-              </a:r>
-            </a:p>
-          </p:txBody>
-        </p:sp>
-        <p:sp>
-          <p:nvSpPr>
-            <p:cNvPr id="38" name="Down Arrow 84">
-              <a:extLst>
-                <a:ext uri="{FF2B5EF4-FFF2-40B4-BE49-F238E27FC236}">
-                  <a16:creationId xmlns:a16="http://schemas.microsoft.com/office/drawing/2014/main" id="{4CF0B229-F560-3542-9B4B-4C0897B4C936}"/>
-                </a:ext>
-              </a:extLst>
-            </p:cNvPr>
-            <p:cNvSpPr/>
-            <p:nvPr/>
-          </p:nvSpPr>
-          <p:spPr>
-            <a:xfrm rot="5400000">
-              <a:off x="2634286" y="1976160"/>
-              <a:ext cx="125006" cy="326374"/>
-            </a:xfrm>
-            <a:prstGeom prst="downArrow">
-              <a:avLst>
-                <a:gd name="adj1" fmla="val 39181"/>
-                <a:gd name="adj2" fmla="val 61505"/>
-              </a:avLst>
-            </a:prstGeom>
-            <a:solidFill>
-              <a:schemeClr val="accent1"/>
-            </a:solidFill>
-            <a:ln>
-              <a:noFill/>
-            </a:ln>
-            <a:effectLst/>
-          </p:spPr>
-          <p:style>
-            <a:lnRef idx="2">
-              <a:schemeClr val="accent1">
-                <a:shade val="50000"/>
-              </a:schemeClr>
-            </a:lnRef>
-            <a:fillRef idx="1">
-              <a:schemeClr val="accent1"/>
-            </a:fillRef>
-            <a:effectRef idx="0">
-              <a:schemeClr val="accent1"/>
-            </a:effectRef>
-            <a:fontRef idx="minor">
-              <a:schemeClr val="lt1"/>
-            </a:fontRef>
-          </p:style>
-          <p:txBody>
-            <a:bodyPr rtlCol="0" anchor="ctr"/>
-            <a:lstStyle/>
-            <a:p>
-              <a:pPr algn="ctr"/>
-              <a:endParaRPr lang="fr-FR" sz="1100" dirty="0">
-                <a:solidFill>
-                  <a:srgbClr val="002060"/>
-                </a:solidFill>
-                <a:latin typeface="Arial" panose="020B0604020202020204" pitchFamily="34" charset="0"/>
-                <a:cs typeface="Arial" panose="020B0604020202020204" pitchFamily="34" charset="0"/>
-              </a:endParaRPr>
-            </a:p>
-          </p:txBody>
-        </p:sp>
-      </p:grpSp>
-      <p:sp>
-        <p:nvSpPr>
-          <p:cNvPr id="39" name="Text Placeholder 1">
-            <a:extLst>
-              <a:ext uri="{FF2B5EF4-FFF2-40B4-BE49-F238E27FC236}">
-                <a16:creationId xmlns:a16="http://schemas.microsoft.com/office/drawing/2014/main" id="{8B43DDA2-2FA7-F54E-9F65-37724BB1E7DD}"/>
-              </a:ext>
-            </a:extLst>
-          </p:cNvPr>
-          <p:cNvSpPr>
-            <a:spLocks noGrp="1"/>
-          </p:cNvSpPr>
-          <p:nvPr>
-            <p:ph type="body" sz="quarter" idx="10"/>
-          </p:nvPr>
-        </p:nvSpPr>
-        <p:spPr>
-          <a:xfrm>
-            <a:off x="4695860" y="1632920"/>
-            <a:ext cx="4184387" cy="1180709"/>
-          </a:xfrm>
-        </p:spPr>
-        <p:txBody>
-          <a:bodyPr/>
-          <a:lstStyle/>
-          <a:p>
-            <a:r>
-              <a:rPr lang="en-US" sz="1400" dirty="0"/>
-              <a:t>Advertise extended TE metrics – link loss percentage</a:t>
-            </a:r>
-          </a:p>
-          <a:p>
-            <a:pPr lvl="1"/>
-            <a:r>
-              <a:rPr lang="en-US" sz="1400" dirty="0"/>
-              <a:t>RFC 8570 (IS-IS)</a:t>
-            </a:r>
-          </a:p>
-          <a:p>
-            <a:pPr lvl="1"/>
-            <a:r>
-              <a:rPr lang="en-US" sz="1400" dirty="0"/>
-              <a:t>RFC 7471 (OSPF)</a:t>
-            </a:r>
-          </a:p>
-          <a:p>
-            <a:pPr lvl="1"/>
-            <a:r>
-              <a:rPr lang="en-US" sz="1400" dirty="0"/>
-              <a:t>RFC 8571 (BGP-LS)</a:t>
-            </a:r>
-          </a:p>
-          <a:p>
-            <a:endParaRPr lang="en-US" sz="1400" dirty="0"/>
-          </a:p>
-        </p:txBody>
-      </p:sp>
-      <p:sp>
-        <p:nvSpPr>
-          <p:cNvPr id="40" name="Rectangle 39">
-            <a:extLst>
-              <a:ext uri="{FF2B5EF4-FFF2-40B4-BE49-F238E27FC236}">
-                <a16:creationId xmlns:a16="http://schemas.microsoft.com/office/drawing/2014/main" id="{09C6C87B-54DF-0946-8C6B-D8BC82F61FD8}"/>
-              </a:ext>
-            </a:extLst>
-          </p:cNvPr>
-          <p:cNvSpPr/>
-          <p:nvPr/>
-        </p:nvSpPr>
-        <p:spPr>
-          <a:xfrm>
-            <a:off x="4230756" y="3551657"/>
-            <a:ext cx="4649491" cy="923330"/>
-          </a:xfrm>
-          <a:prstGeom prst="rect">
-            <a:avLst/>
-          </a:prstGeom>
-          <a:solidFill>
-            <a:schemeClr val="accent6">
-              <a:lumMod val="20000"/>
-              <a:lumOff val="80000"/>
-            </a:schemeClr>
-          </a:solidFill>
-          <a:ln>
-            <a:solidFill>
-              <a:schemeClr val="accent6">
-                <a:lumMod val="20000"/>
-                <a:lumOff val="80000"/>
-              </a:schemeClr>
-            </a:solidFill>
-          </a:ln>
-        </p:spPr>
-        <p:txBody>
-          <a:bodyPr wrap="square">
-            <a:spAutoFit/>
-          </a:bodyPr>
-          <a:lstStyle/>
-          <a:p>
-            <a:pPr>
-              <a:spcAft>
-                <a:spcPts val="0"/>
-              </a:spcAft>
-              <a:tabLst>
-                <a:tab pos="581660" algn="l"/>
-                <a:tab pos="1163320" algn="l"/>
-                <a:tab pos="1744980" algn="l"/>
-                <a:tab pos="2326640" algn="l"/>
-                <a:tab pos="2908300" algn="l"/>
-                <a:tab pos="3489960" algn="l"/>
-                <a:tab pos="4071620" algn="l"/>
-                <a:tab pos="4653280" algn="l"/>
-                <a:tab pos="5234940" algn="l"/>
-                <a:tab pos="5816600" algn="l"/>
-                <a:tab pos="6398260" algn="l"/>
-                <a:tab pos="6979920" algn="l"/>
-                <a:tab pos="7561580" algn="l"/>
-                <a:tab pos="8143240" algn="l"/>
-                <a:tab pos="8724900" algn="l"/>
-                <a:tab pos="9306560" algn="l"/>
-              </a:tabLst>
-            </a:pPr>
-            <a:r>
-              <a:rPr lang="en-CA" sz="900" dirty="0">
-                <a:latin typeface="Courier" pitchFamily="2" charset="0"/>
-                <a:ea typeface="Times New Roman" panose="02020603050405020304" pitchFamily="18" charset="0"/>
-                <a:cs typeface="Times New Roman" panose="02020603050405020304" pitchFamily="18" charset="0"/>
-              </a:rPr>
-              <a:t>0 1 2 3 4 5 6 7 8 9 0 1 2 3 4 5 6 7 8 9 0 1 2 3 4 5 6 7 8 9 0 1</a:t>
-            </a:r>
-            <a:endParaRPr lang="en-CA" sz="900" dirty="0">
-              <a:latin typeface="Courier" pitchFamily="2" charset="0"/>
-              <a:ea typeface="Calibri" panose="020F0502020204030204" pitchFamily="34" charset="0"/>
-              <a:cs typeface="Times New Roman" panose="02020603050405020304" pitchFamily="18" charset="0"/>
-            </a:endParaRPr>
-          </a:p>
-          <a:p>
-            <a:pPr>
-              <a:spcAft>
-                <a:spcPts val="0"/>
-              </a:spcAft>
-              <a:tabLst>
-                <a:tab pos="581660" algn="l"/>
-                <a:tab pos="1163320" algn="l"/>
-                <a:tab pos="1744980" algn="l"/>
-                <a:tab pos="2326640" algn="l"/>
-                <a:tab pos="2908300" algn="l"/>
-                <a:tab pos="3489960" algn="l"/>
-                <a:tab pos="4071620" algn="l"/>
-                <a:tab pos="4653280" algn="l"/>
-                <a:tab pos="5234940" algn="l"/>
-                <a:tab pos="5816600" algn="l"/>
-                <a:tab pos="6398260" algn="l"/>
-                <a:tab pos="6979920" algn="l"/>
-                <a:tab pos="7561580" algn="l"/>
-                <a:tab pos="8143240" algn="l"/>
-                <a:tab pos="8724900" algn="l"/>
-                <a:tab pos="9306560" algn="l"/>
-              </a:tabLst>
-            </a:pPr>
-            <a:r>
-              <a:rPr lang="en-CA" sz="900" dirty="0">
-                <a:latin typeface="Courier" pitchFamily="2" charset="0"/>
-                <a:ea typeface="Times New Roman" panose="02020603050405020304" pitchFamily="18" charset="0"/>
-                <a:cs typeface="Times New Roman" panose="02020603050405020304" pitchFamily="18" charset="0"/>
-              </a:rPr>
-              <a:t>+-+-+-+-+-+-+-+-+-+-+-+-+-+-+-+-+</a:t>
-            </a:r>
-            <a:endParaRPr lang="en-CA" sz="900" dirty="0">
-              <a:latin typeface="Courier" pitchFamily="2" charset="0"/>
-              <a:ea typeface="Calibri" panose="020F0502020204030204" pitchFamily="34" charset="0"/>
-              <a:cs typeface="Times New Roman" panose="02020603050405020304" pitchFamily="18" charset="0"/>
-            </a:endParaRPr>
-          </a:p>
-          <a:p>
-            <a:pPr>
-              <a:spcAft>
-                <a:spcPts val="0"/>
-              </a:spcAft>
-              <a:tabLst>
-                <a:tab pos="581660" algn="l"/>
-                <a:tab pos="1163320" algn="l"/>
-                <a:tab pos="1744980" algn="l"/>
-                <a:tab pos="2326640" algn="l"/>
-                <a:tab pos="2908300" algn="l"/>
-                <a:tab pos="3489960" algn="l"/>
-                <a:tab pos="4071620" algn="l"/>
-                <a:tab pos="4653280" algn="l"/>
-                <a:tab pos="5234940" algn="l"/>
-                <a:tab pos="5816600" algn="l"/>
-                <a:tab pos="6398260" algn="l"/>
-                <a:tab pos="6979920" algn="l"/>
-                <a:tab pos="7561580" algn="l"/>
-                <a:tab pos="8143240" algn="l"/>
-                <a:tab pos="8724900" algn="l"/>
-                <a:tab pos="9306560" algn="l"/>
-              </a:tabLst>
-            </a:pPr>
-            <a:r>
-              <a:rPr lang="en-CA" sz="900" dirty="0">
-                <a:latin typeface="Courier" pitchFamily="2" charset="0"/>
-                <a:ea typeface="Times New Roman" panose="02020603050405020304" pitchFamily="18" charset="0"/>
-                <a:cs typeface="Times New Roman" panose="02020603050405020304" pitchFamily="18" charset="0"/>
-              </a:rPr>
-              <a:t>|   Type        |     Length    |</a:t>
-            </a:r>
-            <a:endParaRPr lang="en-CA" sz="900" dirty="0">
-              <a:latin typeface="Courier" pitchFamily="2" charset="0"/>
-              <a:ea typeface="Calibri" panose="020F0502020204030204" pitchFamily="34" charset="0"/>
-              <a:cs typeface="Times New Roman" panose="02020603050405020304" pitchFamily="18" charset="0"/>
-            </a:endParaRPr>
-          </a:p>
-          <a:p>
-            <a:pPr>
-              <a:spcAft>
-                <a:spcPts val="0"/>
-              </a:spcAft>
-              <a:tabLst>
-                <a:tab pos="581660" algn="l"/>
-                <a:tab pos="1163320" algn="l"/>
-                <a:tab pos="1744980" algn="l"/>
-                <a:tab pos="2326640" algn="l"/>
-                <a:tab pos="2908300" algn="l"/>
-                <a:tab pos="3489960" algn="l"/>
-                <a:tab pos="4071620" algn="l"/>
-                <a:tab pos="4653280" algn="l"/>
-                <a:tab pos="5234940" algn="l"/>
-                <a:tab pos="5816600" algn="l"/>
-                <a:tab pos="6398260" algn="l"/>
-                <a:tab pos="6979920" algn="l"/>
-                <a:tab pos="7561580" algn="l"/>
-                <a:tab pos="8143240" algn="l"/>
-                <a:tab pos="8724900" algn="l"/>
-                <a:tab pos="9306560" algn="l"/>
-              </a:tabLst>
-            </a:pPr>
-            <a:r>
-              <a:rPr lang="en-CA" sz="900" dirty="0">
-                <a:latin typeface="Courier" pitchFamily="2" charset="0"/>
-                <a:ea typeface="Times New Roman" panose="02020603050405020304" pitchFamily="18" charset="0"/>
-                <a:cs typeface="Times New Roman" panose="02020603050405020304" pitchFamily="18" charset="0"/>
-              </a:rPr>
-              <a:t>+-+-+-+-+-+-+-+-+-+-+-+-+-+-+-+-+-+-+-+-+-+-+-+-+-+-+-+-+-+-+-+-+</a:t>
-            </a:r>
-            <a:endParaRPr lang="en-CA" sz="900" dirty="0">
-              <a:latin typeface="Courier" pitchFamily="2" charset="0"/>
-              <a:ea typeface="Calibri" panose="020F0502020204030204" pitchFamily="34" charset="0"/>
-              <a:cs typeface="Times New Roman" panose="02020603050405020304" pitchFamily="18" charset="0"/>
-            </a:endParaRPr>
-          </a:p>
-          <a:p>
-            <a:pPr>
-              <a:spcAft>
-                <a:spcPts val="0"/>
-              </a:spcAft>
-              <a:tabLst>
-                <a:tab pos="581660" algn="l"/>
-                <a:tab pos="1163320" algn="l"/>
-                <a:tab pos="1744980" algn="l"/>
-                <a:tab pos="2326640" algn="l"/>
-                <a:tab pos="2908300" algn="l"/>
-                <a:tab pos="3489960" algn="l"/>
-                <a:tab pos="4071620" algn="l"/>
-                <a:tab pos="4653280" algn="l"/>
-                <a:tab pos="5234940" algn="l"/>
-                <a:tab pos="5816600" algn="l"/>
-                <a:tab pos="6398260" algn="l"/>
-                <a:tab pos="6979920" algn="l"/>
-                <a:tab pos="7561580" algn="l"/>
-                <a:tab pos="8143240" algn="l"/>
-                <a:tab pos="8724900" algn="l"/>
-                <a:tab pos="9306560" algn="l"/>
-              </a:tabLst>
-            </a:pPr>
-            <a:r>
-              <a:rPr lang="en-CA" sz="900" dirty="0">
-                <a:latin typeface="Courier" pitchFamily="2" charset="0"/>
-                <a:ea typeface="Times New Roman" panose="02020603050405020304" pitchFamily="18" charset="0"/>
-                <a:cs typeface="Times New Roman" panose="02020603050405020304" pitchFamily="18" charset="0"/>
-              </a:rPr>
-              <a:t>|A|  RESERVED   |                    Link Loss                  |</a:t>
-            </a:r>
-            <a:endParaRPr lang="en-CA" sz="900" dirty="0">
-              <a:latin typeface="Courier" pitchFamily="2" charset="0"/>
-              <a:ea typeface="Calibri" panose="020F0502020204030204" pitchFamily="34" charset="0"/>
-              <a:cs typeface="Times New Roman" panose="02020603050405020304" pitchFamily="18" charset="0"/>
-            </a:endParaRPr>
-          </a:p>
-          <a:p>
-            <a:pPr>
-              <a:spcAft>
-                <a:spcPts val="0"/>
-              </a:spcAft>
-              <a:tabLst>
-                <a:tab pos="581660" algn="l"/>
-                <a:tab pos="1163320" algn="l"/>
-                <a:tab pos="1744980" algn="l"/>
-                <a:tab pos="2326640" algn="l"/>
-                <a:tab pos="2908300" algn="l"/>
-                <a:tab pos="3489960" algn="l"/>
-                <a:tab pos="4071620" algn="l"/>
-                <a:tab pos="4653280" algn="l"/>
-                <a:tab pos="5234940" algn="l"/>
-                <a:tab pos="5816600" algn="l"/>
-                <a:tab pos="6398260" algn="l"/>
-                <a:tab pos="6979920" algn="l"/>
-                <a:tab pos="7561580" algn="l"/>
-                <a:tab pos="8143240" algn="l"/>
-                <a:tab pos="8724900" algn="l"/>
-                <a:tab pos="9306560" algn="l"/>
-              </a:tabLst>
-            </a:pPr>
-            <a:r>
-              <a:rPr lang="en-CA" sz="900" dirty="0">
-                <a:latin typeface="Courier" pitchFamily="2" charset="0"/>
-                <a:ea typeface="Times New Roman" panose="02020603050405020304" pitchFamily="18" charset="0"/>
-                <a:cs typeface="Times New Roman" panose="02020603050405020304" pitchFamily="18" charset="0"/>
-              </a:rPr>
-              <a:t>+-+-+-+-+-+-+-+-+-+-+-+-+-+-+-+-+-+-+-+-+-+-+-+-+-+-+-+-+-+-+-+-+</a:t>
-            </a:r>
-            <a:endParaRPr lang="en-CA" sz="900" dirty="0">
-              <a:latin typeface="Courier" pitchFamily="2" charset="0"/>
-              <a:ea typeface="Calibri" panose="020F0502020204030204" pitchFamily="34" charset="0"/>
-              <a:cs typeface="Times New Roman" panose="02020603050405020304" pitchFamily="18" charset="0"/>
-            </a:endParaRPr>
-          </a:p>
-        </p:txBody>
-      </p:sp>
-      <p:sp>
-        <p:nvSpPr>
-          <p:cNvPr id="20" name="Footer Placeholder 3">
-            <a:extLst>
-              <a:ext uri="{FF2B5EF4-FFF2-40B4-BE49-F238E27FC236}">
-                <a16:creationId xmlns:a16="http://schemas.microsoft.com/office/drawing/2014/main" id="{5CF2E694-5ECB-4743-9B69-8CA1B5B3D746}"/>
-              </a:ext>
-            </a:extLst>
-          </p:cNvPr>
-          <p:cNvSpPr txBox="1">
-            <a:spLocks/>
-          </p:cNvSpPr>
-          <p:nvPr/>
-        </p:nvSpPr>
-        <p:spPr bwMode="auto">
-          <a:xfrm>
-            <a:off x="3581400" y="4789458"/>
-            <a:ext cx="1600200" cy="357188"/>
-          </a:xfrm>
-          <a:prstGeom prst="rect">
-            <a:avLst/>
-          </a:prstGeom>
-          <a:noFill/>
-          <a:ln w="9525">
-            <a:noFill/>
-            <a:miter lim="800000"/>
-            <a:headEnd/>
-            <a:tailEnd/>
-          </a:ln>
-        </p:spPr>
-        <p:txBody>
-          <a:bodyPr vert="horz" wrap="square" lIns="0" tIns="45710" rIns="0" bIns="45710" numCol="1" anchor="t" anchorCtr="0" compatLnSpc="1">
-            <a:prstTxWarp prst="textNoShape">
-              <a:avLst/>
-            </a:prstTxWarp>
-            <a:noAutofit/>
-          </a:bodyPr>
-          <a:lstStyle>
-            <a:lvl1pPr marL="174625" indent="-117475" algn="l" rtl="0" eaLnBrk="0" fontAlgn="base" hangingPunct="0">
-              <a:lnSpc>
-                <a:spcPct val="95000"/>
-              </a:lnSpc>
-              <a:spcBef>
-                <a:spcPts val="1110"/>
-              </a:spcBef>
-              <a:spcAft>
-                <a:spcPct val="0"/>
-              </a:spcAft>
-              <a:buClr>
-                <a:schemeClr val="tx1"/>
-              </a:buClr>
-              <a:buSzPct val="60000"/>
-              <a:buFont typeface="Arial"/>
-              <a:buChar char="•"/>
-              <a:defRPr sz="2000" b="0" i="0" baseline="0">
-                <a:solidFill>
-                  <a:schemeClr val="tx1"/>
-                </a:solidFill>
-                <a:latin typeface="+mn-lt"/>
-                <a:ea typeface="Calibri" charset="0"/>
-                <a:cs typeface="CiscoSans ExtraLight"/>
-              </a:defRPr>
-            </a:lvl1pPr>
-            <a:lvl2pPr marL="288925" indent="-114300" algn="l" rtl="0" eaLnBrk="0" fontAlgn="base" hangingPunct="0">
-              <a:lnSpc>
-                <a:spcPct val="95000"/>
-              </a:lnSpc>
-              <a:spcBef>
-                <a:spcPts val="450"/>
-              </a:spcBef>
-              <a:spcAft>
-                <a:spcPct val="0"/>
-              </a:spcAft>
-              <a:buClr>
-                <a:schemeClr val="tx1"/>
-              </a:buClr>
-              <a:buSzPct val="60000"/>
-              <a:buFont typeface="Arial"/>
-              <a:buChar char="•"/>
-              <a:defRPr sz="1800" b="0" i="0">
-                <a:solidFill>
-                  <a:schemeClr val="tx1"/>
-                </a:solidFill>
-                <a:latin typeface="+mn-lt"/>
-                <a:ea typeface="Calibri" charset="0"/>
-                <a:cs typeface="CiscoSans ExtraLight"/>
-              </a:defRPr>
-            </a:lvl2pPr>
-            <a:lvl3pPr marL="403225" indent="-114300" algn="l" rtl="0" eaLnBrk="0" fontAlgn="base" hangingPunct="0">
-              <a:spcBef>
-                <a:spcPct val="20000"/>
-              </a:spcBef>
-              <a:spcAft>
-                <a:spcPct val="0"/>
-              </a:spcAft>
-              <a:buClr>
-                <a:schemeClr val="tx1"/>
-              </a:buClr>
-              <a:buSzPct val="60000"/>
-              <a:buFont typeface="Arial"/>
-              <a:buChar char="•"/>
-              <a:defRPr sz="1600" b="0" i="0">
-                <a:solidFill>
-                  <a:schemeClr val="tx1"/>
-                </a:solidFill>
-                <a:latin typeface="+mn-lt"/>
-                <a:ea typeface="Calibri" charset="0"/>
-                <a:cs typeface="CiscoSans ExtraLight"/>
-              </a:defRPr>
-            </a:lvl3pPr>
-            <a:lvl4pPr marL="517525" indent="-114300" algn="l" rtl="0" eaLnBrk="0" fontAlgn="base" hangingPunct="0">
-              <a:spcBef>
-                <a:spcPct val="20000"/>
-              </a:spcBef>
-              <a:spcAft>
-                <a:spcPct val="0"/>
-              </a:spcAft>
-              <a:buClr>
-                <a:schemeClr val="tx1"/>
-              </a:buClr>
-              <a:buSzPct val="60000"/>
-              <a:buFont typeface="Arial"/>
-              <a:buChar char="•"/>
-              <a:defRPr sz="1400" b="0" i="0">
-                <a:solidFill>
-                  <a:schemeClr val="tx1"/>
-                </a:solidFill>
-                <a:latin typeface="+mn-lt"/>
-                <a:ea typeface="Calibri" charset="0"/>
-                <a:cs typeface="CiscoSans ExtraLight"/>
-              </a:defRPr>
-            </a:lvl4pPr>
-            <a:lvl5pPr marL="631825" indent="-114300" algn="l" rtl="0" eaLnBrk="0" fontAlgn="base" hangingPunct="0">
-              <a:spcBef>
-                <a:spcPct val="20000"/>
-              </a:spcBef>
-              <a:spcAft>
-                <a:spcPct val="0"/>
-              </a:spcAft>
-              <a:buClr>
-                <a:schemeClr val="tx1"/>
-              </a:buClr>
-              <a:buSzPct val="60000"/>
-              <a:buFont typeface="Arial"/>
-              <a:buChar char="•"/>
-              <a:defRPr sz="1200" b="0" i="0">
-                <a:solidFill>
-                  <a:schemeClr val="tx1"/>
-                </a:solidFill>
-                <a:latin typeface="+mn-lt"/>
-                <a:ea typeface="Calibri" charset="0"/>
-                <a:cs typeface="CiscoSans ExtraLight"/>
-              </a:defRPr>
-            </a:lvl5pPr>
-            <a:lvl6pPr marL="2514600" indent="-228600" algn="l" rtl="0" fontAlgn="base">
-              <a:spcBef>
-                <a:spcPct val="20000"/>
-              </a:spcBef>
-              <a:spcAft>
-                <a:spcPct val="0"/>
-              </a:spcAft>
-              <a:buChar char="»"/>
-              <a:defRPr sz="2000">
-                <a:solidFill>
-                  <a:schemeClr val="tx1"/>
-                </a:solidFill>
-                <a:latin typeface="+mn-lt"/>
-                <a:ea typeface="+mn-ea"/>
-              </a:defRPr>
-            </a:lvl6pPr>
-            <a:lvl7pPr marL="2971800" indent="-228600" algn="l" rtl="0" fontAlgn="base">
-              <a:spcBef>
-                <a:spcPct val="20000"/>
-              </a:spcBef>
-              <a:spcAft>
-                <a:spcPct val="0"/>
-              </a:spcAft>
-              <a:buChar char="»"/>
-              <a:defRPr sz="2000">
-                <a:solidFill>
-                  <a:schemeClr val="tx1"/>
-                </a:solidFill>
-                <a:latin typeface="+mn-lt"/>
-                <a:ea typeface="+mn-ea"/>
-              </a:defRPr>
-            </a:lvl7pPr>
-            <a:lvl8pPr marL="3429000" indent="-228600" algn="l" rtl="0" fontAlgn="base">
-              <a:spcBef>
-                <a:spcPct val="20000"/>
-              </a:spcBef>
-              <a:spcAft>
-                <a:spcPct val="0"/>
-              </a:spcAft>
-              <a:buChar char="»"/>
-              <a:defRPr sz="2000">
-                <a:solidFill>
-                  <a:schemeClr val="tx1"/>
-                </a:solidFill>
-                <a:latin typeface="+mn-lt"/>
-                <a:ea typeface="+mn-ea"/>
-              </a:defRPr>
-            </a:lvl8pPr>
-            <a:lvl9pPr marL="3886200" indent="-228600" algn="l" rtl="0" fontAlgn="base">
-              <a:spcBef>
-                <a:spcPct val="20000"/>
-              </a:spcBef>
-              <a:spcAft>
-                <a:spcPct val="0"/>
-              </a:spcAft>
-              <a:buChar char="»"/>
-              <a:defRPr sz="2000">
-                <a:solidFill>
-                  <a:schemeClr val="tx1"/>
-                </a:solidFill>
-                <a:latin typeface="+mn-lt"/>
-                <a:ea typeface="+mn-ea"/>
-              </a:defRPr>
-            </a:lvl9pPr>
-          </a:lstStyle>
-          <a:p>
-            <a:pPr marL="57150" indent="0">
-              <a:buNone/>
-            </a:pPr>
-            <a:r>
-              <a:rPr lang="en-CA" sz="1400" kern="0" dirty="0">
-                <a:latin typeface="Calibri" panose="020F0502020204030204" pitchFamily="34" charset="0"/>
-                <a:cs typeface="Calibri" panose="020F0502020204030204" pitchFamily="34" charset="0"/>
-              </a:rPr>
-              <a:t>110</a:t>
-            </a:r>
-            <a:r>
-              <a:rPr lang="en-CA" sz="1400" kern="0" baseline="30000" dirty="0">
-                <a:latin typeface="Calibri" panose="020F0502020204030204" pitchFamily="34" charset="0"/>
-                <a:cs typeface="Calibri" panose="020F0502020204030204" pitchFamily="34" charset="0"/>
-              </a:rPr>
-              <a:t>th</a:t>
-            </a:r>
-            <a:r>
-              <a:rPr lang="en-CA" sz="1400" kern="0" dirty="0">
-                <a:latin typeface="Calibri" panose="020F0502020204030204" pitchFamily="34" charset="0"/>
-                <a:cs typeface="Calibri" panose="020F0502020204030204" pitchFamily="34" charset="0"/>
-              </a:rPr>
-              <a:t> IETF Online</a:t>
-            </a:r>
-          </a:p>
-        </p:txBody>
-      </p:sp>
-      <p:sp>
-        <p:nvSpPr>
-          <p:cNvPr id="21" name="Slide Number Placeholder 4">
-            <a:extLst>
-              <a:ext uri="{FF2B5EF4-FFF2-40B4-BE49-F238E27FC236}">
-                <a16:creationId xmlns:a16="http://schemas.microsoft.com/office/drawing/2014/main" id="{6C6009CF-9E67-C84A-A806-26B46ABE1A2A}"/>
-              </a:ext>
-            </a:extLst>
-          </p:cNvPr>
-          <p:cNvSpPr txBox="1">
-            <a:spLocks/>
-          </p:cNvSpPr>
-          <p:nvPr/>
-        </p:nvSpPr>
-        <p:spPr>
-          <a:xfrm>
-            <a:off x="6746647" y="4735920"/>
-            <a:ext cx="2133600" cy="357188"/>
-          </a:xfrm>
-          <a:prstGeom prst="rect">
-            <a:avLst/>
-          </a:prstGeom>
-        </p:spPr>
-        <p:txBody>
-          <a:bodyPr/>
-          <a:lstStyle>
-            <a:defPPr>
-              <a:defRPr lang="zh-CN"/>
-            </a:defPPr>
-            <a:lvl1pPr algn="l" rtl="0" fontAlgn="base">
-              <a:spcBef>
-                <a:spcPct val="0"/>
-              </a:spcBef>
-              <a:spcAft>
-                <a:spcPct val="0"/>
-              </a:spcAft>
-              <a:defRPr kern="1200">
-                <a:solidFill>
-                  <a:schemeClr val="tx1"/>
-                </a:solidFill>
-                <a:latin typeface="Arial" charset="0"/>
-                <a:ea typeface="宋体" pitchFamily="2" charset="-122"/>
-                <a:cs typeface="+mn-cs"/>
-              </a:defRPr>
-            </a:lvl1pPr>
-            <a:lvl2pPr marL="457200" algn="l" rtl="0" fontAlgn="base">
-              <a:spcBef>
-                <a:spcPct val="0"/>
-              </a:spcBef>
-              <a:spcAft>
-                <a:spcPct val="0"/>
-              </a:spcAft>
-              <a:defRPr kern="1200">
-                <a:solidFill>
-                  <a:schemeClr val="tx1"/>
-                </a:solidFill>
-                <a:latin typeface="Arial" charset="0"/>
-                <a:ea typeface="宋体" pitchFamily="2" charset="-122"/>
-                <a:cs typeface="+mn-cs"/>
-              </a:defRPr>
-            </a:lvl2pPr>
-            <a:lvl3pPr marL="914400" algn="l" rtl="0" fontAlgn="base">
-              <a:spcBef>
-                <a:spcPct val="0"/>
-              </a:spcBef>
-              <a:spcAft>
-                <a:spcPct val="0"/>
-              </a:spcAft>
-              <a:defRPr kern="1200">
-                <a:solidFill>
-                  <a:schemeClr val="tx1"/>
-                </a:solidFill>
-                <a:latin typeface="Arial" charset="0"/>
-                <a:ea typeface="宋体" pitchFamily="2" charset="-122"/>
-                <a:cs typeface="+mn-cs"/>
-              </a:defRPr>
-            </a:lvl3pPr>
-            <a:lvl4pPr marL="1371600" algn="l" rtl="0" fontAlgn="base">
-              <a:spcBef>
-                <a:spcPct val="0"/>
-              </a:spcBef>
-              <a:spcAft>
-                <a:spcPct val="0"/>
-              </a:spcAft>
-              <a:defRPr kern="1200">
-                <a:solidFill>
-                  <a:schemeClr val="tx1"/>
-                </a:solidFill>
-                <a:latin typeface="Arial" charset="0"/>
-                <a:ea typeface="宋体" pitchFamily="2" charset="-122"/>
-                <a:cs typeface="+mn-cs"/>
-              </a:defRPr>
-            </a:lvl4pPr>
-            <a:lvl5pPr marL="1828800" algn="l" rtl="0" fontAlgn="base">
-              <a:spcBef>
-                <a:spcPct val="0"/>
-              </a:spcBef>
-              <a:spcAft>
-                <a:spcPct val="0"/>
-              </a:spcAft>
-              <a:defRPr kern="1200">
-                <a:solidFill>
-                  <a:schemeClr val="tx1"/>
-                </a:solidFill>
-                <a:latin typeface="Arial" charset="0"/>
-                <a:ea typeface="宋体" pitchFamily="2" charset="-122"/>
-                <a:cs typeface="+mn-cs"/>
-              </a:defRPr>
-            </a:lvl5pPr>
-            <a:lvl6pPr marL="2286000" algn="l" defTabSz="914400" rtl="0" eaLnBrk="1" latinLnBrk="0" hangingPunct="1">
-              <a:defRPr kern="1200">
-                <a:solidFill>
-                  <a:schemeClr val="tx1"/>
-                </a:solidFill>
-                <a:latin typeface="Arial" charset="0"/>
-                <a:ea typeface="宋体" pitchFamily="2" charset="-122"/>
-                <a:cs typeface="+mn-cs"/>
-              </a:defRPr>
-            </a:lvl6pPr>
-            <a:lvl7pPr marL="2743200" algn="l" defTabSz="914400" rtl="0" eaLnBrk="1" latinLnBrk="0" hangingPunct="1">
-              <a:defRPr kern="1200">
-                <a:solidFill>
-                  <a:schemeClr val="tx1"/>
-                </a:solidFill>
-                <a:latin typeface="Arial" charset="0"/>
-                <a:ea typeface="宋体" pitchFamily="2" charset="-122"/>
-                <a:cs typeface="+mn-cs"/>
-              </a:defRPr>
-            </a:lvl7pPr>
-            <a:lvl8pPr marL="3200400" algn="l" defTabSz="914400" rtl="0" eaLnBrk="1" latinLnBrk="0" hangingPunct="1">
-              <a:defRPr kern="1200">
-                <a:solidFill>
-                  <a:schemeClr val="tx1"/>
-                </a:solidFill>
-                <a:latin typeface="Arial" charset="0"/>
-                <a:ea typeface="宋体" pitchFamily="2" charset="-122"/>
-                <a:cs typeface="+mn-cs"/>
-              </a:defRPr>
-            </a:lvl8pPr>
-            <a:lvl9pPr marL="3657600" algn="l" defTabSz="914400" rtl="0" eaLnBrk="1" latinLnBrk="0" hangingPunct="1">
-              <a:defRPr kern="1200">
-                <a:solidFill>
-                  <a:schemeClr val="tx1"/>
-                </a:solidFill>
-                <a:latin typeface="Arial" charset="0"/>
-                <a:ea typeface="宋体" pitchFamily="2" charset="-122"/>
-                <a:cs typeface="+mn-cs"/>
-              </a:defRPr>
-            </a:lvl9pPr>
-          </a:lstStyle>
-          <a:p>
-            <a:pPr algn="r">
-              <a:defRPr/>
-            </a:pPr>
-            <a:fld id="{BD6E0F59-1DD8-40FC-9C92-B6295CBA6CCA}" type="slidenum">
-              <a:rPr lang="en-US" altLang="zh-CN" sz="1400" smtClean="0">
-                <a:latin typeface="Calibri" panose="020F0502020204030204" pitchFamily="34" charset="0"/>
-                <a:cs typeface="Calibri" panose="020F0502020204030204" pitchFamily="34" charset="0"/>
-              </a:rPr>
-              <a:pPr algn="r">
-                <a:defRPr/>
-              </a:pPr>
-              <a:t>6</a:t>
-            </a:fld>
-            <a:endParaRPr lang="en-US" altLang="zh-CN" sz="1400" dirty="0">
-              <a:latin typeface="Calibri" panose="020F0502020204030204" pitchFamily="34" charset="0"/>
-              <a:cs typeface="Calibri" panose="020F0502020204030204" pitchFamily="34" charset="0"/>
-            </a:endParaRPr>
-          </a:p>
-        </p:txBody>
-      </p:sp>
-    </p:spTree>
-    <p:extLst>
-      <p:ext uri="{BB962C8B-B14F-4D97-AF65-F5344CB8AC3E}">
-        <p14:creationId xmlns:p14="http://schemas.microsoft.com/office/powerpoint/2010/main" val="1463853810"/>
-      </p:ext>
-    </p:extLst>
-  </p:cSld>
-  <p:clrMapOvr>
-    <a:masterClrMapping/>
-  </p:clrMapOvr>
-  <p:transition spd="slow">
-    <p:push dir="u"/>
-  </p:transition>
-</p:sld>
-</file>
-
-<file path=ppt/slides/slide7.xml><?xml version="1.0" encoding="utf-8"?>
-<p:sld xmlns:a="http://schemas.openxmlformats.org/drawingml/2006/main" xmlns:r="http://schemas.openxmlformats.org/officeDocument/2006/relationships" xmlns:p="http://schemas.openxmlformats.org/presentationml/2006/main">
-  <p:cSld>
-    <p:spTree>
-      <p:nvGrpSpPr>
-        <p:cNvPr id="1" name=""/>
-        <p:cNvGrpSpPr/>
-        <p:nvPr/>
-      </p:nvGrpSpPr>
-      <p:grpSpPr>
-        <a:xfrm>
-          <a:off x="0" y="0"/>
-          <a:ext cx="0" cy="0"/>
-          <a:chOff x="0" y="0"/>
-          <a:chExt cx="0" cy="0"/>
-        </a:xfrm>
-      </p:grpSpPr>
-      <p:sp>
-        <p:nvSpPr>
           <p:cNvPr id="2" name="Title 1"/>
           <p:cNvSpPr>
             <a:spLocks noGrp="1"/>
@@ -13955,7 +13644,7 @@
               <a:pPr>
                 <a:defRPr/>
               </a:pPr>
-              <a:t>7</a:t>
+              <a:t>6</a:t>
             </a:fld>
             <a:endParaRPr lang="en-US" altLang="zh-CN" dirty="0"/>
           </a:p>
@@ -14440,7 +14129,7 @@
 </p:sld>
 </file>
 
-<file path=ppt/slides/slide8.xml><?xml version="1.0" encoding="utf-8"?>
+<file path=ppt/slides/slide7.xml><?xml version="1.0" encoding="utf-8"?>
 <p:sld xmlns:a="http://schemas.openxmlformats.org/drawingml/2006/main" xmlns:r="http://schemas.openxmlformats.org/officeDocument/2006/relationships" xmlns:p="http://schemas.openxmlformats.org/presentationml/2006/main">
   <p:cSld>
     <p:spTree>
@@ -14661,7 +14350,7 @@
               <a:pPr>
                 <a:defRPr/>
               </a:pPr>
-              <a:t>8</a:t>
+              <a:t>7</a:t>
             </a:fld>
             <a:endParaRPr lang="en-US" altLang="zh-CN"/>
           </a:p>
@@ -14846,7 +14535,7 @@
 </p:sld>
 </file>
 
-<file path=ppt/slides/slide9.xml><?xml version="1.0" encoding="utf-8"?>
+<file path=ppt/slides/slide8.xml><?xml version="1.0" encoding="utf-8"?>
 <p:sld xmlns:a="http://schemas.openxmlformats.org/drawingml/2006/main" xmlns:r="http://schemas.openxmlformats.org/officeDocument/2006/relationships" xmlns:p="http://schemas.openxmlformats.org/presentationml/2006/main">
   <p:cSld>
     <p:spTree>
@@ -15005,7 +14694,7 @@
               <a:pPr>
                 <a:defRPr/>
               </a:pPr>
-              <a:t>9</a:t>
+              <a:t>8</a:t>
             </a:fld>
             <a:endParaRPr lang="en-US" altLang="zh-CN" dirty="0"/>
           </a:p>
@@ -15015,6 +14704,289 @@
     <p:extLst>
       <p:ext uri="{BB962C8B-B14F-4D97-AF65-F5344CB8AC3E}">
         <p14:creationId xmlns:p14="http://schemas.microsoft.com/office/powerpoint/2010/main" val="256002898"/>
+      </p:ext>
+    </p:extLst>
+  </p:cSld>
+  <p:clrMapOvr>
+    <a:masterClrMapping/>
+  </p:clrMapOvr>
+</p:sld>
+</file>
+
+<file path=ppt/slides/slide9.xml><?xml version="1.0" encoding="utf-8"?>
+<p:sld xmlns:a="http://schemas.openxmlformats.org/drawingml/2006/main" xmlns:r="http://schemas.openxmlformats.org/officeDocument/2006/relationships" xmlns:p="http://schemas.openxmlformats.org/presentationml/2006/main">
+  <p:cSld>
+    <p:spTree>
+      <p:nvGrpSpPr>
+        <p:cNvPr id="1" name=""/>
+        <p:cNvGrpSpPr/>
+        <p:nvPr/>
+      </p:nvGrpSpPr>
+      <p:grpSpPr>
+        <a:xfrm>
+          <a:off x="0" y="0"/>
+          <a:ext cx="0" cy="0"/>
+          <a:chOff x="0" y="0"/>
+          <a:chExt cx="0" cy="0"/>
+        </a:xfrm>
+      </p:grpSpPr>
+      <p:sp>
+        <p:nvSpPr>
+          <p:cNvPr id="4" name="Footer Placeholder 3"/>
+          <p:cNvSpPr>
+            <a:spLocks noGrp="1"/>
+          </p:cNvSpPr>
+          <p:nvPr>
+            <p:ph type="ftr" sz="quarter" idx="11"/>
+          </p:nvPr>
+        </p:nvSpPr>
+        <p:spPr>
+          <a:xfrm>
+            <a:off x="3048000" y="4786312"/>
+            <a:ext cx="2895600" cy="357188"/>
+          </a:xfrm>
+        </p:spPr>
+        <p:txBody>
+          <a:bodyPr/>
+          <a:lstStyle/>
+          <a:p>
+            <a:r>
+              <a:rPr lang="en-CA" dirty="0"/>
+              <a:t>110</a:t>
+            </a:r>
+            <a:r>
+              <a:rPr lang="en-CA" baseline="30000" dirty="0"/>
+              <a:t>th</a:t>
+            </a:r>
+            <a:r>
+              <a:rPr lang="en-CA" dirty="0"/>
+              <a:t> IETF Online</a:t>
+            </a:r>
+          </a:p>
+        </p:txBody>
+      </p:sp>
+      <p:sp>
+        <p:nvSpPr>
+          <p:cNvPr id="5" name="Rectangle 2"/>
+          <p:cNvSpPr txBox="1">
+            <a:spLocks noChangeArrowheads="1"/>
+          </p:cNvSpPr>
+          <p:nvPr/>
+        </p:nvSpPr>
+        <p:spPr bwMode="auto">
+          <a:xfrm>
+            <a:off x="685800" y="1657350"/>
+            <a:ext cx="7772400" cy="1102519"/>
+          </a:xfrm>
+          <a:prstGeom prst="rect">
+            <a:avLst/>
+          </a:prstGeom>
+          <a:noFill/>
+          <a:ln w="9525">
+            <a:noFill/>
+            <a:miter lim="800000"/>
+            <a:headEnd/>
+            <a:tailEnd/>
+          </a:ln>
+          <a:effectLst/>
+        </p:spPr>
+        <p:txBody>
+          <a:bodyPr vert="horz" wrap="square" lIns="91440" tIns="45720" rIns="91440" bIns="45720" numCol="1" anchor="ctr" anchorCtr="0" compatLnSpc="1">
+            <a:prstTxWarp prst="textNoShape">
+              <a:avLst/>
+            </a:prstTxWarp>
+          </a:bodyPr>
+          <a:lstStyle>
+            <a:lvl1pPr algn="ctr" rtl="0" eaLnBrk="0" fontAlgn="base" hangingPunct="0">
+              <a:spcBef>
+                <a:spcPct val="0"/>
+              </a:spcBef>
+              <a:spcAft>
+                <a:spcPct val="0"/>
+              </a:spcAft>
+              <a:defRPr sz="4400">
+                <a:solidFill>
+                  <a:schemeClr val="tx2"/>
+                </a:solidFill>
+                <a:latin typeface="+mj-lt"/>
+                <a:ea typeface="+mj-ea"/>
+                <a:cs typeface="+mj-cs"/>
+              </a:defRPr>
+            </a:lvl1pPr>
+            <a:lvl2pPr algn="ctr" rtl="0" eaLnBrk="0" fontAlgn="base" hangingPunct="0">
+              <a:spcBef>
+                <a:spcPct val="0"/>
+              </a:spcBef>
+              <a:spcAft>
+                <a:spcPct val="0"/>
+              </a:spcAft>
+              <a:defRPr sz="4400">
+                <a:solidFill>
+                  <a:schemeClr val="tx2"/>
+                </a:solidFill>
+                <a:latin typeface="Arial" charset="0"/>
+                <a:ea typeface="宋体" pitchFamily="2" charset="-122"/>
+              </a:defRPr>
+            </a:lvl2pPr>
+            <a:lvl3pPr algn="ctr" rtl="0" eaLnBrk="0" fontAlgn="base" hangingPunct="0">
+              <a:spcBef>
+                <a:spcPct val="0"/>
+              </a:spcBef>
+              <a:spcAft>
+                <a:spcPct val="0"/>
+              </a:spcAft>
+              <a:defRPr sz="4400">
+                <a:solidFill>
+                  <a:schemeClr val="tx2"/>
+                </a:solidFill>
+                <a:latin typeface="Arial" charset="0"/>
+                <a:ea typeface="宋体" pitchFamily="2" charset="-122"/>
+              </a:defRPr>
+            </a:lvl3pPr>
+            <a:lvl4pPr algn="ctr" rtl="0" eaLnBrk="0" fontAlgn="base" hangingPunct="0">
+              <a:spcBef>
+                <a:spcPct val="0"/>
+              </a:spcBef>
+              <a:spcAft>
+                <a:spcPct val="0"/>
+              </a:spcAft>
+              <a:defRPr sz="4400">
+                <a:solidFill>
+                  <a:schemeClr val="tx2"/>
+                </a:solidFill>
+                <a:latin typeface="Arial" charset="0"/>
+                <a:ea typeface="宋体" pitchFamily="2" charset="-122"/>
+              </a:defRPr>
+            </a:lvl4pPr>
+            <a:lvl5pPr algn="ctr" rtl="0" eaLnBrk="0" fontAlgn="base" hangingPunct="0">
+              <a:spcBef>
+                <a:spcPct val="0"/>
+              </a:spcBef>
+              <a:spcAft>
+                <a:spcPct val="0"/>
+              </a:spcAft>
+              <a:defRPr sz="4400">
+                <a:solidFill>
+                  <a:schemeClr val="tx2"/>
+                </a:solidFill>
+                <a:latin typeface="Arial" charset="0"/>
+                <a:ea typeface="宋体" pitchFamily="2" charset="-122"/>
+              </a:defRPr>
+            </a:lvl5pPr>
+            <a:lvl6pPr marL="457200" algn="ctr" rtl="0" fontAlgn="base">
+              <a:spcBef>
+                <a:spcPct val="0"/>
+              </a:spcBef>
+              <a:spcAft>
+                <a:spcPct val="0"/>
+              </a:spcAft>
+              <a:defRPr sz="4400">
+                <a:solidFill>
+                  <a:schemeClr val="tx2"/>
+                </a:solidFill>
+                <a:latin typeface="Arial" charset="0"/>
+                <a:ea typeface="宋体" pitchFamily="2" charset="-122"/>
+              </a:defRPr>
+            </a:lvl6pPr>
+            <a:lvl7pPr marL="914400" algn="ctr" rtl="0" fontAlgn="base">
+              <a:spcBef>
+                <a:spcPct val="0"/>
+              </a:spcBef>
+              <a:spcAft>
+                <a:spcPct val="0"/>
+              </a:spcAft>
+              <a:defRPr sz="4400">
+                <a:solidFill>
+                  <a:schemeClr val="tx2"/>
+                </a:solidFill>
+                <a:latin typeface="Arial" charset="0"/>
+                <a:ea typeface="宋体" pitchFamily="2" charset="-122"/>
+              </a:defRPr>
+            </a:lvl7pPr>
+            <a:lvl8pPr marL="1371600" algn="ctr" rtl="0" fontAlgn="base">
+              <a:spcBef>
+                <a:spcPct val="0"/>
+              </a:spcBef>
+              <a:spcAft>
+                <a:spcPct val="0"/>
+              </a:spcAft>
+              <a:defRPr sz="4400">
+                <a:solidFill>
+                  <a:schemeClr val="tx2"/>
+                </a:solidFill>
+                <a:latin typeface="Arial" charset="0"/>
+                <a:ea typeface="宋体" pitchFamily="2" charset="-122"/>
+              </a:defRPr>
+            </a:lvl8pPr>
+            <a:lvl9pPr marL="1828800" algn="ctr" rtl="0" fontAlgn="base">
+              <a:spcBef>
+                <a:spcPct val="0"/>
+              </a:spcBef>
+              <a:spcAft>
+                <a:spcPct val="0"/>
+              </a:spcAft>
+              <a:defRPr sz="4400">
+                <a:solidFill>
+                  <a:schemeClr val="tx2"/>
+                </a:solidFill>
+                <a:latin typeface="Arial" charset="0"/>
+                <a:ea typeface="宋体" pitchFamily="2" charset="-122"/>
+              </a:defRPr>
+            </a:lvl9pPr>
+          </a:lstStyle>
+          <a:p>
+            <a:pPr eaLnBrk="1" hangingPunct="1">
+              <a:defRPr/>
+            </a:pPr>
+            <a:r>
+              <a:rPr lang="en-US" altLang="zh-CN" sz="4000" kern="0" dirty="0">
+                <a:effectLst>
+                  <a:outerShdw blurRad="38100" dist="38100" dir="2700000" algn="tl">
+                    <a:srgbClr val="C0C0C0"/>
+                  </a:outerShdw>
+                </a:effectLst>
+                <a:latin typeface="Calibri" charset="0"/>
+                <a:ea typeface="Calibri" charset="0"/>
+                <a:cs typeface="Calibri" charset="0"/>
+              </a:rPr>
+              <a:t>Thank you</a:t>
+            </a:r>
+          </a:p>
+        </p:txBody>
+      </p:sp>
+      <p:sp>
+        <p:nvSpPr>
+          <p:cNvPr id="2" name="Slide Number Placeholder 1"/>
+          <p:cNvSpPr>
+            <a:spLocks noGrp="1"/>
+          </p:cNvSpPr>
+          <p:nvPr>
+            <p:ph type="sldNum" sz="quarter" idx="12"/>
+          </p:nvPr>
+        </p:nvSpPr>
+        <p:spPr/>
+        <p:txBody>
+          <a:bodyPr/>
+          <a:lstStyle/>
+          <a:p>
+            <a:pPr>
+              <a:defRPr/>
+            </a:pPr>
+            <a:fld id="{BD6E0F59-1DD8-40FC-9C92-B6295CBA6CCA}" type="slidenum">
+              <a:rPr lang="en-US" altLang="zh-CN" smtClean="0"/>
+              <a:pPr>
+                <a:defRPr/>
+              </a:pPr>
+              <a:t>9</a:t>
+            </a:fld>
+            <a:endParaRPr lang="en-US" altLang="zh-CN" dirty="0"/>
+          </a:p>
+        </p:txBody>
+      </p:sp>
+    </p:spTree>
+    <p:extLst>
+      <p:ext uri="{BB962C8B-B14F-4D97-AF65-F5344CB8AC3E}">
+        <p14:creationId xmlns:p14="http://schemas.microsoft.com/office/powerpoint/2010/main" val="1091639292"/>
       </p:ext>
     </p:extLst>
   </p:cSld>

--- a/draft-gandhi-ippm-stamp-direct-loss-00.pptx
+++ b/draft-gandhi-ippm-stamp-direct-loss-00.pptx
@@ -254,7 +254,7 @@
           <a:p>
             <a:fld id="{E8FA3DB5-7722-3F4F-947D-12B203669AD7}" type="datetimeFigureOut">
               <a:rPr lang="en-US" smtClean="0"/>
-              <a:t>2/2/21</a:t>
+              <a:t>2/3/21</a:t>
             </a:fld>
             <a:endParaRPr lang="en-US"/>
           </a:p>
@@ -2287,7 +2287,7 @@
               </a14:hiddenLine>
             </a:ext>
             <a:ext uri="{FAA26D3D-D897-4be2-8F04-BA451C77F1D7}">
-              <ma14:placeholderFlag xmlns="" xmlns:ma14="http://schemas.microsoft.com/office/mac/drawingml/2011/main" val="1"/>
+              <ma14:placeholderFlag xmlns:ma14="http://schemas.microsoft.com/office/mac/drawingml/2011/main" xmlns="" val="1"/>
             </a:ext>
           </a:extLst>
         </p:spPr>
@@ -2718,14 +2718,14 @@
           </a:ln>
           <a:extLst>
             <a:ext uri="{909E8E84-426E-40dd-AFC4-6F175D3DCCD1}">
-              <a14:hiddenFill xmlns="" xmlns:a14="http://schemas.microsoft.com/office/drawing/2010/main">
+              <a14:hiddenFill xmlns:a14="http://schemas.microsoft.com/office/drawing/2010/main" xmlns="">
                 <a:solidFill>
                   <a:srgbClr val="FFFFFF"/>
                 </a:solidFill>
               </a14:hiddenFill>
             </a:ext>
             <a:ext uri="{91240B29-F687-4f45-9708-019B960494DF}">
-              <a14:hiddenLine xmlns="" xmlns:a14="http://schemas.microsoft.com/office/drawing/2010/main" w="9525">
+              <a14:hiddenLine xmlns:a14="http://schemas.microsoft.com/office/drawing/2010/main" xmlns="" w="9525">
                 <a:solidFill>
                   <a:srgbClr val="000000"/>
                 </a:solidFill>
@@ -5735,14 +5735,14 @@
               </a14:hiddenLine>
             </a:ext>
             <a:ext uri="{909E8E84-426E-40dd-AFC4-6F175D3DCCD1}">
-              <a14:hiddenFill xmlns="" xmlns:a14="http://schemas.microsoft.com/office/drawing/2010/main">
+              <a14:hiddenFill xmlns:a14="http://schemas.microsoft.com/office/drawing/2010/main" xmlns="">
                 <a:solidFill>
                   <a:srgbClr val="FFFFFF"/>
                 </a:solidFill>
               </a14:hiddenFill>
             </a:ext>
             <a:ext uri="{91240B29-F687-4f45-9708-019B960494DF}">
-              <a14:hiddenLine xmlns="" xmlns:a14="http://schemas.microsoft.com/office/drawing/2010/main" w="9525">
+              <a14:hiddenLine xmlns:a14="http://schemas.microsoft.com/office/drawing/2010/main" xmlns="" w="9525">
                 <a:solidFill>
                   <a:srgbClr val="000000"/>
                 </a:solidFill>
@@ -9775,7 +9775,7 @@
             </a:pPr>
             <a:r>
               <a:rPr lang="en-US" sz="1600" dirty="0"/>
-              <a:t>Avoid per test session provisioning on Session-Reflector</a:t>
+              <a:t>Avoid provisioning test sessions on Session-Reflector for stateless mode</a:t>
             </a:r>
           </a:p>
           <a:p>
@@ -9785,7 +9785,7 @@
             </a:pPr>
             <a:r>
               <a:rPr lang="en-US" sz="1600" dirty="0"/>
-              <a:t>Avoid control protocol for test sessions</a:t>
+              <a:t>Avoid control protocol for signaling dynamic parameters</a:t>
             </a:r>
           </a:p>
           <a:p>
@@ -9940,7 +9940,7 @@
                 <a:latin typeface="Calibri Light" panose="020F0302020204030204" pitchFamily="34" charset="0"/>
                 <a:cs typeface="Calibri Light" panose="020F0302020204030204" pitchFamily="34" charset="0"/>
               </a:rPr>
-              <a:t>Stand-alone Direct Measurement Test Packet for Packet Loss</a:t>
+              <a:t>Stand-alone Direct Measurement Test Packet for Data Packet Loss</a:t>
             </a:r>
           </a:p>
         </p:txBody>
@@ -10191,7 +10191,7 @@
             </a:pPr>
             <a:r>
               <a:rPr lang="en-US" sz="1100" kern="0" dirty="0"/>
-              <a:t>Well-known locations for transmit and receive traffic counters</a:t>
+              <a:t>Well-known locations for traffic counters</a:t>
             </a:r>
           </a:p>
           <a:p>
@@ -12797,7 +12797,7 @@
             <p:ph idx="1"/>
             <p:extLst>
               <p:ext uri="{D42A27DB-BD31-4B8C-83A1-F6EECF244321}">
-                <p14:modId xmlns:p14="http://schemas.microsoft.com/office/powerpoint/2010/main" val="7203499"/>
+                <p14:modId xmlns:p14="http://schemas.microsoft.com/office/powerpoint/2010/main" val="3137338328"/>
               </p:ext>
             </p:extLst>
           </p:nvPr>
@@ -12886,7 +12886,7 @@
                     <a:p>
                       <a:r>
                         <a:rPr lang="en-US" sz="1000" dirty="0"/>
-                        <a:t>Need TLV processing for each received packet on Session-Reflector in hardware</a:t>
+                        <a:t>Need to check TLV for each received packet on Session-Reflector in hardware</a:t>
                       </a:r>
                     </a:p>
                   </a:txBody>
@@ -14494,7 +14494,7 @@
                 <a:ea typeface="Calibri" panose="020F0502020204030204" pitchFamily="34" charset="0"/>
                 <a:cs typeface="Times New Roman" panose="02020603050405020304" pitchFamily="18" charset="0"/>
               </a:rPr>
-              <a:t> Session-Sender              Session-Reflector</a:t>
+              <a:t>Session-Sender               Session-Reflector</a:t>
             </a:r>
           </a:p>
           <a:p>

--- a/draft-gandhi-ippm-stamp-direct-loss-00.pptx
+++ b/draft-gandhi-ippm-stamp-direct-loss-00.pptx
@@ -254,7 +254,7 @@
           <a:p>
             <a:fld id="{E8FA3DB5-7722-3F4F-947D-12B203669AD7}" type="datetimeFigureOut">
               <a:rPr lang="en-US" smtClean="0"/>
-              <a:t>2/3/21</a:t>
+              <a:t>2/4/21</a:t>
             </a:fld>
             <a:endParaRPr lang="en-US"/>
           </a:p>
@@ -7812,7 +7812,7 @@
           <a:p>
             <a:pPr algn="l"/>
             <a:r>
-              <a:rPr lang="en-US" sz="2200" dirty="0">
+              <a:rPr lang="en-US" sz="3200" dirty="0">
                 <a:solidFill>
                   <a:srgbClr val="0070C0"/>
                 </a:solidFill>
@@ -10268,7 +10268,7 @@
             </a:pPr>
             <a:r>
               <a:rPr lang="en-US" sz="1100" kern="0" dirty="0"/>
-              <a:t>Sequence Numbers allow to detect direct measurement test packet loss for connectivity loss detection (session state)</a:t>
+              <a:t>Sequence Numbers allow to detect direct measurement test packet loss - connectivity loss detection (session state up/down)</a:t>
             </a:r>
           </a:p>
           <a:p>
@@ -12797,14 +12797,14 @@
             <p:ph idx="1"/>
             <p:extLst>
               <p:ext uri="{D42A27DB-BD31-4B8C-83A1-F6EECF244321}">
-                <p14:modId xmlns:p14="http://schemas.microsoft.com/office/powerpoint/2010/main" val="3137338328"/>
+                <p14:modId xmlns:p14="http://schemas.microsoft.com/office/powerpoint/2010/main" val="2265169935"/>
               </p:ext>
             </p:extLst>
           </p:nvPr>
         </p:nvGraphicFramePr>
         <p:xfrm>
           <a:off x="304800" y="696278"/>
-          <a:ext cx="8534400" cy="3657600"/>
+          <a:ext cx="8534400" cy="3810000"/>
         </p:xfrm>
         <a:graphic>
           <a:graphicData uri="http://schemas.openxmlformats.org/drawingml/2006/table">
@@ -12886,7 +12886,13 @@
                     <a:p>
                       <a:r>
                         <a:rPr lang="en-US" sz="1000" dirty="0"/>
-                        <a:t>Need to check TLV for each received packet on Session-Reflector in hardware</a:t>
+                        <a:t>Need to scan for DM TLV in each received packet on Session-Reflector in hardware </a:t>
+                      </a:r>
+                    </a:p>
+                    <a:p>
+                      <a:r>
+                        <a:rPr lang="en-US" sz="1000" dirty="0"/>
+                        <a:t>(there can be multiple different TLVs)</a:t>
                       </a:r>
                     </a:p>
                   </a:txBody>
@@ -13670,6 +13676,12 @@
           <a:prstGeom prst="rect">
             <a:avLst/>
           </a:prstGeom>
+          <a:solidFill>
+            <a:schemeClr val="accent6">
+              <a:lumMod val="20000"/>
+              <a:lumOff val="80000"/>
+            </a:schemeClr>
+          </a:solidFill>
           <a:ln>
             <a:solidFill>
               <a:schemeClr val="accent1"/>
@@ -14173,7 +14185,7 @@
           <a:lstStyle/>
           <a:p>
             <a:r>
-              <a:rPr lang="en-US" sz="3600" dirty="0">
+              <a:rPr lang="en-US" sz="3200" dirty="0">
                 <a:solidFill>
                   <a:srgbClr val="0070C0"/>
                 </a:solidFill>
@@ -14376,6 +14388,12 @@
           <a:prstGeom prst="rect">
             <a:avLst/>
           </a:prstGeom>
+          <a:solidFill>
+            <a:schemeClr val="accent6">
+              <a:lumMod val="20000"/>
+              <a:lumOff val="80000"/>
+            </a:schemeClr>
+          </a:solidFill>
           <a:ln>
             <a:solidFill>
               <a:schemeClr val="accent1"/>

--- a/draft-gandhi-ippm-stamp-direct-loss-00.pptx
+++ b/draft-gandhi-ippm-stamp-direct-loss-00.pptx
@@ -2287,7 +2287,7 @@
               </a14:hiddenLine>
             </a:ext>
             <a:ext uri="{FAA26D3D-D897-4be2-8F04-BA451C77F1D7}">
-              <ma14:placeholderFlag xmlns:ma14="http://schemas.microsoft.com/office/mac/drawingml/2011/main" xmlns="" val="1"/>
+              <ma14:placeholderFlag xmlns="" xmlns:ma14="http://schemas.microsoft.com/office/mac/drawingml/2011/main" val="1"/>
             </a:ext>
           </a:extLst>
         </p:spPr>
@@ -2718,14 +2718,14 @@
           </a:ln>
           <a:extLst>
             <a:ext uri="{909E8E84-426E-40dd-AFC4-6F175D3DCCD1}">
-              <a14:hiddenFill xmlns:a14="http://schemas.microsoft.com/office/drawing/2010/main" xmlns="">
+              <a14:hiddenFill xmlns="" xmlns:a14="http://schemas.microsoft.com/office/drawing/2010/main">
                 <a:solidFill>
                   <a:srgbClr val="FFFFFF"/>
                 </a:solidFill>
               </a14:hiddenFill>
             </a:ext>
             <a:ext uri="{91240B29-F687-4f45-9708-019B960494DF}">
-              <a14:hiddenLine xmlns:a14="http://schemas.microsoft.com/office/drawing/2010/main" xmlns="" w="9525">
+              <a14:hiddenLine xmlns="" xmlns:a14="http://schemas.microsoft.com/office/drawing/2010/main" w="9525">
                 <a:solidFill>
                   <a:srgbClr val="000000"/>
                 </a:solidFill>
@@ -5735,14 +5735,14 @@
               </a14:hiddenLine>
             </a:ext>
             <a:ext uri="{909E8E84-426E-40dd-AFC4-6F175D3DCCD1}">
-              <a14:hiddenFill xmlns:a14="http://schemas.microsoft.com/office/drawing/2010/main" xmlns="">
+              <a14:hiddenFill xmlns="" xmlns:a14="http://schemas.microsoft.com/office/drawing/2010/main">
                 <a:solidFill>
                   <a:srgbClr val="FFFFFF"/>
                 </a:solidFill>
               </a14:hiddenFill>
             </a:ext>
             <a:ext uri="{91240B29-F687-4f45-9708-019B960494DF}">
-              <a14:hiddenLine xmlns:a14="http://schemas.microsoft.com/office/drawing/2010/main" xmlns="" w="9525">
+              <a14:hiddenLine xmlns="" xmlns:a14="http://schemas.microsoft.com/office/drawing/2010/main" w="9525">
                 <a:solidFill>
                   <a:srgbClr val="000000"/>
                 </a:solidFill>
@@ -10169,7 +10169,7 @@
             </a:pPr>
             <a:r>
               <a:rPr lang="en-US" sz="1100" kern="0" dirty="0"/>
-              <a:t>Stand-alone Direct Measurement test packet defined</a:t>
+              <a:t>Stand-alone Base Direct Measurement test packet defined</a:t>
             </a:r>
           </a:p>
           <a:p>
@@ -10235,7 +10235,7 @@
             </a:pPr>
             <a:r>
               <a:rPr lang="en-US" sz="1100" kern="0" dirty="0"/>
-              <a:t>User-configured destination UDP Port is used for identifying direct measurement test packets</a:t>
+              <a:t>User-configured destination UDP Port is used for identifying direct measurement test packets (different than port 862)</a:t>
             </a:r>
           </a:p>
           <a:p>
@@ -10257,7 +10257,7 @@
             </a:pPr>
             <a:r>
               <a:rPr lang="en-US" sz="1100" kern="0" dirty="0"/>
-              <a:t>Other than Timestamp vs. Counter in the test packet, the protocol is same as STAMP</a:t>
+              <a:t>Other than Timestamp vs. Counter, the DM test packet format is same as Base STAMP test packet</a:t>
             </a:r>
           </a:p>
           <a:p>
@@ -10268,7 +10268,7 @@
             </a:pPr>
             <a:r>
               <a:rPr lang="en-US" sz="1100" kern="0" dirty="0"/>
-              <a:t>Sequence Numbers allow to detect direct measurement test packet loss - connectivity loss detection (session state up/down)</a:t>
+              <a:t>Sequence Numbers allow to detect direct measurement test packet loss - Detect session state up/down</a:t>
             </a:r>
           </a:p>
           <a:p>
@@ -12797,7 +12797,7 @@
             <p:ph idx="1"/>
             <p:extLst>
               <p:ext uri="{D42A27DB-BD31-4B8C-83A1-F6EECF244321}">
-                <p14:modId xmlns:p14="http://schemas.microsoft.com/office/powerpoint/2010/main" val="2265169935"/>
+                <p14:modId xmlns:p14="http://schemas.microsoft.com/office/powerpoint/2010/main" val="230414110"/>
               </p:ext>
             </p:extLst>
           </p:nvPr>
@@ -12820,14 +12820,14 @@
                     </a:ext>
                   </a:extLst>
                 </a:gridCol>
-                <a:gridCol w="2438400">
+                <a:gridCol w="2590800">
                   <a:extLst>
                     <a:ext uri="{9D8B030D-6E8A-4147-A177-3AD203B41FA5}">
                       <a16:colId xmlns:a16="http://schemas.microsoft.com/office/drawing/2014/main" val="2450600246"/>
                     </a:ext>
                   </a:extLst>
                 </a:gridCol>
-                <a:gridCol w="2971800">
+                <a:gridCol w="2819400">
                   <a:extLst>
                     <a:ext uri="{9D8B030D-6E8A-4147-A177-3AD203B41FA5}">
                       <a16:colId xmlns:a16="http://schemas.microsoft.com/office/drawing/2014/main" val="3735205648"/>
@@ -12886,13 +12886,13 @@
                     <a:p>
                       <a:r>
                         <a:rPr lang="en-US" sz="1000" dirty="0"/>
-                        <a:t>Need to scan for DM TLV in each received packet on Session-Reflector in hardware </a:t>
+                        <a:t>Need to scan for DM TLV in each received test packet on Session-Reflector in hardware </a:t>
                       </a:r>
                     </a:p>
                     <a:p>
                       <a:r>
                         <a:rPr lang="en-US" sz="1000" dirty="0"/>
-                        <a:t>(there can be multiple different TLVs)</a:t>
+                        <a:t>(there can be multiple TLVs)</a:t>
                       </a:r>
                     </a:p>
                   </a:txBody>
@@ -12994,7 +12994,7 @@
                             <a:srgbClr val="0070C0"/>
                           </a:solidFill>
                         </a:rPr>
-                        <a:t>Minimum bytes to load in write-able memory in hardware</a:t>
+                        <a:t>Minimum bytes to load in write-able memory in hardware (not accounting multiple TLVs)</a:t>
                       </a:r>
                     </a:p>
                   </a:txBody>

--- a/draft-gandhi-ippm-stamp-direct-loss-00.pptx
+++ b/draft-gandhi-ippm-stamp-direct-loss-00.pptx
@@ -2287,7 +2287,7 @@
               </a14:hiddenLine>
             </a:ext>
             <a:ext uri="{FAA26D3D-D897-4be2-8F04-BA451C77F1D7}">
-              <ma14:placeholderFlag xmlns="" xmlns:ma14="http://schemas.microsoft.com/office/mac/drawingml/2011/main" val="1"/>
+              <ma14:placeholderFlag xmlns:ma14="http://schemas.microsoft.com/office/mac/drawingml/2011/main" xmlns="" val="1"/>
             </a:ext>
           </a:extLst>
         </p:spPr>
@@ -2718,14 +2718,14 @@
           </a:ln>
           <a:extLst>
             <a:ext uri="{909E8E84-426E-40dd-AFC4-6F175D3DCCD1}">
-              <a14:hiddenFill xmlns="" xmlns:a14="http://schemas.microsoft.com/office/drawing/2010/main">
+              <a14:hiddenFill xmlns:a14="http://schemas.microsoft.com/office/drawing/2010/main" xmlns="">
                 <a:solidFill>
                   <a:srgbClr val="FFFFFF"/>
                 </a:solidFill>
               </a14:hiddenFill>
             </a:ext>
             <a:ext uri="{91240B29-F687-4f45-9708-019B960494DF}">
-              <a14:hiddenLine xmlns="" xmlns:a14="http://schemas.microsoft.com/office/drawing/2010/main" w="9525">
+              <a14:hiddenLine xmlns:a14="http://schemas.microsoft.com/office/drawing/2010/main" xmlns="" w="9525">
                 <a:solidFill>
                   <a:srgbClr val="000000"/>
                 </a:solidFill>
@@ -5735,14 +5735,14 @@
               </a14:hiddenLine>
             </a:ext>
             <a:ext uri="{909E8E84-426E-40dd-AFC4-6F175D3DCCD1}">
-              <a14:hiddenFill xmlns="" xmlns:a14="http://schemas.microsoft.com/office/drawing/2010/main">
+              <a14:hiddenFill xmlns:a14="http://schemas.microsoft.com/office/drawing/2010/main" xmlns="">
                 <a:solidFill>
                   <a:srgbClr val="FFFFFF"/>
                 </a:solidFill>
               </a14:hiddenFill>
             </a:ext>
             <a:ext uri="{91240B29-F687-4f45-9708-019B960494DF}">
-              <a14:hiddenLine xmlns="" xmlns:a14="http://schemas.microsoft.com/office/drawing/2010/main" w="9525">
+              <a14:hiddenLine xmlns:a14="http://schemas.microsoft.com/office/drawing/2010/main" xmlns="" w="9525">
                 <a:solidFill>
                   <a:srgbClr val="000000"/>
                 </a:solidFill>
@@ -7832,8 +7832,8 @@
         </p:nvSpPr>
         <p:spPr>
           <a:xfrm>
-            <a:off x="240655" y="733725"/>
-            <a:ext cx="4310743" cy="4016484"/>
+            <a:off x="222352" y="659773"/>
+            <a:ext cx="4310743" cy="4131900"/>
           </a:xfrm>
           <a:prstGeom prst="rect">
             <a:avLst/>
@@ -7982,7 +7982,7 @@
                 <a:ea typeface="Courier" charset="0"/>
                 <a:cs typeface="Courier" charset="0"/>
               </a:rPr>
-              <a:t>      |         Error Estimate        |                               |</a:t>
+              <a:t>      |         Error Estimate        |           SSID                |</a:t>
             </a:r>
           </a:p>
           <a:p>
@@ -7997,7 +7997,7 @@
                 <a:ea typeface="Courier" charset="0"/>
                 <a:cs typeface="Courier" charset="0"/>
               </a:rPr>
-              <a:t>      +-+-+-+-+-+-+-+-+-+-+-+-+-+-+-+-+                               |</a:t>
+              <a:t>      +-+-+-+-+-+-+-+-+-+-+-+-+-+-+-+-+-+-+-+-+-+-+-+-+-+-+-+-+-+-+-+-+</a:t>
             </a:r>
           </a:p>
           <a:p>
@@ -8057,7 +8057,7 @@
                 <a:ea typeface="Courier" charset="0"/>
                 <a:cs typeface="Courier" charset="0"/>
               </a:rPr>
-              <a:t>      |                         MBZ (30 octets)                       |</a:t>
+              <a:t>      |                         MBZ (28 octets)                       |</a:t>
             </a:r>
           </a:p>
           <a:p>
@@ -8192,22 +8192,18 @@
                 <a:ea typeface="Courier" charset="0"/>
                 <a:cs typeface="Courier" charset="0"/>
               </a:rPr>
-              <a:t>      ~                                                               ~</a:t>
-            </a:r>
-          </a:p>
-          <a:p>
-            <a:pPr>
-              <a:spcAft>
-                <a:spcPts val="0"/>
-              </a:spcAft>
-            </a:pPr>
-            <a:r>
-              <a:rPr lang="en-US" sz="750" dirty="0">
+              <a:t>      </a:t>
+            </a:r>
+            <a:r>
+              <a:rPr lang="en-US" sz="750" b="1" dirty="0">
+                <a:solidFill>
+                  <a:srgbClr val="7030A0"/>
+                </a:solidFill>
                 <a:latin typeface="Courier" pitchFamily="2" charset="0"/>
                 <a:ea typeface="Courier" charset="0"/>
                 <a:cs typeface="Courier" charset="0"/>
               </a:rPr>
-              <a:t>      +-+-+-+-+-+-+-+-+-+-+-+-+-+-+-+-+-+-+-+-+-+-+-+-+-+-+-+-+-+-+-+-+</a:t>
+              <a:t>~                                                               ~</a:t>
             </a:r>
           </a:p>
           <a:p>
@@ -8217,28 +8213,15 @@
               </a:spcAft>
             </a:pPr>
             <a:r>
-              <a:rPr lang="en-CA" sz="750" dirty="0">
-                <a:latin typeface="Courier" pitchFamily="2" charset="0"/>
-              </a:rPr>
-              <a:t>      |STAMP TLV Flags|  Type         |     Length                    |</a:t>
-            </a:r>
-          </a:p>
-          <a:p>
-            <a:pPr>
-              <a:spcAft>
-                <a:spcPts val="0"/>
-              </a:spcAft>
-            </a:pPr>
-            <a:r>
-              <a:rPr lang="en-US" sz="750" dirty="0">
-                <a:solidFill>
-                  <a:srgbClr val="0070C0"/>
+              <a:rPr lang="en-US" sz="750" b="1" dirty="0">
+                <a:solidFill>
+                  <a:srgbClr val="7030A0"/>
                 </a:solidFill>
                 <a:latin typeface="Courier" pitchFamily="2" charset="0"/>
                 <a:ea typeface="Courier" charset="0"/>
                 <a:cs typeface="Courier" charset="0"/>
               </a:rPr>
-              <a:t>      +-+-+-+-+-+-+-+-+-+-+-+-+-+-+-+-+-+-+-+-+-+-+-+-+-+-+-+-+-+-+-+-+</a:t>
+              <a:t>      ~                                                               ~</a:t>
             </a:r>
           </a:p>
           <a:p>
@@ -8248,152 +8231,204 @@
               </a:spcAft>
             </a:pPr>
             <a:r>
-              <a:rPr lang="en-US" sz="750" dirty="0">
-                <a:solidFill>
-                  <a:srgbClr val="0070C0"/>
+              <a:rPr lang="en-US" sz="750" b="1" dirty="0">
+                <a:solidFill>
+                  <a:srgbClr val="7030A0"/>
                 </a:solidFill>
                 <a:latin typeface="Courier" pitchFamily="2" charset="0"/>
                 <a:ea typeface="Courier" charset="0"/>
                 <a:cs typeface="Courier" charset="0"/>
               </a:rPr>
-              <a:t>      |             Session-Sender Tx counter  (</a:t>
-            </a:r>
-            <a:r>
-              <a:rPr lang="en-US" sz="750" dirty="0" err="1">
-                <a:solidFill>
-                  <a:srgbClr val="0070C0"/>
+              <a:t>      +-+-+-+-+-+-+-+-+-+-+-+-+-+-+-+-+-+-+-+-+-+-+-+-+-+-+-+-+-+-+-+-+</a:t>
+            </a:r>
+          </a:p>
+          <a:p>
+            <a:pPr>
+              <a:spcAft>
+                <a:spcPts val="0"/>
+              </a:spcAft>
+            </a:pPr>
+            <a:r>
+              <a:rPr lang="en-CA" sz="750" b="1" dirty="0">
+                <a:solidFill>
+                  <a:srgbClr val="7030A0"/>
+                </a:solidFill>
+                <a:latin typeface="Courier" pitchFamily="2" charset="0"/>
+              </a:rPr>
+              <a:t>      |STAMP TLV Flags|  Type         |     Length                    |</a:t>
+            </a:r>
+          </a:p>
+          <a:p>
+            <a:pPr>
+              <a:spcAft>
+                <a:spcPts val="0"/>
+              </a:spcAft>
+            </a:pPr>
+            <a:r>
+              <a:rPr lang="en-US" sz="750" b="1" dirty="0">
+                <a:solidFill>
+                  <a:srgbClr val="7030A0"/>
                 </a:solidFill>
                 <a:latin typeface="Courier" pitchFamily="2" charset="0"/>
                 <a:ea typeface="Courier" charset="0"/>
                 <a:cs typeface="Courier" charset="0"/>
               </a:rPr>
-              <a:t>S_TxC</a:t>
-            </a:r>
-            <a:r>
-              <a:rPr lang="en-US" sz="750" dirty="0">
-                <a:solidFill>
-                  <a:srgbClr val="0070C0"/>
+              <a:t>      +-+-+-+-+-+-+-+-+-+-+-+-+-+-+-+-+-+-+-+-+-+-+-+-+-+-+-+-+-+-+-+-+</a:t>
+            </a:r>
+          </a:p>
+          <a:p>
+            <a:pPr>
+              <a:spcAft>
+                <a:spcPts val="0"/>
+              </a:spcAft>
+            </a:pPr>
+            <a:r>
+              <a:rPr lang="en-US" sz="750" b="1" dirty="0">
+                <a:solidFill>
+                  <a:srgbClr val="7030A0"/>
                 </a:solidFill>
                 <a:latin typeface="Courier" pitchFamily="2" charset="0"/>
                 <a:ea typeface="Courier" charset="0"/>
                 <a:cs typeface="Courier" charset="0"/>
               </a:rPr>
-              <a:t>)                |</a:t>
-            </a:r>
-          </a:p>
-          <a:p>
-            <a:pPr>
-              <a:spcAft>
-                <a:spcPts val="0"/>
-              </a:spcAft>
-            </a:pPr>
-            <a:r>
-              <a:rPr lang="en-US" sz="750" dirty="0">
-                <a:solidFill>
-                  <a:srgbClr val="0070C0"/>
+              <a:t>      |             Session-Sender Tx counter  (</a:t>
+            </a:r>
+            <a:r>
+              <a:rPr lang="en-US" sz="750" b="1" dirty="0" err="1">
+                <a:solidFill>
+                  <a:srgbClr val="7030A0"/>
                 </a:solidFill>
                 <a:latin typeface="Courier" pitchFamily="2" charset="0"/>
                 <a:ea typeface="Courier" charset="0"/>
                 <a:cs typeface="Courier" charset="0"/>
               </a:rPr>
-              <a:t>      +-+-+-+-+-+-+-+-+-+-+-+-+-+-+-+-+-+-+-+-+-+-+-+-+-+-+-+-+-+-+-+-+</a:t>
-            </a:r>
-          </a:p>
-          <a:p>
-            <a:pPr>
-              <a:spcAft>
-                <a:spcPts val="0"/>
-              </a:spcAft>
-            </a:pPr>
-            <a:r>
-              <a:rPr lang="en-US" sz="750" dirty="0">
-                <a:solidFill>
-                  <a:srgbClr val="0070C0"/>
+              <a:t>S_TxC</a:t>
+            </a:r>
+            <a:r>
+              <a:rPr lang="en-US" sz="750" b="1" dirty="0">
+                <a:solidFill>
+                  <a:srgbClr val="7030A0"/>
                 </a:solidFill>
                 <a:latin typeface="Courier" pitchFamily="2" charset="0"/>
                 <a:ea typeface="Courier" charset="0"/>
                 <a:cs typeface="Courier" charset="0"/>
               </a:rPr>
-              <a:t>      |             Session-Reflector Rx counter  (</a:t>
-            </a:r>
-            <a:r>
-              <a:rPr lang="en-US" sz="750" dirty="0" err="1">
-                <a:solidFill>
-                  <a:srgbClr val="0070C0"/>
+              <a:t>)                |</a:t>
+            </a:r>
+          </a:p>
+          <a:p>
+            <a:pPr>
+              <a:spcAft>
+                <a:spcPts val="0"/>
+              </a:spcAft>
+            </a:pPr>
+            <a:r>
+              <a:rPr lang="en-US" sz="750" b="1" dirty="0">
+                <a:solidFill>
+                  <a:srgbClr val="7030A0"/>
                 </a:solidFill>
                 <a:latin typeface="Courier" pitchFamily="2" charset="0"/>
                 <a:ea typeface="Courier" charset="0"/>
                 <a:cs typeface="Courier" charset="0"/>
               </a:rPr>
-              <a:t>R_RxC</a:t>
-            </a:r>
-            <a:r>
-              <a:rPr lang="en-US" sz="750" dirty="0">
-                <a:solidFill>
-                  <a:srgbClr val="0070C0"/>
+              <a:t>      +-+-+-+-+-+-+-+-+-+-+-+-+-+-+-+-+-+-+-+-+-+-+-+-+-+-+-+-+-+-+-+-+</a:t>
+            </a:r>
+          </a:p>
+          <a:p>
+            <a:pPr>
+              <a:spcAft>
+                <a:spcPts val="0"/>
+              </a:spcAft>
+            </a:pPr>
+            <a:r>
+              <a:rPr lang="en-US" sz="750" b="1" dirty="0">
+                <a:solidFill>
+                  <a:srgbClr val="7030A0"/>
                 </a:solidFill>
                 <a:latin typeface="Courier" pitchFamily="2" charset="0"/>
                 <a:ea typeface="Courier" charset="0"/>
                 <a:cs typeface="Courier" charset="0"/>
               </a:rPr>
-              <a:t>)             |</a:t>
-            </a:r>
-          </a:p>
-          <a:p>
-            <a:pPr>
-              <a:spcAft>
-                <a:spcPts val="0"/>
-              </a:spcAft>
-            </a:pPr>
-            <a:r>
-              <a:rPr lang="en-US" sz="750" dirty="0">
-                <a:solidFill>
-                  <a:srgbClr val="0070C0"/>
+              <a:t>      |             Session-Reflector Rx counter  (</a:t>
+            </a:r>
+            <a:r>
+              <a:rPr lang="en-US" sz="750" b="1" dirty="0" err="1">
+                <a:solidFill>
+                  <a:srgbClr val="7030A0"/>
                 </a:solidFill>
                 <a:latin typeface="Courier" pitchFamily="2" charset="0"/>
                 <a:ea typeface="Courier" charset="0"/>
                 <a:cs typeface="Courier" charset="0"/>
               </a:rPr>
-              <a:t>      +-+-+-+-+-+-+-+-+-+-+-+-+-+-+-+-+-+-+-+-+-+-+-+-+-+-+-+-+-+-+-+-+</a:t>
-            </a:r>
-          </a:p>
-          <a:p>
-            <a:pPr>
-              <a:spcAft>
-                <a:spcPts val="0"/>
-              </a:spcAft>
-            </a:pPr>
-            <a:r>
-              <a:rPr lang="en-US" sz="750" dirty="0">
-                <a:solidFill>
-                  <a:srgbClr val="0070C0"/>
+              <a:t>R_RxC</a:t>
+            </a:r>
+            <a:r>
+              <a:rPr lang="en-US" sz="750" b="1" dirty="0">
+                <a:solidFill>
+                  <a:srgbClr val="7030A0"/>
                 </a:solidFill>
                 <a:latin typeface="Courier" pitchFamily="2" charset="0"/>
                 <a:ea typeface="Courier" charset="0"/>
                 <a:cs typeface="Courier" charset="0"/>
               </a:rPr>
-              <a:t>      |             Session-Reflector Tx counter  (</a:t>
-            </a:r>
-            <a:r>
-              <a:rPr lang="en-US" sz="750" dirty="0" err="1">
-                <a:solidFill>
-                  <a:srgbClr val="0070C0"/>
+              <a:t>)             |</a:t>
+            </a:r>
+          </a:p>
+          <a:p>
+            <a:pPr>
+              <a:spcAft>
+                <a:spcPts val="0"/>
+              </a:spcAft>
+            </a:pPr>
+            <a:r>
+              <a:rPr lang="en-US" sz="750" b="1" dirty="0">
+                <a:solidFill>
+                  <a:srgbClr val="7030A0"/>
                 </a:solidFill>
                 <a:latin typeface="Courier" pitchFamily="2" charset="0"/>
                 <a:ea typeface="Courier" charset="0"/>
                 <a:cs typeface="Courier" charset="0"/>
               </a:rPr>
-              <a:t>R_TxC</a:t>
-            </a:r>
-            <a:r>
-              <a:rPr lang="en-US" sz="750" dirty="0">
-                <a:solidFill>
-                  <a:srgbClr val="0070C0"/>
+              <a:t>      +-+-+-+-+-+-+-+-+-+-+-+-+-+-+-+-+-+-+-+-+-+-+-+-+-+-+-+-+-+-+-+-+</a:t>
+            </a:r>
+          </a:p>
+          <a:p>
+            <a:pPr>
+              <a:spcAft>
+                <a:spcPts val="0"/>
+              </a:spcAft>
+            </a:pPr>
+            <a:r>
+              <a:rPr lang="en-US" sz="750" b="1" dirty="0">
+                <a:solidFill>
+                  <a:srgbClr val="7030A0"/>
                 </a:solidFill>
                 <a:latin typeface="Courier" pitchFamily="2" charset="0"/>
                 <a:ea typeface="Courier" charset="0"/>
                 <a:cs typeface="Courier" charset="0"/>
               </a:rPr>
+              <a:t>      |             Session-Reflector Tx counter  (</a:t>
+            </a:r>
+            <a:r>
+              <a:rPr lang="en-US" sz="750" b="1" dirty="0" err="1">
+                <a:solidFill>
+                  <a:srgbClr val="7030A0"/>
+                </a:solidFill>
+                <a:latin typeface="Courier" pitchFamily="2" charset="0"/>
+                <a:ea typeface="Courier" charset="0"/>
+                <a:cs typeface="Courier" charset="0"/>
+              </a:rPr>
+              <a:t>R_TxC</a:t>
+            </a:r>
+            <a:r>
+              <a:rPr lang="en-US" sz="750" b="1" dirty="0">
+                <a:solidFill>
+                  <a:srgbClr val="7030A0"/>
+                </a:solidFill>
+                <a:latin typeface="Courier" pitchFamily="2" charset="0"/>
+                <a:ea typeface="Courier" charset="0"/>
+                <a:cs typeface="Courier" charset="0"/>
+              </a:rPr>
               <a:t>)             |</a:t>
             </a:r>
           </a:p>
@@ -8404,9 +8439,9 @@
               </a:spcAft>
             </a:pPr>
             <a:r>
-              <a:rPr lang="en-US" sz="750" dirty="0">
-                <a:solidFill>
-                  <a:srgbClr val="0070C0"/>
+              <a:rPr lang="en-US" sz="750" b="1" dirty="0">
+                <a:solidFill>
+                  <a:srgbClr val="7030A0"/>
                 </a:solidFill>
                 <a:latin typeface="Courier" pitchFamily="2" charset="0"/>
                 <a:ea typeface="Courier" charset="0"/>
@@ -8461,8 +8496,8 @@
         </p:nvSpPr>
         <p:spPr>
           <a:xfrm>
-            <a:off x="4507855" y="733725"/>
-            <a:ext cx="4368799" cy="4016484"/>
+            <a:off x="4489552" y="659773"/>
+            <a:ext cx="4368799" cy="4131900"/>
           </a:xfrm>
           <a:prstGeom prst="rect">
             <a:avLst/>
@@ -8611,7 +8646,7 @@
                 <a:ea typeface="Courier" charset="0"/>
                 <a:cs typeface="Courier" charset="0"/>
               </a:rPr>
-              <a:t>    |         Error Estimate        |           MBZ                 |</a:t>
+              <a:t>    |         Error Estimate        |           SSID                 |</a:t>
             </a:r>
           </a:p>
           <a:p>
@@ -8833,26 +8868,25 @@
             </a:pPr>
             <a:r>
               <a:rPr lang="en-US" sz="750" dirty="0">
+                <a:solidFill>
+                  <a:srgbClr val="7030A0"/>
+                </a:solidFill>
                 <a:latin typeface="Courier" pitchFamily="2" charset="0"/>
                 <a:ea typeface="Courier" charset="0"/>
                 <a:cs typeface="Courier" charset="0"/>
               </a:rPr>
-              <a:t>    ~                                                               ~</a:t>
-            </a:r>
-          </a:p>
-          <a:p>
-            <a:pPr>
-              <a:spcAft>
-                <a:spcPts val="0"/>
-              </a:spcAft>
-            </a:pPr>
-            <a:r>
-              <a:rPr lang="en-US" sz="750" dirty="0">
+              <a:t>    </a:t>
+            </a:r>
+            <a:r>
+              <a:rPr lang="en-US" sz="750" b="1" dirty="0">
+                <a:solidFill>
+                  <a:srgbClr val="7030A0"/>
+                </a:solidFill>
                 <a:latin typeface="Courier" pitchFamily="2" charset="0"/>
                 <a:ea typeface="Courier" charset="0"/>
                 <a:cs typeface="Courier" charset="0"/>
               </a:rPr>
-              <a:t>    +-+-+-+-+-+-+-+-+-+-+-+-+-+-+-+-+-+-+-+-+-+-+-+-+-+-+-+-+-+-+-+-+</a:t>
+              <a:t>~                                                               ~</a:t>
             </a:r>
           </a:p>
           <a:p>
@@ -8862,28 +8896,15 @@
               </a:spcAft>
             </a:pPr>
             <a:r>
-              <a:rPr lang="en-CA" sz="750" dirty="0">
-                <a:latin typeface="Courier" pitchFamily="2" charset="0"/>
-              </a:rPr>
-              <a:t>    |STAMP TLV Flags|  Type         |     Length                    |</a:t>
-            </a:r>
-          </a:p>
-          <a:p>
-            <a:pPr>
-              <a:spcAft>
-                <a:spcPts val="0"/>
-              </a:spcAft>
-            </a:pPr>
-            <a:r>
-              <a:rPr lang="en-US" sz="750" dirty="0">
-                <a:solidFill>
-                  <a:srgbClr val="0070C0"/>
+              <a:rPr lang="en-US" sz="750" b="1" dirty="0">
+                <a:solidFill>
+                  <a:srgbClr val="7030A0"/>
                 </a:solidFill>
                 <a:latin typeface="Courier" pitchFamily="2" charset="0"/>
                 <a:ea typeface="Courier" charset="0"/>
                 <a:cs typeface="Courier" charset="0"/>
               </a:rPr>
-              <a:t>    +-+-+-+-+-+-+-+-+-+-+-+-+-+-+-+-+-+-+-+-+-+-+-+-+-+-+-+-+-+-+-+-+</a:t>
+              <a:t>    ~                                                               ~</a:t>
             </a:r>
           </a:p>
           <a:p>
@@ -8893,152 +8914,204 @@
               </a:spcAft>
             </a:pPr>
             <a:r>
-              <a:rPr lang="en-US" sz="750" dirty="0">
-                <a:solidFill>
-                  <a:srgbClr val="0070C0"/>
+              <a:rPr lang="en-US" sz="750" b="1" dirty="0">
+                <a:solidFill>
+                  <a:srgbClr val="7030A0"/>
                 </a:solidFill>
                 <a:latin typeface="Courier" pitchFamily="2" charset="0"/>
                 <a:ea typeface="Courier" charset="0"/>
                 <a:cs typeface="Courier" charset="0"/>
               </a:rPr>
-              <a:t>    |             Session-Sender Tx counter  (</a:t>
-            </a:r>
-            <a:r>
-              <a:rPr lang="en-US" sz="750" dirty="0" err="1">
-                <a:solidFill>
-                  <a:srgbClr val="0070C0"/>
+              <a:t>    +-+-+-+-+-+-+-+-+-+-+-+-+-+-+-+-+-+-+-+-+-+-+-+-+-+-+-+-+-+-+-+-+</a:t>
+            </a:r>
+          </a:p>
+          <a:p>
+            <a:pPr>
+              <a:spcAft>
+                <a:spcPts val="0"/>
+              </a:spcAft>
+            </a:pPr>
+            <a:r>
+              <a:rPr lang="en-CA" sz="750" b="1" dirty="0">
+                <a:solidFill>
+                  <a:srgbClr val="7030A0"/>
+                </a:solidFill>
+                <a:latin typeface="Courier" pitchFamily="2" charset="0"/>
+              </a:rPr>
+              <a:t>    |STAMP TLV Flags|  Type         |     Length                    |</a:t>
+            </a:r>
+          </a:p>
+          <a:p>
+            <a:pPr>
+              <a:spcAft>
+                <a:spcPts val="0"/>
+              </a:spcAft>
+            </a:pPr>
+            <a:r>
+              <a:rPr lang="en-US" sz="750" b="1" dirty="0">
+                <a:solidFill>
+                  <a:srgbClr val="7030A0"/>
                 </a:solidFill>
                 <a:latin typeface="Courier" pitchFamily="2" charset="0"/>
                 <a:ea typeface="Courier" charset="0"/>
                 <a:cs typeface="Courier" charset="0"/>
               </a:rPr>
-              <a:t>S_TxC</a:t>
-            </a:r>
-            <a:r>
-              <a:rPr lang="en-US" sz="750" dirty="0">
-                <a:solidFill>
-                  <a:srgbClr val="0070C0"/>
+              <a:t>    +-+-+-+-+-+-+-+-+-+-+-+-+-+-+-+-+-+-+-+-+-+-+-+-+-+-+-+-+-+-+-+-+</a:t>
+            </a:r>
+          </a:p>
+          <a:p>
+            <a:pPr>
+              <a:spcAft>
+                <a:spcPts val="0"/>
+              </a:spcAft>
+            </a:pPr>
+            <a:r>
+              <a:rPr lang="en-US" sz="750" b="1" dirty="0">
+                <a:solidFill>
+                  <a:srgbClr val="7030A0"/>
                 </a:solidFill>
                 <a:latin typeface="Courier" pitchFamily="2" charset="0"/>
                 <a:ea typeface="Courier" charset="0"/>
                 <a:cs typeface="Courier" charset="0"/>
               </a:rPr>
-              <a:t>)                |</a:t>
-            </a:r>
-          </a:p>
-          <a:p>
-            <a:pPr>
-              <a:spcAft>
-                <a:spcPts val="0"/>
-              </a:spcAft>
-            </a:pPr>
-            <a:r>
-              <a:rPr lang="en-US" sz="750" dirty="0">
-                <a:solidFill>
-                  <a:srgbClr val="0070C0"/>
+              <a:t>    |             Session-Sender Tx counter  (</a:t>
+            </a:r>
+            <a:r>
+              <a:rPr lang="en-US" sz="750" b="1" dirty="0" err="1">
+                <a:solidFill>
+                  <a:srgbClr val="7030A0"/>
                 </a:solidFill>
                 <a:latin typeface="Courier" pitchFamily="2" charset="0"/>
                 <a:ea typeface="Courier" charset="0"/>
                 <a:cs typeface="Courier" charset="0"/>
               </a:rPr>
-              <a:t>    +-+-+-+-+-+-+-+-+-+-+-+-+-+-+-+-+-+-+-+-+-+-+-+-+-+-+-+-+-+-+-+-+</a:t>
-            </a:r>
-          </a:p>
-          <a:p>
-            <a:pPr>
-              <a:spcAft>
-                <a:spcPts val="0"/>
-              </a:spcAft>
-            </a:pPr>
-            <a:r>
-              <a:rPr lang="en-US" sz="750" dirty="0">
-                <a:solidFill>
-                  <a:srgbClr val="0070C0"/>
+              <a:t>S_TxC</a:t>
+            </a:r>
+            <a:r>
+              <a:rPr lang="en-US" sz="750" b="1" dirty="0">
+                <a:solidFill>
+                  <a:srgbClr val="7030A0"/>
                 </a:solidFill>
                 <a:latin typeface="Courier" pitchFamily="2" charset="0"/>
                 <a:ea typeface="Courier" charset="0"/>
                 <a:cs typeface="Courier" charset="0"/>
               </a:rPr>
-              <a:t>    |             Session-Reflector Rx counter  (</a:t>
-            </a:r>
-            <a:r>
-              <a:rPr lang="en-US" sz="750" dirty="0" err="1">
-                <a:solidFill>
-                  <a:srgbClr val="0070C0"/>
+              <a:t>)                |</a:t>
+            </a:r>
+          </a:p>
+          <a:p>
+            <a:pPr>
+              <a:spcAft>
+                <a:spcPts val="0"/>
+              </a:spcAft>
+            </a:pPr>
+            <a:r>
+              <a:rPr lang="en-US" sz="750" b="1" dirty="0">
+                <a:solidFill>
+                  <a:srgbClr val="7030A0"/>
                 </a:solidFill>
                 <a:latin typeface="Courier" pitchFamily="2" charset="0"/>
                 <a:ea typeface="Courier" charset="0"/>
                 <a:cs typeface="Courier" charset="0"/>
               </a:rPr>
-              <a:t>R_RxC</a:t>
-            </a:r>
-            <a:r>
-              <a:rPr lang="en-US" sz="750" dirty="0">
-                <a:solidFill>
-                  <a:srgbClr val="0070C0"/>
+              <a:t>    +-+-+-+-+-+-+-+-+-+-+-+-+-+-+-+-+-+-+-+-+-+-+-+-+-+-+-+-+-+-+-+-+</a:t>
+            </a:r>
+          </a:p>
+          <a:p>
+            <a:pPr>
+              <a:spcAft>
+                <a:spcPts val="0"/>
+              </a:spcAft>
+            </a:pPr>
+            <a:r>
+              <a:rPr lang="en-US" sz="750" b="1" dirty="0">
+                <a:solidFill>
+                  <a:srgbClr val="7030A0"/>
                 </a:solidFill>
                 <a:latin typeface="Courier" pitchFamily="2" charset="0"/>
                 <a:ea typeface="Courier" charset="0"/>
                 <a:cs typeface="Courier" charset="0"/>
               </a:rPr>
-              <a:t>)             |</a:t>
-            </a:r>
-          </a:p>
-          <a:p>
-            <a:pPr>
-              <a:spcAft>
-                <a:spcPts val="0"/>
-              </a:spcAft>
-            </a:pPr>
-            <a:r>
-              <a:rPr lang="en-US" sz="750" dirty="0">
-                <a:solidFill>
-                  <a:srgbClr val="0070C0"/>
+              <a:t>    |             Session-Reflector Rx counter  (</a:t>
+            </a:r>
+            <a:r>
+              <a:rPr lang="en-US" sz="750" b="1" dirty="0" err="1">
+                <a:solidFill>
+                  <a:srgbClr val="7030A0"/>
                 </a:solidFill>
                 <a:latin typeface="Courier" pitchFamily="2" charset="0"/>
                 <a:ea typeface="Courier" charset="0"/>
                 <a:cs typeface="Courier" charset="0"/>
               </a:rPr>
-              <a:t>    +-+-+-+-+-+-+-+-+-+-+-+-+-+-+-+-+-+-+-+-+-+-+-+-+-+-+-+-+-+-+-+-+</a:t>
-            </a:r>
-          </a:p>
-          <a:p>
-            <a:pPr>
-              <a:spcAft>
-                <a:spcPts val="0"/>
-              </a:spcAft>
-            </a:pPr>
-            <a:r>
-              <a:rPr lang="en-US" sz="750" dirty="0">
-                <a:solidFill>
-                  <a:srgbClr val="0070C0"/>
+              <a:t>R_RxC</a:t>
+            </a:r>
+            <a:r>
+              <a:rPr lang="en-US" sz="750" b="1" dirty="0">
+                <a:solidFill>
+                  <a:srgbClr val="7030A0"/>
                 </a:solidFill>
                 <a:latin typeface="Courier" pitchFamily="2" charset="0"/>
                 <a:ea typeface="Courier" charset="0"/>
                 <a:cs typeface="Courier" charset="0"/>
               </a:rPr>
-              <a:t>    |             Session-Reflector Tx counter  (</a:t>
-            </a:r>
-            <a:r>
-              <a:rPr lang="en-US" sz="750" dirty="0" err="1">
-                <a:solidFill>
-                  <a:srgbClr val="0070C0"/>
+              <a:t>)             |</a:t>
+            </a:r>
+          </a:p>
+          <a:p>
+            <a:pPr>
+              <a:spcAft>
+                <a:spcPts val="0"/>
+              </a:spcAft>
+            </a:pPr>
+            <a:r>
+              <a:rPr lang="en-US" sz="750" b="1" dirty="0">
+                <a:solidFill>
+                  <a:srgbClr val="7030A0"/>
                 </a:solidFill>
                 <a:latin typeface="Courier" pitchFamily="2" charset="0"/>
                 <a:ea typeface="Courier" charset="0"/>
                 <a:cs typeface="Courier" charset="0"/>
               </a:rPr>
-              <a:t>R_TxC</a:t>
-            </a:r>
-            <a:r>
-              <a:rPr lang="en-US" sz="750" dirty="0">
-                <a:solidFill>
-                  <a:srgbClr val="0070C0"/>
+              <a:t>    +-+-+-+-+-+-+-+-+-+-+-+-+-+-+-+-+-+-+-+-+-+-+-+-+-+-+-+-+-+-+-+-+</a:t>
+            </a:r>
+          </a:p>
+          <a:p>
+            <a:pPr>
+              <a:spcAft>
+                <a:spcPts val="0"/>
+              </a:spcAft>
+            </a:pPr>
+            <a:r>
+              <a:rPr lang="en-US" sz="750" b="1" dirty="0">
+                <a:solidFill>
+                  <a:srgbClr val="7030A0"/>
                 </a:solidFill>
                 <a:latin typeface="Courier" pitchFamily="2" charset="0"/>
                 <a:ea typeface="Courier" charset="0"/>
                 <a:cs typeface="Courier" charset="0"/>
               </a:rPr>
+              <a:t>    |             Session-Reflector Tx counter  (</a:t>
+            </a:r>
+            <a:r>
+              <a:rPr lang="en-US" sz="750" b="1" dirty="0" err="1">
+                <a:solidFill>
+                  <a:srgbClr val="7030A0"/>
+                </a:solidFill>
+                <a:latin typeface="Courier" pitchFamily="2" charset="0"/>
+                <a:ea typeface="Courier" charset="0"/>
+                <a:cs typeface="Courier" charset="0"/>
+              </a:rPr>
+              <a:t>R_TxC</a:t>
+            </a:r>
+            <a:r>
+              <a:rPr lang="en-US" sz="750" b="1" dirty="0">
+                <a:solidFill>
+                  <a:srgbClr val="7030A0"/>
+                </a:solidFill>
+                <a:latin typeface="Courier" pitchFamily="2" charset="0"/>
+                <a:ea typeface="Courier" charset="0"/>
+                <a:cs typeface="Courier" charset="0"/>
+              </a:rPr>
               <a:t>)             |</a:t>
             </a:r>
           </a:p>
@@ -9049,9 +9122,9 @@
               </a:spcAft>
             </a:pPr>
             <a:r>
-              <a:rPr lang="en-US" sz="750" dirty="0">
-                <a:solidFill>
-                  <a:srgbClr val="0070C0"/>
+              <a:rPr lang="en-US" sz="750" b="1" dirty="0">
+                <a:solidFill>
+                  <a:srgbClr val="7030A0"/>
                 </a:solidFill>
                 <a:latin typeface="Courier" pitchFamily="2" charset="0"/>
                 <a:ea typeface="Courier" charset="0"/>
@@ -9442,8 +9515,8 @@
         </p:nvCxnSpPr>
         <p:spPr>
           <a:xfrm>
-            <a:off x="4660255" y="733725"/>
-            <a:ext cx="0" cy="4016484"/>
+            <a:off x="4572000" y="659773"/>
+            <a:ext cx="0" cy="4111227"/>
           </a:xfrm>
           <a:prstGeom prst="line">
             <a:avLst/>

--- a/draft-gandhi-ippm-stamp-direct-loss-00.pptx
+++ b/draft-gandhi-ippm-stamp-direct-loss-00.pptx
@@ -254,7 +254,7 @@
           <a:p>
             <a:fld id="{E8FA3DB5-7722-3F4F-947D-12B203669AD7}" type="datetimeFigureOut">
               <a:rPr lang="en-US" smtClean="0"/>
-              <a:t>2/4/21</a:t>
+              <a:t>2/5/21</a:t>
             </a:fld>
             <a:endParaRPr lang="en-US"/>
           </a:p>
@@ -2287,7 +2287,7 @@
               </a14:hiddenLine>
             </a:ext>
             <a:ext uri="{FAA26D3D-D897-4be2-8F04-BA451C77F1D7}">
-              <ma14:placeholderFlag xmlns:ma14="http://schemas.microsoft.com/office/mac/drawingml/2011/main" xmlns="" val="1"/>
+              <ma14:placeholderFlag xmlns="" xmlns:ma14="http://schemas.microsoft.com/office/mac/drawingml/2011/main" val="1"/>
             </a:ext>
           </a:extLst>
         </p:spPr>
@@ -2718,14 +2718,14 @@
           </a:ln>
           <a:extLst>
             <a:ext uri="{909E8E84-426E-40dd-AFC4-6F175D3DCCD1}">
-              <a14:hiddenFill xmlns:a14="http://schemas.microsoft.com/office/drawing/2010/main" xmlns="">
+              <a14:hiddenFill xmlns="" xmlns:a14="http://schemas.microsoft.com/office/drawing/2010/main">
                 <a:solidFill>
                   <a:srgbClr val="FFFFFF"/>
                 </a:solidFill>
               </a14:hiddenFill>
             </a:ext>
             <a:ext uri="{91240B29-F687-4f45-9708-019B960494DF}">
-              <a14:hiddenLine xmlns:a14="http://schemas.microsoft.com/office/drawing/2010/main" xmlns="" w="9525">
+              <a14:hiddenLine xmlns="" xmlns:a14="http://schemas.microsoft.com/office/drawing/2010/main" w="9525">
                 <a:solidFill>
                   <a:srgbClr val="000000"/>
                 </a:solidFill>
@@ -5735,14 +5735,14 @@
               </a14:hiddenLine>
             </a:ext>
             <a:ext uri="{909E8E84-426E-40dd-AFC4-6F175D3DCCD1}">
-              <a14:hiddenFill xmlns:a14="http://schemas.microsoft.com/office/drawing/2010/main" xmlns="">
+              <a14:hiddenFill xmlns="" xmlns:a14="http://schemas.microsoft.com/office/drawing/2010/main">
                 <a:solidFill>
                   <a:srgbClr val="FFFFFF"/>
                 </a:solidFill>
               </a14:hiddenFill>
             </a:ext>
             <a:ext uri="{91240B29-F687-4f45-9708-019B960494DF}">
-              <a14:hiddenLine xmlns:a14="http://schemas.microsoft.com/office/drawing/2010/main" xmlns="" w="9525">
+              <a14:hiddenLine xmlns="" xmlns:a14="http://schemas.microsoft.com/office/drawing/2010/main" w="9525">
                 <a:solidFill>
                   <a:srgbClr val="000000"/>
                 </a:solidFill>
@@ -12870,7 +12870,7 @@
             <p:ph idx="1"/>
             <p:extLst>
               <p:ext uri="{D42A27DB-BD31-4B8C-83A1-F6EECF244321}">
-                <p14:modId xmlns:p14="http://schemas.microsoft.com/office/powerpoint/2010/main" val="230414110"/>
+                <p14:modId xmlns:p14="http://schemas.microsoft.com/office/powerpoint/2010/main" val="3902537578"/>
               </p:ext>
             </p:extLst>
           </p:nvPr>
@@ -13250,7 +13250,7 @@
                     <a:p>
                       <a:r>
                         <a:rPr lang="en-US" sz="1000" dirty="0"/>
-                        <a:t>Byte counters</a:t>
+                        <a:t>32-bit and 64-bit Byte counters</a:t>
                       </a:r>
                     </a:p>
                   </a:txBody>
@@ -13296,7 +13296,7 @@
                     <a:p>
                       <a:r>
                         <a:rPr lang="en-US" sz="1000" dirty="0"/>
-                        <a:t>64-bit packet and byte counters</a:t>
+                        <a:t>64-bit packet counters</a:t>
                       </a:r>
                     </a:p>
                   </a:txBody>

--- a/draft-gandhi-ippm-stamp-direct-loss-00.pptx
+++ b/draft-gandhi-ippm-stamp-direct-loss-00.pptx
@@ -254,7 +254,7 @@
           <a:p>
             <a:fld id="{E8FA3DB5-7722-3F4F-947D-12B203669AD7}" type="datetimeFigureOut">
               <a:rPr lang="en-US" smtClean="0"/>
-              <a:t>2/5/21</a:t>
+              <a:t>2/9/21</a:t>
             </a:fld>
             <a:endParaRPr lang="en-US"/>
           </a:p>
@@ -2287,7 +2287,7 @@
               </a14:hiddenLine>
             </a:ext>
             <a:ext uri="{FAA26D3D-D897-4be2-8F04-BA451C77F1D7}">
-              <ma14:placeholderFlag xmlns="" xmlns:ma14="http://schemas.microsoft.com/office/mac/drawingml/2011/main" val="1"/>
+              <ma14:placeholderFlag xmlns:ma14="http://schemas.microsoft.com/office/mac/drawingml/2011/main" xmlns="" val="1"/>
             </a:ext>
           </a:extLst>
         </p:spPr>
@@ -2718,14 +2718,14 @@
           </a:ln>
           <a:extLst>
             <a:ext uri="{909E8E84-426E-40dd-AFC4-6F175D3DCCD1}">
-              <a14:hiddenFill xmlns="" xmlns:a14="http://schemas.microsoft.com/office/drawing/2010/main">
+              <a14:hiddenFill xmlns:a14="http://schemas.microsoft.com/office/drawing/2010/main" xmlns="">
                 <a:solidFill>
                   <a:srgbClr val="FFFFFF"/>
                 </a:solidFill>
               </a14:hiddenFill>
             </a:ext>
             <a:ext uri="{91240B29-F687-4f45-9708-019B960494DF}">
-              <a14:hiddenLine xmlns="" xmlns:a14="http://schemas.microsoft.com/office/drawing/2010/main" w="9525">
+              <a14:hiddenLine xmlns:a14="http://schemas.microsoft.com/office/drawing/2010/main" xmlns="" w="9525">
                 <a:solidFill>
                   <a:srgbClr val="000000"/>
                 </a:solidFill>
@@ -5735,14 +5735,14 @@
               </a14:hiddenLine>
             </a:ext>
             <a:ext uri="{909E8E84-426E-40dd-AFC4-6F175D3DCCD1}">
-              <a14:hiddenFill xmlns="" xmlns:a14="http://schemas.microsoft.com/office/drawing/2010/main">
+              <a14:hiddenFill xmlns:a14="http://schemas.microsoft.com/office/drawing/2010/main" xmlns="">
                 <a:solidFill>
                   <a:srgbClr val="FFFFFF"/>
                 </a:solidFill>
               </a14:hiddenFill>
             </a:ext>
             <a:ext uri="{91240B29-F687-4f45-9708-019B960494DF}">
-              <a14:hiddenLine xmlns="" xmlns:a14="http://schemas.microsoft.com/office/drawing/2010/main" w="9525">
+              <a14:hiddenLine xmlns:a14="http://schemas.microsoft.com/office/drawing/2010/main" xmlns="" w="9525">
                 <a:solidFill>
                   <a:srgbClr val="000000"/>
                 </a:solidFill>
@@ -9848,7 +9848,7 @@
             </a:pPr>
             <a:r>
               <a:rPr lang="en-US" sz="1600" dirty="0"/>
-              <a:t>Avoid provisioning test sessions on Session-Reflector for stateless mode</a:t>
+              <a:t>Avoid provisioning and maintaining test sessions on Session-Reflector for stateless mode</a:t>
             </a:r>
           </a:p>
           <a:p>

--- a/draft-gandhi-ippm-stamp-direct-loss-00.pptx
+++ b/draft-gandhi-ippm-stamp-direct-loss-00.pptx
@@ -2287,7 +2287,7 @@
               </a14:hiddenLine>
             </a:ext>
             <a:ext uri="{FAA26D3D-D897-4be2-8F04-BA451C77F1D7}">
-              <ma14:placeholderFlag xmlns:ma14="http://schemas.microsoft.com/office/mac/drawingml/2011/main" xmlns="" val="1"/>
+              <ma14:placeholderFlag xmlns="" xmlns:ma14="http://schemas.microsoft.com/office/mac/drawingml/2011/main" val="1"/>
             </a:ext>
           </a:extLst>
         </p:spPr>
@@ -2718,14 +2718,14 @@
           </a:ln>
           <a:extLst>
             <a:ext uri="{909E8E84-426E-40dd-AFC4-6F175D3DCCD1}">
-              <a14:hiddenFill xmlns:a14="http://schemas.microsoft.com/office/drawing/2010/main" xmlns="">
+              <a14:hiddenFill xmlns="" xmlns:a14="http://schemas.microsoft.com/office/drawing/2010/main">
                 <a:solidFill>
                   <a:srgbClr val="FFFFFF"/>
                 </a:solidFill>
               </a14:hiddenFill>
             </a:ext>
             <a:ext uri="{91240B29-F687-4f45-9708-019B960494DF}">
-              <a14:hiddenLine xmlns:a14="http://schemas.microsoft.com/office/drawing/2010/main" xmlns="" w="9525">
+              <a14:hiddenLine xmlns="" xmlns:a14="http://schemas.microsoft.com/office/drawing/2010/main" w="9525">
                 <a:solidFill>
                   <a:srgbClr val="000000"/>
                 </a:solidFill>
@@ -5735,14 +5735,14 @@
               </a14:hiddenLine>
             </a:ext>
             <a:ext uri="{909E8E84-426E-40dd-AFC4-6F175D3DCCD1}">
-              <a14:hiddenFill xmlns:a14="http://schemas.microsoft.com/office/drawing/2010/main" xmlns="">
+              <a14:hiddenFill xmlns="" xmlns:a14="http://schemas.microsoft.com/office/drawing/2010/main">
                 <a:solidFill>
                   <a:srgbClr val="FFFFFF"/>
                 </a:solidFill>
               </a14:hiddenFill>
             </a:ext>
             <a:ext uri="{91240B29-F687-4f45-9708-019B960494DF}">
-              <a14:hiddenLine xmlns:a14="http://schemas.microsoft.com/office/drawing/2010/main" xmlns="" w="9525">
+              <a14:hiddenLine xmlns="" xmlns:a14="http://schemas.microsoft.com/office/drawing/2010/main" w="9525">
                 <a:solidFill>
                   <a:srgbClr val="000000"/>
                 </a:solidFill>
@@ -9848,7 +9848,7 @@
             </a:pPr>
             <a:r>
               <a:rPr lang="en-US" sz="1600" dirty="0"/>
-              <a:t>Avoid provisioning and maintaining test sessions on Session-Reflector for stateless mode</a:t>
+              <a:t>Avoid provisioning and maintaining test sessions on Session-Reflector - stateless mode</a:t>
             </a:r>
           </a:p>
           <a:p>

--- a/draft-gandhi-ippm-stamp-direct-loss-00.pptx
+++ b/draft-gandhi-ippm-stamp-direct-loss-00.pptx
@@ -254,7 +254,7 @@
           <a:p>
             <a:fld id="{E8FA3DB5-7722-3F4F-947D-12B203669AD7}" type="datetimeFigureOut">
               <a:rPr lang="en-US" smtClean="0"/>
-              <a:t>2/9/21</a:t>
+              <a:t>2/10/21</a:t>
             </a:fld>
             <a:endParaRPr lang="en-US"/>
           </a:p>
@@ -2287,7 +2287,7 @@
               </a14:hiddenLine>
             </a:ext>
             <a:ext uri="{FAA26D3D-D897-4be2-8F04-BA451C77F1D7}">
-              <ma14:placeholderFlag xmlns="" xmlns:ma14="http://schemas.microsoft.com/office/mac/drawingml/2011/main" val="1"/>
+              <ma14:placeholderFlag xmlns:ma14="http://schemas.microsoft.com/office/mac/drawingml/2011/main" xmlns="" val="1"/>
             </a:ext>
           </a:extLst>
         </p:spPr>
@@ -2718,14 +2718,14 @@
           </a:ln>
           <a:extLst>
             <a:ext uri="{909E8E84-426E-40dd-AFC4-6F175D3DCCD1}">
-              <a14:hiddenFill xmlns="" xmlns:a14="http://schemas.microsoft.com/office/drawing/2010/main">
+              <a14:hiddenFill xmlns:a14="http://schemas.microsoft.com/office/drawing/2010/main" xmlns="">
                 <a:solidFill>
                   <a:srgbClr val="FFFFFF"/>
                 </a:solidFill>
               </a14:hiddenFill>
             </a:ext>
             <a:ext uri="{91240B29-F687-4f45-9708-019B960494DF}">
-              <a14:hiddenLine xmlns="" xmlns:a14="http://schemas.microsoft.com/office/drawing/2010/main" w="9525">
+              <a14:hiddenLine xmlns:a14="http://schemas.microsoft.com/office/drawing/2010/main" xmlns="" w="9525">
                 <a:solidFill>
                   <a:srgbClr val="000000"/>
                 </a:solidFill>
@@ -5349,8 +5349,8 @@
         </p:nvSpPr>
         <p:spPr>
           <a:xfrm>
-            <a:off x="152400" y="438150"/>
-            <a:ext cx="8763000" cy="1676400"/>
+            <a:off x="457200" y="438150"/>
+            <a:ext cx="8229600" cy="1676400"/>
           </a:xfrm>
         </p:spPr>
         <p:txBody>
@@ -5361,7 +5361,7 @@
           <a:p>
             <a:r>
               <a:rPr lang="en-US" sz="3600" dirty="0"/>
-              <a:t>Simple TWAMP (STAMP) Extensions for Direct Measurement</a:t>
+              <a:t>Simple TWAMP (STAMP) Extensions for Direct Loss Measurement</a:t>
             </a:r>
           </a:p>
         </p:txBody>
@@ -5735,14 +5735,14 @@
               </a14:hiddenLine>
             </a:ext>
             <a:ext uri="{909E8E84-426E-40dd-AFC4-6F175D3DCCD1}">
-              <a14:hiddenFill xmlns="" xmlns:a14="http://schemas.microsoft.com/office/drawing/2010/main">
+              <a14:hiddenFill xmlns:a14="http://schemas.microsoft.com/office/drawing/2010/main" xmlns="">
                 <a:solidFill>
                   <a:srgbClr val="FFFFFF"/>
                 </a:solidFill>
               </a14:hiddenFill>
             </a:ext>
             <a:ext uri="{91240B29-F687-4f45-9708-019B960494DF}">
-              <a14:hiddenLine xmlns="" xmlns:a14="http://schemas.microsoft.com/office/drawing/2010/main" w="9525">
+              <a14:hiddenLine xmlns:a14="http://schemas.microsoft.com/office/drawing/2010/main" xmlns="" w="9525">
                 <a:solidFill>
                   <a:srgbClr val="000000"/>
                 </a:solidFill>
@@ -5933,7 +5933,7 @@
                 <a:latin typeface="Calibri Light" panose="020F0302020204030204" pitchFamily="34" charset="0"/>
                 <a:cs typeface="Calibri Light" panose="020F0302020204030204" pitchFamily="34" charset="0"/>
               </a:rPr>
-              <a:t>Link Loss Direct Measurement (P2P Circuits)</a:t>
+              <a:t>Link Loss Direct Loss Measurement (P2P Circuits)</a:t>
             </a:r>
           </a:p>
           <a:p>
@@ -9809,7 +9809,7 @@
             </a:pPr>
             <a:r>
               <a:rPr lang="en-US" sz="1600" dirty="0"/>
-              <a:t>Support stand-alone Direct Measurement for accurate data packet loss</a:t>
+              <a:t>Support stand-alone Direct Loss Measurement for accurate data packet loss</a:t>
             </a:r>
           </a:p>
           <a:p>
@@ -9996,7 +9996,7 @@
         </p:nvSpPr>
         <p:spPr>
           <a:xfrm>
-            <a:off x="139148" y="53450"/>
+            <a:off x="139148" y="104378"/>
             <a:ext cx="4432852" cy="845539"/>
           </a:xfrm>
         </p:spPr>
@@ -10006,14 +10006,14 @@
           <a:p>
             <a:pPr algn="l"/>
             <a:r>
-              <a:rPr lang="en-US" sz="2400" dirty="0">
+              <a:rPr lang="en-US" sz="2000" dirty="0">
                 <a:solidFill>
                   <a:srgbClr val="0070C0"/>
                 </a:solidFill>
                 <a:latin typeface="Calibri Light" panose="020F0302020204030204" pitchFamily="34" charset="0"/>
                 <a:cs typeface="Calibri Light" panose="020F0302020204030204" pitchFamily="34" charset="0"/>
               </a:rPr>
-              <a:t>Stand-alone Direct Measurement Test Packet for Data Packet Loss</a:t>
+              <a:t>Stand-alone Direct Loss Measurement Test Packet for Data Packet Loss</a:t>
             </a:r>
           </a:p>
         </p:txBody>
@@ -10242,7 +10242,7 @@
             </a:pPr>
             <a:r>
               <a:rPr lang="en-US" sz="1100" kern="0" dirty="0"/>
-              <a:t>Stand-alone Base Direct Measurement test packet defined</a:t>
+              <a:t>Stand-alone Base Direct Loss Measurement test packet defined</a:t>
             </a:r>
           </a:p>
           <a:p>
@@ -10297,7 +10297,7 @@
             </a:pPr>
             <a:r>
               <a:rPr lang="en-US" sz="1100" kern="0" dirty="0"/>
-              <a:t>Direct Measurement test packet is also defined for authenticated mode</a:t>
+              <a:t>Direct Loss Measurement test packet is also defined for authenticated mode</a:t>
             </a:r>
           </a:p>
           <a:p>
@@ -10308,7 +10308,7 @@
             </a:pPr>
             <a:r>
               <a:rPr lang="en-US" sz="1100" kern="0" dirty="0"/>
-              <a:t>User-configured destination UDP Port is used for identifying direct measurement test packets (different than port 862)</a:t>
+              <a:t>User-configured destination UDP Port is used for identifying Direct Loss Measurement test packets (different than port 862)</a:t>
             </a:r>
           </a:p>
           <a:p>
@@ -10319,7 +10319,7 @@
             </a:pPr>
             <a:r>
               <a:rPr lang="en-US" sz="1100" kern="0" dirty="0"/>
-              <a:t>Does not modify the existing STAMP procedure as different destination UDP port is used for direct measurement test packets</a:t>
+              <a:t>Does not modify the existing STAMP procedure as different destination UDP port is used for Direct Loss Measurement test packets</a:t>
             </a:r>
           </a:p>
           <a:p>
@@ -10330,7 +10330,7 @@
             </a:pPr>
             <a:r>
               <a:rPr lang="en-US" sz="1100" kern="0" dirty="0"/>
-              <a:t>Other than Timestamp vs. Counter, the DM test packet format is same as Base STAMP test packet</a:t>
+              <a:t>Other than Timestamp vs. Counter, the DLM test packet format is same as Base STAMP test packet</a:t>
             </a:r>
           </a:p>
           <a:p>
@@ -10341,7 +10341,7 @@
             </a:pPr>
             <a:r>
               <a:rPr lang="en-US" sz="1100" kern="0" dirty="0"/>
-              <a:t>Sequence Numbers allow to detect direct measurement test packet loss - Detect session state up/down</a:t>
+              <a:t>Sequence Numbers allow to detect Direct Loss Measurement test packet loss - Detect session state up/down</a:t>
             </a:r>
           </a:p>
           <a:p>
@@ -11458,7 +11458,7 @@
                 <a:ea typeface="Times New Roman" panose="02020603050405020304" pitchFamily="18" charset="0"/>
                 <a:cs typeface="Courier New" panose="02070309020205020404" pitchFamily="49" charset="0"/>
               </a:rPr>
-              <a:t>.  Destination Port = User-configured Port direct measurement  .</a:t>
+              <a:t>.  Destination Port = User-configured Port Direct Loss Measurement  .</a:t>
             </a:r>
             <a:endParaRPr kumimoji="0" lang="en-US" altLang="en-US" sz="600" u="none" strike="noStrike" cap="none" normalizeH="0" baseline="0" dirty="0">
               <a:ln>
@@ -12772,7 +12772,7 @@
               <a:rPr lang="en-US" altLang="en-US" sz="800" dirty="0">
                 <a:latin typeface="Courier" pitchFamily="2" charset="0"/>
               </a:rPr>
-              <a:t>     Figure: Session-Reflector Direct Measurement Test Packet</a:t>
+              <a:t>     Figure: Session-Reflector Direct Loss Measurement Test Packet</a:t>
             </a:r>
             <a:endParaRPr kumimoji="0" lang="en-US" altLang="en-US" sz="1800" u="none" strike="noStrike" cap="none" normalizeH="0" baseline="0" dirty="0">
               <a:ln>
@@ -12841,16 +12841,16 @@
           <a:lstStyle/>
           <a:p>
             <a:r>
-              <a:rPr lang="en-US" sz="2800" dirty="0">
+              <a:rPr lang="en-US" sz="2600" dirty="0">
                 <a:solidFill>
                   <a:srgbClr val="0070C0"/>
                 </a:solidFill>
                 <a:latin typeface="Calibri Light" panose="020F0302020204030204" pitchFamily="34" charset="0"/>
                 <a:cs typeface="Calibri Light" panose="020F0302020204030204" pitchFamily="34" charset="0"/>
               </a:rPr>
-              <a:t>Direct Measurement TLV vs. Direct Measurement Test Packet</a:t>
-            </a:r>
-            <a:endParaRPr lang="en-US" sz="2800" dirty="0"/>
+              <a:t>Direct Measurement TLV vs. Direct Loss Measurement Test Packet</a:t>
+            </a:r>
+            <a:endParaRPr lang="en-US" sz="2600" dirty="0"/>
           </a:p>
         </p:txBody>
       </p:sp>
@@ -12870,7 +12870,7 @@
             <p:ph idx="1"/>
             <p:extLst>
               <p:ext uri="{D42A27DB-BD31-4B8C-83A1-F6EECF244321}">
-                <p14:modId xmlns:p14="http://schemas.microsoft.com/office/powerpoint/2010/main" val="3902537578"/>
+                <p14:modId xmlns:p14="http://schemas.microsoft.com/office/powerpoint/2010/main" val="2627968917"/>
               </p:ext>
             </p:extLst>
           </p:nvPr>
@@ -12939,7 +12939,7 @@
                     <a:p>
                       <a:r>
                         <a:rPr lang="en-US" sz="1000" dirty="0"/>
-                        <a:t>Direct Measurement Test Packet</a:t>
+                        <a:t>Direct Loss Measurement Test Packet</a:t>
                       </a:r>
                     </a:p>
                   </a:txBody>
@@ -14288,14 +14288,22 @@
         </p:nvSpPr>
         <p:spPr>
           <a:xfrm>
-            <a:off x="609600" y="3411600"/>
-            <a:ext cx="8077200" cy="1154999"/>
+            <a:off x="590006" y="3384982"/>
+            <a:ext cx="8077200" cy="1401330"/>
           </a:xfrm>
         </p:spPr>
         <p:txBody>
           <a:bodyPr/>
           <a:lstStyle/>
           <a:p>
+            <a:pPr>
+              <a:lnSpc>
+                <a:spcPts val="1640"/>
+              </a:lnSpc>
+              <a:spcBef>
+                <a:spcPts val="300"/>
+              </a:spcBef>
+            </a:pPr>
             <a:r>
               <a:rPr lang="en-CA" sz="1200" dirty="0"/>
               <a:t>Using the Counters C1, C2, C3 and C4 as per reference topology, from the n</a:t>
@@ -14318,11 +14326,18 @@
             </a:r>
             <a:r>
               <a:rPr lang="en-CA" sz="1200" dirty="0"/>
-              <a:t>direct measurement test packets.</a:t>
-            </a:r>
-          </a:p>
-          <a:p>
-            <a:pPr lvl="1"/>
+              <a:t>Direct Loss Measurement test packets.</a:t>
+            </a:r>
+          </a:p>
+          <a:p>
+            <a:pPr lvl="1">
+              <a:lnSpc>
+                <a:spcPts val="1640"/>
+              </a:lnSpc>
+              <a:spcBef>
+                <a:spcPts val="300"/>
+              </a:spcBef>
+            </a:pPr>
             <a:r>
               <a:rPr lang="en-CA" sz="1200" dirty="0"/>
               <a:t>Transmit Loss </a:t>
@@ -14337,7 +14352,14 @@
             </a:r>
           </a:p>
           <a:p>
-            <a:pPr lvl="1"/>
+            <a:pPr lvl="1">
+              <a:lnSpc>
+                <a:spcPts val="1640"/>
+              </a:lnSpc>
+              <a:spcBef>
+                <a:spcPts val="300"/>
+              </a:spcBef>
+            </a:pPr>
             <a:r>
               <a:rPr lang="en-CA" sz="1200" dirty="0"/>
               <a:t>Receive Loss </a:t>
@@ -14352,12 +14374,28 @@
             </a:r>
           </a:p>
           <a:p>
+            <a:pPr>
+              <a:lnSpc>
+                <a:spcPts val="1640"/>
+              </a:lnSpc>
+              <a:spcBef>
+                <a:spcPts val="300"/>
+              </a:spcBef>
+            </a:pPr>
             <a:r>
               <a:rPr lang="en-CA" sz="1200" dirty="0"/>
               <a:t>When using Alternate-Marking Method, all Counters used for the loss calculation belongs to the same Block Number, as described in Section 3.1 of [RFC8321].</a:t>
             </a:r>
           </a:p>
           <a:p>
+            <a:pPr>
+              <a:lnSpc>
+                <a:spcPts val="1640"/>
+              </a:lnSpc>
+              <a:spcBef>
+                <a:spcPts val="300"/>
+              </a:spcBef>
+            </a:pPr>
             <a:endParaRPr lang="en-CA" sz="1200" dirty="0"/>
           </a:p>
         </p:txBody>
@@ -14485,7 +14523,7 @@
                 <a:ea typeface="Calibri" panose="020F0502020204030204" pitchFamily="34" charset="0"/>
                 <a:cs typeface="Times New Roman" panose="02020603050405020304" pitchFamily="18" charset="0"/>
               </a:rPr>
-              <a:t>          C1                 C2</a:t>
+              <a:t>          C1                   C2</a:t>
             </a:r>
           </a:p>
           <a:p>
@@ -14495,7 +14533,7 @@
                 <a:ea typeface="Calibri" panose="020F0502020204030204" pitchFamily="34" charset="0"/>
                 <a:cs typeface="Times New Roman" panose="02020603050405020304" pitchFamily="18" charset="0"/>
               </a:rPr>
-              <a:t>         /                     \</a:t>
+              <a:t>         /                       \</a:t>
             </a:r>
           </a:p>
           <a:p>
@@ -14505,7 +14543,7 @@
                 <a:ea typeface="Calibri" panose="020F0502020204030204" pitchFamily="34" charset="0"/>
                 <a:cs typeface="Times New Roman" panose="02020603050405020304" pitchFamily="18" charset="0"/>
               </a:rPr>
-              <a:t>+-------+    DM Test Packet     +-------+</a:t>
+              <a:t>+-------+     DLM Test Packet     +-------+</a:t>
             </a:r>
           </a:p>
           <a:p>
@@ -14515,7 +14553,7 @@
                 <a:ea typeface="Calibri" panose="020F0502020204030204" pitchFamily="34" charset="0"/>
                 <a:cs typeface="Times New Roman" panose="02020603050405020304" pitchFamily="18" charset="0"/>
               </a:rPr>
-              <a:t>|       | - - - - - - - - - - -&gt;|       |</a:t>
+              <a:t>|       | - - - - - - - - - - - -&gt;|       |</a:t>
             </a:r>
           </a:p>
           <a:p>
@@ -14525,7 +14563,7 @@
                 <a:ea typeface="Calibri" panose="020F0502020204030204" pitchFamily="34" charset="0"/>
                 <a:cs typeface="Times New Roman" panose="02020603050405020304" pitchFamily="18" charset="0"/>
               </a:rPr>
-              <a:t>|   R1  |=======================|   R3  |</a:t>
+              <a:t>|   R1  |=========================|   R3  |</a:t>
             </a:r>
           </a:p>
           <a:p>
@@ -14535,7 +14573,7 @@
                 <a:ea typeface="Calibri" panose="020F0502020204030204" pitchFamily="34" charset="0"/>
                 <a:cs typeface="Times New Roman" panose="02020603050405020304" pitchFamily="18" charset="0"/>
               </a:rPr>
-              <a:t>|       |&lt;- - - - - - - - - - - |       |</a:t>
+              <a:t>|       |&lt;- - - - - - - - - - - - |       |</a:t>
             </a:r>
           </a:p>
           <a:p>
@@ -14545,7 +14583,7 @@
                 <a:ea typeface="Calibri" panose="020F0502020204030204" pitchFamily="34" charset="0"/>
                 <a:cs typeface="Times New Roman" panose="02020603050405020304" pitchFamily="18" charset="0"/>
               </a:rPr>
-              <a:t>+-------+ DM Reply Test Packet  +-------+</a:t>
+              <a:t>+-------+  DLM Reply Test Packet  +-------+</a:t>
             </a:r>
           </a:p>
           <a:p>
@@ -14555,7 +14593,7 @@
                 <a:ea typeface="Calibri" panose="020F0502020204030204" pitchFamily="34" charset="0"/>
                 <a:cs typeface="Times New Roman" panose="02020603050405020304" pitchFamily="18" charset="0"/>
               </a:rPr>
-              <a:t>         \                     /</a:t>
+              <a:t>         \                       /</a:t>
             </a:r>
           </a:p>
           <a:p>
@@ -14565,7 +14603,7 @@
                 <a:ea typeface="Calibri" panose="020F0502020204030204" pitchFamily="34" charset="0"/>
                 <a:cs typeface="Times New Roman" panose="02020603050405020304" pitchFamily="18" charset="0"/>
               </a:rPr>
-              <a:t>          C4                  C3</a:t>
+              <a:t>          C4                    C3</a:t>
             </a:r>
           </a:p>
           <a:p>
@@ -14605,7 +14643,7 @@
                 <a:ea typeface="Calibri" panose="020F0502020204030204" pitchFamily="34" charset="0"/>
                 <a:cs typeface="Times New Roman" panose="02020603050405020304" pitchFamily="18" charset="0"/>
               </a:rPr>
-              <a:t>            Reference Topology</a:t>
+              <a:t>             Reference Topology</a:t>
             </a:r>
             <a:endParaRPr lang="en-US" sz="1200" dirty="0">
               <a:latin typeface="Courier" pitchFamily="2" charset="0"/>

--- a/draft-gandhi-ippm-stamp-direct-loss-00.pptx
+++ b/draft-gandhi-ippm-stamp-direct-loss-00.pptx
@@ -2287,7 +2287,7 @@
               </a14:hiddenLine>
             </a:ext>
             <a:ext uri="{FAA26D3D-D897-4be2-8F04-BA451C77F1D7}">
-              <ma14:placeholderFlag xmlns:ma14="http://schemas.microsoft.com/office/mac/drawingml/2011/main" xmlns="" val="1"/>
+              <ma14:placeholderFlag xmlns="" xmlns:ma14="http://schemas.microsoft.com/office/mac/drawingml/2011/main" val="1"/>
             </a:ext>
           </a:extLst>
         </p:spPr>
@@ -2718,14 +2718,14 @@
           </a:ln>
           <a:extLst>
             <a:ext uri="{909E8E84-426E-40dd-AFC4-6F175D3DCCD1}">
-              <a14:hiddenFill xmlns:a14="http://schemas.microsoft.com/office/drawing/2010/main" xmlns="">
+              <a14:hiddenFill xmlns="" xmlns:a14="http://schemas.microsoft.com/office/drawing/2010/main">
                 <a:solidFill>
                   <a:srgbClr val="FFFFFF"/>
                 </a:solidFill>
               </a14:hiddenFill>
             </a:ext>
             <a:ext uri="{91240B29-F687-4f45-9708-019B960494DF}">
-              <a14:hiddenLine xmlns:a14="http://schemas.microsoft.com/office/drawing/2010/main" xmlns="" w="9525">
+              <a14:hiddenLine xmlns="" xmlns:a14="http://schemas.microsoft.com/office/drawing/2010/main" w="9525">
                 <a:solidFill>
                   <a:srgbClr val="000000"/>
                 </a:solidFill>
@@ -5706,8 +5706,8 @@
         </p:nvSpPr>
         <p:spPr bwMode="auto">
           <a:xfrm>
-            <a:off x="462126" y="196884"/>
-            <a:ext cx="8219748" cy="731836"/>
+            <a:off x="0" y="196884"/>
+            <a:ext cx="9067800" cy="731836"/>
           </a:xfrm>
           <a:prstGeom prst="rect">
             <a:avLst/>
@@ -5735,14 +5735,14 @@
               </a14:hiddenLine>
             </a:ext>
             <a:ext uri="{909E8E84-426E-40dd-AFC4-6F175D3DCCD1}">
-              <a14:hiddenFill xmlns:a14="http://schemas.microsoft.com/office/drawing/2010/main" xmlns="">
+              <a14:hiddenFill xmlns="" xmlns:a14="http://schemas.microsoft.com/office/drawing/2010/main">
                 <a:solidFill>
                   <a:srgbClr val="FFFFFF"/>
                 </a:solidFill>
               </a14:hiddenFill>
             </a:ext>
             <a:ext uri="{91240B29-F687-4f45-9708-019B960494DF}">
-              <a14:hiddenLine xmlns:a14="http://schemas.microsoft.com/office/drawing/2010/main" xmlns="" w="9525">
+              <a14:hiddenLine xmlns="" xmlns:a14="http://schemas.microsoft.com/office/drawing/2010/main" w="9525">
                 <a:solidFill>
                   <a:srgbClr val="000000"/>
                 </a:solidFill>
@@ -5925,6 +5925,7 @@
             </a:lvl9pPr>
           </a:lstStyle>
           <a:p>
+            <a:pPr algn="ctr"/>
             <a:r>
               <a:rPr lang="en-US" sz="3200" dirty="0">
                 <a:solidFill>
@@ -5933,10 +5934,11 @@
                 <a:latin typeface="Calibri Light" panose="020F0302020204030204" pitchFamily="34" charset="0"/>
                 <a:cs typeface="Calibri Light" panose="020F0302020204030204" pitchFamily="34" charset="0"/>
               </a:rPr>
-              <a:t>Link Loss Direct Loss Measurement (P2P Circuits)</a:t>
-            </a:r>
-          </a:p>
-          <a:p>
+              <a:t>Direct Link Loss Measurement (P2P Circuits)</a:t>
+            </a:r>
+          </a:p>
+          <a:p>
+            <a:pPr algn="ctr"/>
             <a:r>
               <a:rPr lang="en-US" sz="3200" dirty="0">
                 <a:solidFill>

--- a/draft-gandhi-ippm-stamp-direct-loss-00.pptx
+++ b/draft-gandhi-ippm-stamp-direct-loss-00.pptx
@@ -2287,7 +2287,7 @@
               </a14:hiddenLine>
             </a:ext>
             <a:ext uri="{FAA26D3D-D897-4be2-8F04-BA451C77F1D7}">
-              <ma14:placeholderFlag xmlns="" xmlns:ma14="http://schemas.microsoft.com/office/mac/drawingml/2011/main" val="1"/>
+              <ma14:placeholderFlag xmlns:ma14="http://schemas.microsoft.com/office/mac/drawingml/2011/main" xmlns="" val="1"/>
             </a:ext>
           </a:extLst>
         </p:spPr>
@@ -2718,14 +2718,14 @@
           </a:ln>
           <a:extLst>
             <a:ext uri="{909E8E84-426E-40dd-AFC4-6F175D3DCCD1}">
-              <a14:hiddenFill xmlns="" xmlns:a14="http://schemas.microsoft.com/office/drawing/2010/main">
+              <a14:hiddenFill xmlns:a14="http://schemas.microsoft.com/office/drawing/2010/main" xmlns="">
                 <a:solidFill>
                   <a:srgbClr val="FFFFFF"/>
                 </a:solidFill>
               </a14:hiddenFill>
             </a:ext>
             <a:ext uri="{91240B29-F687-4f45-9708-019B960494DF}">
-              <a14:hiddenLine xmlns="" xmlns:a14="http://schemas.microsoft.com/office/drawing/2010/main" w="9525">
+              <a14:hiddenLine xmlns:a14="http://schemas.microsoft.com/office/drawing/2010/main" xmlns="" w="9525">
                 <a:solidFill>
                   <a:srgbClr val="000000"/>
                 </a:solidFill>
@@ -5735,14 +5735,14 @@
               </a14:hiddenLine>
             </a:ext>
             <a:ext uri="{909E8E84-426E-40dd-AFC4-6F175D3DCCD1}">
-              <a14:hiddenFill xmlns="" xmlns:a14="http://schemas.microsoft.com/office/drawing/2010/main">
+              <a14:hiddenFill xmlns:a14="http://schemas.microsoft.com/office/drawing/2010/main" xmlns="">
                 <a:solidFill>
                   <a:srgbClr val="FFFFFF"/>
                 </a:solidFill>
               </a14:hiddenFill>
             </a:ext>
             <a:ext uri="{91240B29-F687-4f45-9708-019B960494DF}">
-              <a14:hiddenLine xmlns="" xmlns:a14="http://schemas.microsoft.com/office/drawing/2010/main" w="9525">
+              <a14:hiddenLine xmlns:a14="http://schemas.microsoft.com/office/drawing/2010/main" xmlns="" w="9525">
                 <a:solidFill>
                   <a:srgbClr val="000000"/>
                 </a:solidFill>
@@ -10343,7 +10343,7 @@
             </a:pPr>
             <a:r>
               <a:rPr lang="en-US" sz="1100" kern="0" dirty="0"/>
-              <a:t>Sequence Numbers allow to detect Direct Loss Measurement test packet loss - Detect session state up/down</a:t>
+              <a:t>Sequence Numbers allow to detect Direct Loss Measurement test packet loss - DLM session status</a:t>
             </a:r>
           </a:p>
           <a:p>
